--- a/Aufgabe/DLMCSITSDS01_Willkens_IU14073577_TLS_20240530.pptx
+++ b/Aufgabe/DLMCSITSDS01_Willkens_IU14073577_TLS_20240530.pptx
@@ -5,19 +5,18 @@
     <p:sldMasterId id="2147483718" r:id="rId1"/>
   </p:sldMasterIdLst>
   <p:notesMasterIdLst>
-    <p:notesMasterId r:id="rId12"/>
+    <p:notesMasterId r:id="rId11"/>
   </p:notesMasterIdLst>
   <p:sldIdLst>
     <p:sldId id="256" r:id="rId2"/>
     <p:sldId id="258" r:id="rId3"/>
-    <p:sldId id="262" r:id="rId4"/>
+    <p:sldId id="267" r:id="rId4"/>
     <p:sldId id="259" r:id="rId5"/>
     <p:sldId id="263" r:id="rId6"/>
     <p:sldId id="264" r:id="rId7"/>
     <p:sldId id="266" r:id="rId8"/>
     <p:sldId id="260" r:id="rId9"/>
     <p:sldId id="265" r:id="rId10"/>
-    <p:sldId id="261" r:id="rId11"/>
   </p:sldIdLst>
   <p:sldSz cx="12192000" cy="6858000"/>
   <p:notesSz cx="6858000" cy="9144000"/>
@@ -16634,7 +16633,7 @@
           <a:p>
             <a:fld id="{E357B98D-3798-4C8A-8199-EC955967EE11}" type="datetimeFigureOut">
               <a:rPr lang="de-DE" smtClean="0"/>
-              <a:t>30.05.2024</a:t>
+              <a:t>02.06.2024</a:t>
             </a:fld>
             <a:endParaRPr lang="de-DE"/>
           </a:p>
@@ -17034,12 +17033,8 @@
               <a:buNone/>
             </a:pPr>
             <a:r>
-              <a:rPr lang="de-DE" dirty="0" err="1"/>
-              <a:t>DevOps</a:t>
-            </a:r>
-            <a:r>
               <a:rPr lang="de-DE" dirty="0"/>
-              <a:t>:</a:t>
+              <a:t>TLS:</a:t>
             </a:r>
           </a:p>
           <a:p>
@@ -17048,639 +17043,12 @@
               <a:buChar char="•"/>
             </a:pPr>
             <a:r>
-              <a:rPr lang="de-DE" b="0" i="0" dirty="0">
-                <a:solidFill>
-                  <a:srgbClr val="2E2F30"/>
-                </a:solidFill>
-                <a:effectLst/>
-                <a:latin typeface="Inter"/>
-              </a:rPr>
-              <a:t>Prozesse zwischen diesen beiden Bereichen automatisiert und optimiert, um Software schneller und zuverlässiger zu entwickeln </a:t>
-            </a:r>
-          </a:p>
-          <a:p>
-            <a:pPr marL="0" indent="0">
-              <a:buFont typeface="Arial" panose="020B0604020202020204" pitchFamily="34" charset="0"/>
-              <a:buNone/>
-            </a:pPr>
-            <a:r>
-              <a:rPr lang="de-DE" b="0" i="0" dirty="0" err="1">
-                <a:solidFill>
-                  <a:srgbClr val="2E2F30"/>
-                </a:solidFill>
-                <a:effectLst/>
-                <a:latin typeface="Inter"/>
-              </a:rPr>
-              <a:t>DataOps</a:t>
+              <a:rPr lang="de-DE" dirty="0" err="1"/>
+              <a:t>Symetrische</a:t>
             </a:r>
             <a:r>
-              <a:rPr lang="de-DE" b="0" i="0" dirty="0">
-                <a:solidFill>
-                  <a:srgbClr val="2E2F30"/>
-                </a:solidFill>
-                <a:effectLst/>
-                <a:latin typeface="Inter"/>
-              </a:rPr>
-              <a:t>:</a:t>
-            </a:r>
-          </a:p>
-          <a:p>
-            <a:pPr marL="171450" indent="-171450">
-              <a:buFont typeface="Arial" panose="020B0604020202020204" pitchFamily="34" charset="0"/>
-              <a:buChar char="•"/>
-            </a:pPr>
-            <a:r>
-              <a:rPr lang="de-DE" b="0" i="0" dirty="0">
-                <a:solidFill>
-                  <a:srgbClr val="2E2F30"/>
-                </a:solidFill>
-                <a:effectLst/>
-                <a:latin typeface="Inter"/>
-              </a:rPr>
-              <a:t>Optimierung von Datenmanagementprozessen abzielt, insbesondere im Zusammenhang mit Big Data und Analysen </a:t>
-            </a:r>
-          </a:p>
-          <a:p>
-            <a:pPr marL="171450" indent="-171450">
-              <a:buFont typeface="Arial" panose="020B0604020202020204" pitchFamily="34" charset="0"/>
-              <a:buChar char="•"/>
-            </a:pPr>
-            <a:r>
-              <a:rPr lang="de-DE" b="0" i="0" dirty="0">
-                <a:solidFill>
-                  <a:srgbClr val="2E2F30"/>
-                </a:solidFill>
-                <a:effectLst/>
-                <a:latin typeface="Inter"/>
-              </a:rPr>
-              <a:t>Datennachfrage bis zum Datenerfolg zu verkürzen und die Qualität und den Zyklus der Datenanalyse zu verbessern</a:t>
-            </a:r>
-          </a:p>
-          <a:p>
-            <a:pPr marL="0" indent="0">
-              <a:buFont typeface="Arial" panose="020B0604020202020204" pitchFamily="34" charset="0"/>
-              <a:buNone/>
-            </a:pPr>
-            <a:endParaRPr lang="de-DE" b="0" i="0" dirty="0">
-              <a:solidFill>
-                <a:srgbClr val="2E2F30"/>
-              </a:solidFill>
-              <a:effectLst/>
-              <a:latin typeface="Inter"/>
-            </a:endParaRPr>
-          </a:p>
-          <a:p>
-            <a:pPr marL="0" indent="0">
-              <a:buFont typeface="Arial" panose="020B0604020202020204" pitchFamily="34" charset="0"/>
-              <a:buNone/>
-            </a:pPr>
-            <a:r>
-              <a:rPr lang="de-DE" b="0" i="0" dirty="0">
-                <a:solidFill>
-                  <a:srgbClr val="2E2F30"/>
-                </a:solidFill>
-                <a:effectLst/>
-                <a:latin typeface="Inter"/>
-              </a:rPr>
-              <a:t>Ziel: </a:t>
-            </a:r>
-          </a:p>
-          <a:p>
-            <a:pPr marL="171450" indent="-171450">
-              <a:buFont typeface="Arial" panose="020B0604020202020204" pitchFamily="34" charset="0"/>
-              <a:buChar char="•"/>
-            </a:pPr>
-            <a:r>
-              <a:rPr lang="de-DE" b="0" i="0" dirty="0" err="1">
-                <a:solidFill>
-                  <a:srgbClr val="2E2F30"/>
-                </a:solidFill>
-                <a:effectLst/>
-                <a:latin typeface="Inter"/>
-              </a:rPr>
-              <a:t>DevOps</a:t>
-            </a:r>
-            <a:r>
-              <a:rPr lang="de-DE" b="0" i="0" dirty="0">
-                <a:solidFill>
-                  <a:srgbClr val="2E2F30"/>
-                </a:solidFill>
-                <a:effectLst/>
-                <a:latin typeface="Inter"/>
-              </a:rPr>
-              <a:t>:  Produktentwicklung und die Automatisierung von manuellen Aufgaben wie Tests, Bereitstellung, Konfigurationsmanagement und </a:t>
-            </a:r>
-            <a:r>
-              <a:rPr lang="de-DE" b="0" i="0" dirty="0" err="1">
-                <a:solidFill>
-                  <a:srgbClr val="2E2F30"/>
-                </a:solidFill>
-                <a:effectLst/>
-                <a:latin typeface="Inter"/>
-              </a:rPr>
-              <a:t>Infrastrukturprovisionierung</a:t>
-            </a:r>
-            <a:r>
-              <a:rPr lang="de-DE" b="0" i="0" dirty="0">
-                <a:solidFill>
-                  <a:srgbClr val="2E2F30"/>
-                </a:solidFill>
-                <a:effectLst/>
-                <a:latin typeface="Inter"/>
-              </a:rPr>
-              <a:t>, um den Softwarelieferprozess zu beschleunigen</a:t>
-            </a:r>
-          </a:p>
-          <a:p>
-            <a:pPr marL="171450" indent="-171450">
-              <a:buFont typeface="Arial" panose="020B0604020202020204" pitchFamily="34" charset="0"/>
-              <a:buChar char="•"/>
-            </a:pPr>
-            <a:r>
-              <a:rPr lang="de-DE" b="0" i="0" dirty="0" err="1">
-                <a:solidFill>
-                  <a:srgbClr val="2E2F30"/>
-                </a:solidFill>
-                <a:effectLst/>
-                <a:latin typeface="Inter"/>
-              </a:rPr>
-              <a:t>DataOps</a:t>
-            </a:r>
-            <a:r>
-              <a:rPr lang="de-DE" b="0" i="0" dirty="0">
-                <a:solidFill>
-                  <a:srgbClr val="2E2F30"/>
-                </a:solidFill>
-                <a:effectLst/>
-                <a:latin typeface="Inter"/>
-              </a:rPr>
-              <a:t>: Datenmanagementkosten zu senken, die Datenqualität zu verbessern und Einblicke schneller an Analysten und Geschäftsnutzer zu liefern, indem Datenpipelines geschaffen werden</a:t>
-            </a:r>
-          </a:p>
-          <a:p>
-            <a:pPr marL="0" indent="0">
-              <a:buFont typeface="Arial" panose="020B0604020202020204" pitchFamily="34" charset="0"/>
-              <a:buNone/>
-            </a:pPr>
-            <a:r>
-              <a:rPr lang="de-DE" b="0" i="0" dirty="0">
-                <a:solidFill>
-                  <a:srgbClr val="2E2F30"/>
-                </a:solidFill>
-                <a:effectLst/>
-                <a:latin typeface="Inter"/>
-              </a:rPr>
-              <a:t>Prozessphasen:</a:t>
-            </a:r>
-          </a:p>
-          <a:p>
-            <a:pPr marL="171450" indent="-171450">
-              <a:buFont typeface="Arial" panose="020B0604020202020204" pitchFamily="34" charset="0"/>
-              <a:buChar char="•"/>
-            </a:pPr>
-            <a:r>
-              <a:rPr lang="de-DE" b="0" i="0" dirty="0" err="1">
-                <a:solidFill>
-                  <a:srgbClr val="2E2F30"/>
-                </a:solidFill>
-                <a:effectLst/>
-                <a:latin typeface="Inter"/>
-              </a:rPr>
-              <a:t>DevOps</a:t>
-            </a:r>
-            <a:r>
-              <a:rPr lang="de-DE" b="0" i="0" dirty="0">
-                <a:solidFill>
-                  <a:srgbClr val="2E2F30"/>
-                </a:solidFill>
-                <a:effectLst/>
-                <a:latin typeface="Inter"/>
-              </a:rPr>
-              <a:t>: Entwicklung, Bau, Test, Lieferung und Verwaltung</a:t>
-            </a:r>
-          </a:p>
-          <a:p>
-            <a:pPr marL="171450" indent="-171450">
-              <a:buFont typeface="Arial" panose="020B0604020202020204" pitchFamily="34" charset="0"/>
-              <a:buChar char="•"/>
-            </a:pPr>
-            <a:r>
-              <a:rPr lang="de-DE" b="0" i="0" dirty="0" err="1">
-                <a:solidFill>
-                  <a:srgbClr val="2E2F30"/>
-                </a:solidFill>
-                <a:effectLst/>
-                <a:latin typeface="Inter"/>
-              </a:rPr>
-              <a:t>DataOps</a:t>
-            </a:r>
-            <a:r>
-              <a:rPr lang="de-DE" b="0" i="0" dirty="0">
-                <a:solidFill>
-                  <a:srgbClr val="2E2F30"/>
-                </a:solidFill>
-                <a:effectLst/>
-                <a:latin typeface="Inter"/>
-              </a:rPr>
-              <a:t>: Entwicklung, Bau, Test, Lieferung und Verwaltung sowie Analyse und Orchestrierung</a:t>
-            </a:r>
-          </a:p>
-          <a:p>
-            <a:pPr marL="0" indent="0">
-              <a:buFont typeface="Arial" panose="020B0604020202020204" pitchFamily="34" charset="0"/>
-              <a:buNone/>
-            </a:pPr>
-            <a:r>
-              <a:rPr lang="de-DE" b="0" i="0" dirty="0">
-                <a:solidFill>
-                  <a:srgbClr val="2E2F30"/>
-                </a:solidFill>
-                <a:effectLst/>
-                <a:latin typeface="Inter"/>
-              </a:rPr>
-              <a:t>Integration und Zusammenarbeit:</a:t>
-            </a:r>
-          </a:p>
-          <a:p>
-            <a:pPr marL="0" indent="0">
-              <a:buFont typeface="Arial" panose="020B0604020202020204" pitchFamily="34" charset="0"/>
-              <a:buNone/>
-            </a:pPr>
-            <a:r>
-              <a:rPr lang="de-DE" b="0" i="0" dirty="0">
-                <a:solidFill>
-                  <a:srgbClr val="2E2F30"/>
-                </a:solidFill>
-                <a:effectLst/>
-                <a:latin typeface="Inter"/>
-              </a:rPr>
-              <a:t>  Beide Methoden bringen verschiedene Teams zusammen, um Effizienz und Kollaboration zu fördern</a:t>
-            </a:r>
-          </a:p>
-          <a:p>
-            <a:pPr marL="171450" indent="-171450">
-              <a:buFont typeface="Arial" panose="020B0604020202020204" pitchFamily="34" charset="0"/>
-              <a:buChar char="•"/>
-            </a:pPr>
-            <a:r>
-              <a:rPr lang="de-DE" b="0" i="0" dirty="0" err="1">
-                <a:solidFill>
-                  <a:srgbClr val="2E2F30"/>
-                </a:solidFill>
-                <a:effectLst/>
-                <a:latin typeface="Inter"/>
-              </a:rPr>
-              <a:t>DevOps</a:t>
-            </a:r>
-            <a:r>
-              <a:rPr lang="de-DE" b="0" i="0" dirty="0">
-                <a:solidFill>
-                  <a:srgbClr val="2E2F30"/>
-                </a:solidFill>
-                <a:effectLst/>
-                <a:latin typeface="Inter"/>
-              </a:rPr>
-              <a:t>: Entwicklung, IT-Betrieb und Engineering-Teams</a:t>
-            </a:r>
-          </a:p>
-          <a:p>
-            <a:pPr marL="171450" indent="-171450">
-              <a:buFont typeface="Arial" panose="020B0604020202020204" pitchFamily="34" charset="0"/>
-              <a:buChar char="•"/>
-            </a:pPr>
-            <a:r>
-              <a:rPr lang="de-DE" b="0" i="0" dirty="0" err="1">
-                <a:solidFill>
-                  <a:srgbClr val="2E2F30"/>
-                </a:solidFill>
-                <a:effectLst/>
-                <a:latin typeface="Inter"/>
-              </a:rPr>
-              <a:t>DataOps</a:t>
-            </a:r>
-            <a:r>
-              <a:rPr lang="de-DE" b="0" i="0" dirty="0">
-                <a:solidFill>
-                  <a:srgbClr val="2E2F30"/>
-                </a:solidFill>
-                <a:effectLst/>
-                <a:latin typeface="Inter"/>
-              </a:rPr>
-              <a:t>: Datenführungskräfte, Datenanalysten, Dateningenieure, Datenwissenschaftler, Geschäftsnutzer und andere Stakeholder zusammenbringt</a:t>
-            </a:r>
-          </a:p>
-          <a:p>
-            <a:pPr marL="0" indent="0">
-              <a:buFont typeface="Arial" panose="020B0604020202020204" pitchFamily="34" charset="0"/>
-              <a:buNone/>
-            </a:pPr>
-            <a:r>
-              <a:rPr lang="de-DE" b="0" i="0" dirty="0">
-                <a:solidFill>
-                  <a:srgbClr val="2E2F30"/>
-                </a:solidFill>
-                <a:effectLst/>
-                <a:latin typeface="Inter"/>
-              </a:rPr>
-              <a:t>Anwendungsbereich:</a:t>
-            </a:r>
-          </a:p>
-          <a:p>
-            <a:pPr marL="171450" indent="-171450">
-              <a:buFont typeface="Arial" panose="020B0604020202020204" pitchFamily="34" charset="0"/>
-              <a:buChar char="•"/>
-            </a:pPr>
-            <a:r>
-              <a:rPr lang="de-DE" b="0" i="0" dirty="0" err="1">
-                <a:solidFill>
-                  <a:srgbClr val="2E2F30"/>
-                </a:solidFill>
-                <a:effectLst/>
-                <a:latin typeface="Inter"/>
-              </a:rPr>
-              <a:t>DevOps</a:t>
-            </a:r>
-            <a:r>
-              <a:rPr lang="de-DE" b="0" i="0" dirty="0">
-                <a:solidFill>
-                  <a:srgbClr val="2E2F30"/>
-                </a:solidFill>
-                <a:effectLst/>
-                <a:latin typeface="Inter"/>
-              </a:rPr>
-              <a:t>: plattformunabhängig und konzentriert sich auf die Bereitstellung von Softwareprodukten</a:t>
-            </a:r>
-          </a:p>
-          <a:p>
-            <a:pPr marL="171450" indent="-171450">
-              <a:buFont typeface="Arial" panose="020B0604020202020204" pitchFamily="34" charset="0"/>
-              <a:buChar char="•"/>
-            </a:pPr>
-            <a:r>
-              <a:rPr lang="de-DE" b="0" i="0" dirty="0" err="1">
-                <a:solidFill>
-                  <a:srgbClr val="2E2F30"/>
-                </a:solidFill>
-                <a:effectLst/>
-                <a:latin typeface="Inter"/>
-              </a:rPr>
-              <a:t>DataOps</a:t>
-            </a:r>
-            <a:r>
-              <a:rPr lang="de-DE" b="0" i="0" dirty="0">
-                <a:solidFill>
-                  <a:srgbClr val="2E2F30"/>
-                </a:solidFill>
-                <a:effectLst/>
-                <a:latin typeface="Inter"/>
-              </a:rPr>
-              <a:t>: Erstellung von Datenströmen konzentriert, die wertvolle Einblicke für Endbenutzer liefern, durch optimierte Datenprozesse</a:t>
-            </a:r>
-          </a:p>
-          <a:p>
-            <a:pPr marL="0" indent="0">
-              <a:buFont typeface="Arial" panose="020B0604020202020204" pitchFamily="34" charset="0"/>
-              <a:buNone/>
-            </a:pPr>
-            <a:r>
-              <a:rPr lang="de-DE" b="0" i="0" dirty="0">
-                <a:solidFill>
-                  <a:srgbClr val="2E2F30"/>
-                </a:solidFill>
-                <a:effectLst/>
-                <a:latin typeface="Inter"/>
-              </a:rPr>
-              <a:t>Qualitätssicherung:</a:t>
-            </a:r>
-          </a:p>
-          <a:p>
-            <a:pPr marL="171450" indent="-171450">
-              <a:buFont typeface="Arial" panose="020B0604020202020204" pitchFamily="34" charset="0"/>
-              <a:buChar char="•"/>
-            </a:pPr>
-            <a:r>
-              <a:rPr lang="de-DE" b="0" i="0" dirty="0" err="1">
-                <a:solidFill>
-                  <a:srgbClr val="2E2F30"/>
-                </a:solidFill>
-                <a:effectLst/>
-                <a:latin typeface="Inter"/>
-              </a:rPr>
-              <a:t>DevOps</a:t>
-            </a:r>
-            <a:r>
-              <a:rPr lang="de-DE" b="0" i="0" dirty="0">
-                <a:solidFill>
-                  <a:srgbClr val="2E2F30"/>
-                </a:solidFill>
-                <a:effectLst/>
-                <a:latin typeface="Inter"/>
-              </a:rPr>
-              <a:t>: Code-Reviews, kontinuierliches Testen und Monitoring</a:t>
-            </a:r>
-          </a:p>
-          <a:p>
-            <a:pPr marL="171450" indent="-171450">
-              <a:buFont typeface="Arial" panose="020B0604020202020204" pitchFamily="34" charset="0"/>
-              <a:buChar char="•"/>
-            </a:pPr>
-            <a:r>
-              <a:rPr lang="de-DE" b="0" i="0" dirty="0" err="1">
-                <a:solidFill>
-                  <a:srgbClr val="2E2F30"/>
-                </a:solidFill>
-                <a:effectLst/>
-                <a:latin typeface="Inter"/>
-              </a:rPr>
-              <a:t>DataOps</a:t>
-            </a:r>
-            <a:r>
-              <a:rPr lang="de-DE" b="0" i="0" dirty="0">
-                <a:solidFill>
-                  <a:srgbClr val="2E2F30"/>
-                </a:solidFill>
-                <a:effectLst/>
-                <a:latin typeface="Inter"/>
-              </a:rPr>
-              <a:t>:  Daten-</a:t>
-            </a:r>
-            <a:r>
-              <a:rPr lang="de-DE" b="0" i="0" dirty="0" err="1">
-                <a:solidFill>
-                  <a:srgbClr val="2E2F30"/>
-                </a:solidFill>
-                <a:effectLst/>
-                <a:latin typeface="Inter"/>
-              </a:rPr>
-              <a:t>Governance</a:t>
-            </a:r>
-            <a:r>
-              <a:rPr lang="de-DE" b="0" i="0" dirty="0">
-                <a:solidFill>
-                  <a:srgbClr val="2E2F30"/>
-                </a:solidFill>
-                <a:effectLst/>
-                <a:latin typeface="Inter"/>
-              </a:rPr>
-              <a:t> und Prozesskontrolle betont</a:t>
-            </a:r>
-          </a:p>
-          <a:p>
-            <a:pPr marL="0" indent="0">
-              <a:buFont typeface="Arial" panose="020B0604020202020204" pitchFamily="34" charset="0"/>
-              <a:buNone/>
-            </a:pPr>
-            <a:r>
-              <a:rPr lang="de-DE" b="0" i="0" dirty="0">
-                <a:solidFill>
-                  <a:srgbClr val="2E2F30"/>
-                </a:solidFill>
-                <a:effectLst/>
-                <a:latin typeface="Inter"/>
-              </a:rPr>
-              <a:t>Transformation und </a:t>
-            </a:r>
-            <a:r>
-              <a:rPr lang="de-DE" b="0" i="0" dirty="0" err="1">
-                <a:solidFill>
-                  <a:srgbClr val="2E2F30"/>
-                </a:solidFill>
-                <a:effectLst/>
-                <a:latin typeface="Inter"/>
-              </a:rPr>
-              <a:t>Evolutions</a:t>
-            </a:r>
-            <a:r>
-              <a:rPr lang="de-DE" b="0" i="0" dirty="0">
-                <a:solidFill>
-                  <a:srgbClr val="2E2F30"/>
-                </a:solidFill>
-                <a:effectLst/>
-                <a:latin typeface="Inter"/>
-              </a:rPr>
-              <a:t>:</a:t>
-            </a:r>
-          </a:p>
-          <a:p>
-            <a:pPr marL="171450" indent="-171450">
-              <a:buFont typeface="Arial" panose="020B0604020202020204" pitchFamily="34" charset="0"/>
-              <a:buChar char="•"/>
-            </a:pPr>
-            <a:r>
-              <a:rPr lang="de-DE" b="0" i="0" dirty="0" err="1">
-                <a:solidFill>
-                  <a:srgbClr val="2E2F30"/>
-                </a:solidFill>
-                <a:effectLst/>
-                <a:latin typeface="Inter"/>
-              </a:rPr>
-              <a:t>DevOps</a:t>
-            </a:r>
-            <a:r>
-              <a:rPr lang="de-DE" b="0" i="0" dirty="0">
-                <a:solidFill>
-                  <a:srgbClr val="2E2F30"/>
-                </a:solidFill>
-                <a:effectLst/>
-                <a:latin typeface="Inter"/>
-              </a:rPr>
-              <a:t>: Transformation der Lieferfähigkeit von Entwicklungs- und Softwareteams</a:t>
-            </a:r>
-          </a:p>
-          <a:p>
-            <a:pPr marL="171450" indent="-171450">
-              <a:buFont typeface="Arial" panose="020B0604020202020204" pitchFamily="34" charset="0"/>
-              <a:buChar char="•"/>
-            </a:pPr>
-            <a:r>
-              <a:rPr lang="de-DE" b="0" i="0" dirty="0" err="1">
-                <a:solidFill>
-                  <a:srgbClr val="2E2F30"/>
-                </a:solidFill>
-                <a:effectLst/>
-                <a:latin typeface="Inter"/>
-              </a:rPr>
-              <a:t>DataOps</a:t>
-            </a:r>
-            <a:r>
-              <a:rPr lang="de-DE" b="0" i="0" dirty="0">
-                <a:solidFill>
-                  <a:srgbClr val="2E2F30"/>
-                </a:solidFill>
-                <a:effectLst/>
-                <a:latin typeface="Inter"/>
-              </a:rPr>
-              <a:t>: archaische Datenhandhabungspraktiken durch Anwendung von </a:t>
-            </a:r>
-            <a:r>
-              <a:rPr lang="de-DE" b="0" i="0" dirty="0" err="1">
-                <a:solidFill>
-                  <a:srgbClr val="2E2F30"/>
-                </a:solidFill>
-                <a:effectLst/>
-                <a:latin typeface="Inter"/>
-              </a:rPr>
-              <a:t>DevOps</a:t>
-            </a:r>
-            <a:r>
-              <a:rPr lang="de-DE" b="0" i="0" dirty="0">
-                <a:solidFill>
-                  <a:srgbClr val="2E2F30"/>
-                </a:solidFill>
-                <a:effectLst/>
-                <a:latin typeface="Inter"/>
-              </a:rPr>
-              <a:t>-Konzepten transformiert, Evolution der </a:t>
-            </a:r>
-            <a:r>
-              <a:rPr lang="de-DE" b="0" i="0" dirty="0" err="1">
-                <a:solidFill>
-                  <a:srgbClr val="2E2F30"/>
-                </a:solidFill>
-                <a:effectLst/>
-                <a:latin typeface="Inter"/>
-              </a:rPr>
-              <a:t>DevOps</a:t>
-            </a:r>
-            <a:r>
-              <a:rPr lang="de-DE" b="0" i="0" dirty="0">
-                <a:solidFill>
-                  <a:srgbClr val="2E2F30"/>
-                </a:solidFill>
-                <a:effectLst/>
-                <a:latin typeface="Inter"/>
-              </a:rPr>
-              <a:t>-Praktiken angesehen werden kann, da es die kollaborativen und iterativen Prinzipien von </a:t>
-            </a:r>
-            <a:r>
-              <a:rPr lang="de-DE" b="0" i="0" dirty="0" err="1">
-                <a:solidFill>
-                  <a:srgbClr val="2E2F30"/>
-                </a:solidFill>
-                <a:effectLst/>
-                <a:latin typeface="Inter"/>
-              </a:rPr>
-              <a:t>DevOps</a:t>
-            </a:r>
-            <a:r>
-              <a:rPr lang="de-DE" b="0" i="0">
-                <a:solidFill>
-                  <a:srgbClr val="2E2F30"/>
-                </a:solidFill>
-                <a:effectLst/>
-                <a:latin typeface="Inter"/>
-              </a:rPr>
-              <a:t> auf den Bereich der Daten ausweitet</a:t>
-            </a:r>
-            <a:br>
               <a:rPr lang="de-DE" dirty="0"/>
-            </a:br>
-            <a:endParaRPr lang="de-DE" dirty="0"/>
-          </a:p>
-          <a:p>
-            <a:r>
-              <a:rPr lang="de-DE" dirty="0"/>
-              <a:t>Quellen:</a:t>
+              <a:t> Verschlüsselung =&gt; Kommunikationspartner haben beide den gleichen Schlüssel.</a:t>
             </a:r>
           </a:p>
           <a:p>
@@ -17690,8 +17058,225 @@
             </a:pPr>
             <a:r>
               <a:rPr lang="de-DE" dirty="0"/>
-              <a:t>[2] https://www.dataops.live/what-is-dataops#how-dataops-works</a:t>
+              <a:t>IETF: Internet Engineering Task Force</a:t>
             </a:r>
+          </a:p>
+          <a:p>
+            <a:pPr marL="171450" indent="-171450">
+              <a:buFont typeface="Arial" panose="020B0604020202020204" pitchFamily="34" charset="0"/>
+              <a:buChar char="•"/>
+            </a:pPr>
+            <a:r>
+              <a:rPr lang="de-DE" dirty="0"/>
+              <a:t>Authentifikation von Server und Client unter Verwendung von asymmetrischen Verschlüsselungsverfahren und elektronischen Zertifikaten.</a:t>
+            </a:r>
+          </a:p>
+          <a:p>
+            <a:pPr marL="171450" indent="-171450">
+              <a:buFont typeface="Arial" panose="020B0604020202020204" pitchFamily="34" charset="0"/>
+              <a:buChar char="•"/>
+            </a:pPr>
+            <a:r>
+              <a:rPr lang="de-DE" dirty="0"/>
+              <a:t>Nutzung einer verschlüsselten und integritätsgesicherten Kommunikation zwischen Client und Server von besonderer Bedeutung (Passworteingabe, Kreditkarten-Informationen, …)</a:t>
+            </a:r>
+            <a:br>
+              <a:rPr lang="de-DE" dirty="0"/>
+            </a:br>
+            <a:r>
+              <a:rPr lang="de-DE" dirty="0"/>
+              <a:t>	mithilfe symmetrischer Verschlüsselungsverfahren unter der Nutzung eines gemeinsamen Sitzungsschlüssels</a:t>
+            </a:r>
+          </a:p>
+          <a:p>
+            <a:pPr marL="171450" indent="-171450">
+              <a:buFont typeface="Arial" panose="020B0604020202020204" pitchFamily="34" charset="0"/>
+              <a:buChar char="•"/>
+            </a:pPr>
+            <a:r>
+              <a:rPr lang="de-DE" dirty="0"/>
+              <a:t>Sicherstellung der Integrität der transportierten Daten unter Verwendung des HMAC-Verfahrens.</a:t>
+            </a:r>
+          </a:p>
+          <a:p>
+            <a:pPr marL="171450" indent="-171450">
+              <a:buFont typeface="Arial" panose="020B0604020202020204" pitchFamily="34" charset="0"/>
+              <a:buChar char="•"/>
+            </a:pPr>
+            <a:endParaRPr lang="de-DE" dirty="0"/>
+          </a:p>
+          <a:p>
+            <a:pPr marL="171450" indent="-171450">
+              <a:buFont typeface="Arial" panose="020B0604020202020204" pitchFamily="34" charset="0"/>
+              <a:buChar char="•"/>
+            </a:pPr>
+            <a:endParaRPr lang="de-DE" dirty="0"/>
+          </a:p>
+          <a:p>
+            <a:pPr marL="171450" indent="-171450">
+              <a:buFont typeface="Arial" panose="020B0604020202020204" pitchFamily="34" charset="0"/>
+              <a:buChar char="•"/>
+            </a:pPr>
+            <a:r>
+              <a:rPr lang="de-DE" dirty="0"/>
+              <a:t>Nachteile:</a:t>
+            </a:r>
+          </a:p>
+          <a:p>
+            <a:pPr marL="628650" lvl="1" indent="-171450">
+              <a:buFont typeface="Arial" panose="020B0604020202020204" pitchFamily="34" charset="0"/>
+              <a:buChar char="•"/>
+            </a:pPr>
+            <a:r>
+              <a:rPr lang="de-DE" dirty="0"/>
+              <a:t>Kommunikationspartner haben beide den gleichen Schlüssel =&gt;Muss gesichert zwischen Partnern ausgetauscht und gesichert werden</a:t>
+            </a:r>
+          </a:p>
+          <a:p>
+            <a:pPr marL="628650" lvl="1" indent="-171450">
+              <a:buFont typeface="Arial" panose="020B0604020202020204" pitchFamily="34" charset="0"/>
+              <a:buChar char="•"/>
+            </a:pPr>
+            <a:r>
+              <a:rPr lang="de-DE" dirty="0"/>
+              <a:t>Schlüssel müssen regelmäßig geändert werden</a:t>
+            </a:r>
+          </a:p>
+          <a:p>
+            <a:pPr marL="628650" lvl="1" indent="-171450">
+              <a:buFont typeface="Arial" panose="020B0604020202020204" pitchFamily="34" charset="0"/>
+              <a:buChar char="•"/>
+            </a:pPr>
+            <a:r>
+              <a:rPr lang="de-DE" dirty="0"/>
+              <a:t>N- </a:t>
+            </a:r>
+            <a:r>
+              <a:rPr lang="de-DE" dirty="0" err="1"/>
+              <a:t>Kommunikationspertner</a:t>
+            </a:r>
+            <a:r>
+              <a:rPr lang="de-DE" dirty="0"/>
+              <a:t> =&gt; N(N-1)/2 Schlüssel benötigt</a:t>
+            </a:r>
+          </a:p>
+          <a:p>
+            <a:endParaRPr lang="de-DE" dirty="0"/>
+          </a:p>
+          <a:p>
+            <a:endParaRPr lang="de-DE" dirty="0"/>
+          </a:p>
+          <a:p>
+            <a:r>
+              <a:rPr lang="de-DE" dirty="0"/>
+              <a:t>Quellen: </a:t>
+            </a:r>
+          </a:p>
+          <a:p>
+            <a:r>
+              <a:rPr lang="de-DE" dirty="0"/>
+              <a:t>[1] </a:t>
+            </a:r>
+            <a:r>
+              <a:rPr lang="en-US" sz="1200" i="1" dirty="0">
+                <a:solidFill>
+                  <a:srgbClr val="475871"/>
+                </a:solidFill>
+                <a:latin typeface="+mj-lt"/>
+              </a:rPr>
+              <a:t>Norbert </a:t>
+            </a:r>
+            <a:r>
+              <a:rPr lang="en-US" sz="1200" i="1" dirty="0" err="1">
+                <a:solidFill>
+                  <a:srgbClr val="475871"/>
+                </a:solidFill>
+                <a:latin typeface="+mj-lt"/>
+              </a:rPr>
+              <a:t>Pohlmann</a:t>
+            </a:r>
+            <a:r>
+              <a:rPr lang="en-US" sz="1200" i="1" dirty="0">
+                <a:solidFill>
+                  <a:srgbClr val="475871"/>
+                </a:solidFill>
+                <a:latin typeface="+mj-lt"/>
+              </a:rPr>
+              <a:t> | </a:t>
+            </a:r>
+            <a:r>
+              <a:rPr lang="de-DE" sz="1200" i="1" dirty="0">
+                <a:solidFill>
+                  <a:srgbClr val="475871"/>
+                </a:solidFill>
+                <a:latin typeface="+mj-lt"/>
+              </a:rPr>
+              <a:t>Cyber-Sicherheit: Das Lehrbuch für Konzepte, Prinzipien, Mechanismen, Architekturen und  Eigenschaften von Cyber-Sicherheitssystemen in der Digitalisierung </a:t>
+            </a:r>
+          </a:p>
+          <a:p>
+            <a:pPr marL="0" marR="0" lvl="0" indent="0" algn="l" defTabSz="914400" rtl="0" eaLnBrk="1" fontAlgn="auto" latinLnBrk="0" hangingPunct="1">
+              <a:lnSpc>
+                <a:spcPct val="100000"/>
+              </a:lnSpc>
+              <a:spcBef>
+                <a:spcPts val="0"/>
+              </a:spcBef>
+              <a:spcAft>
+                <a:spcPts val="0"/>
+              </a:spcAft>
+              <a:buClrTx/>
+              <a:buSzTx/>
+              <a:buFontTx/>
+              <a:buNone/>
+              <a:tabLst/>
+              <a:defRPr/>
+            </a:pPr>
+            <a:r>
+              <a:rPr lang="de-DE" sz="1200" i="0" dirty="0">
+                <a:solidFill>
+                  <a:srgbClr val="475871"/>
+                </a:solidFill>
+                <a:latin typeface="+mj-lt"/>
+              </a:rPr>
+              <a:t>[2]</a:t>
+            </a:r>
+            <a:r>
+              <a:rPr lang="de-DE" sz="1200" i="1" dirty="0">
+                <a:solidFill>
+                  <a:srgbClr val="475871"/>
+                </a:solidFill>
+                <a:latin typeface="+mj-lt"/>
+              </a:rPr>
+              <a:t> Jörg Schwenk | Sicherheit und Kryptographie im Internet: Theorie und Praxis | Springer Vieweg | Auflage: 5 | 2020</a:t>
+            </a:r>
+          </a:p>
+          <a:p>
+            <a:endParaRPr lang="de-DE" sz="1200" i="1" dirty="0">
+              <a:solidFill>
+                <a:srgbClr val="475871"/>
+              </a:solidFill>
+              <a:latin typeface="+mj-lt"/>
+            </a:endParaRPr>
+          </a:p>
+          <a:p>
+            <a:endParaRPr lang="de-DE" sz="1200" i="1" dirty="0">
+              <a:solidFill>
+                <a:srgbClr val="475871"/>
+              </a:solidFill>
+              <a:latin typeface="+mj-lt"/>
+            </a:endParaRPr>
+          </a:p>
+          <a:p>
+            <a:endParaRPr lang="de-DE" sz="1200" i="1" dirty="0">
+              <a:solidFill>
+                <a:srgbClr val="475871"/>
+              </a:solidFill>
+              <a:latin typeface="+mj-lt"/>
+            </a:endParaRPr>
+          </a:p>
+          <a:p>
+            <a:endParaRPr lang="de-DE" dirty="0"/>
           </a:p>
         </p:txBody>
       </p:sp>
@@ -17721,7 +17306,7 @@
     </p:spTree>
     <p:extLst>
       <p:ext uri="{BB962C8B-B14F-4D97-AF65-F5344CB8AC3E}">
-        <p14:creationId xmlns:p14="http://schemas.microsoft.com/office/powerpoint/2010/main" val="49769887"/>
+        <p14:creationId xmlns:p14="http://schemas.microsoft.com/office/powerpoint/2010/main" val="2150096742"/>
       </p:ext>
     </p:extLst>
   </p:cSld>
@@ -17774,991 +17359,6 @@
         <p:txBody>
           <a:bodyPr/>
           <a:lstStyle/>
-          <a:p>
-            <a:r>
-              <a:rPr lang="de-DE" b="1" dirty="0"/>
-              <a:t>Lambda-Architektur:</a:t>
-            </a:r>
-          </a:p>
-          <a:p>
-            <a:r>
-              <a:rPr lang="de-DE" b="0" i="0" u="sng" dirty="0"/>
-              <a:t>Vorteile:</a:t>
-            </a:r>
-          </a:p>
-          <a:p>
-            <a:pPr marL="171450" indent="-171450">
-              <a:buFont typeface="Arial" panose="020B0604020202020204" pitchFamily="34" charset="0"/>
-              <a:buChar char="•"/>
-            </a:pPr>
-            <a:r>
-              <a:rPr lang="de-DE" b="0" i="1" u="none" dirty="0"/>
-              <a:t>Echtzeit und Batchverarbeitung: </a:t>
-            </a:r>
-            <a:r>
-              <a:rPr lang="de-DE" b="0" i="0" dirty="0">
-                <a:solidFill>
-                  <a:srgbClr val="2E2F30"/>
-                </a:solidFill>
-                <a:effectLst/>
-                <a:latin typeface="Inter"/>
-              </a:rPr>
-              <a:t> Die Lambda-Architektur ermöglicht schnelle und umfassende Analysen durch die parallele Verarbeitung von Echtzeit- und Batchdaten</a:t>
-            </a:r>
-          </a:p>
-          <a:p>
-            <a:pPr marL="171450" indent="-171450">
-              <a:buFont typeface="Arial" panose="020B0604020202020204" pitchFamily="34" charset="0"/>
-              <a:buChar char="•"/>
-            </a:pPr>
-            <a:r>
-              <a:rPr lang="de-DE" b="0" i="1" u="none" dirty="0">
-                <a:solidFill>
-                  <a:srgbClr val="2E2F30"/>
-                </a:solidFill>
-                <a:effectLst/>
-                <a:latin typeface="Inter"/>
-              </a:rPr>
-              <a:t>Skalierbarkeit: </a:t>
-            </a:r>
-            <a:r>
-              <a:rPr lang="de-DE" b="0" i="0" dirty="0">
-                <a:solidFill>
-                  <a:srgbClr val="2E2F30"/>
-                </a:solidFill>
-                <a:effectLst/>
-                <a:latin typeface="Inter"/>
-              </a:rPr>
-              <a:t>Sie ist hoch skalierbar und kann große Datenmengen verarbeiten, was sie für Big-Data-Anwendungen besonders geeignet macht</a:t>
-            </a:r>
-            <a:endParaRPr lang="de-DE" b="0" i="1" u="none" dirty="0">
-              <a:solidFill>
-                <a:srgbClr val="2E2F30"/>
-              </a:solidFill>
-              <a:effectLst/>
-              <a:latin typeface="Inter"/>
-            </a:endParaRPr>
-          </a:p>
-          <a:p>
-            <a:pPr marL="171450" indent="-171450">
-              <a:buFont typeface="Arial" panose="020B0604020202020204" pitchFamily="34" charset="0"/>
-              <a:buChar char="•"/>
-            </a:pPr>
-            <a:r>
-              <a:rPr lang="de-DE" b="0" i="1" u="none" dirty="0">
-                <a:solidFill>
-                  <a:srgbClr val="2E2F30"/>
-                </a:solidFill>
-                <a:effectLst/>
-                <a:latin typeface="Inter"/>
-              </a:rPr>
-              <a:t>Fehlerresistenz: </a:t>
-            </a:r>
-            <a:r>
-              <a:rPr lang="de-DE" b="0" i="0" dirty="0">
-                <a:solidFill>
-                  <a:srgbClr val="2E2F30"/>
-                </a:solidFill>
-                <a:effectLst/>
-                <a:latin typeface="Inter"/>
-              </a:rPr>
-              <a:t>Die Architektur bietet eine hohe Ausfallsicherheit und minimiert Datenverluste durch die Kombination von Batch- und Streaming-Verarbeitung</a:t>
-            </a:r>
-          </a:p>
-          <a:p>
-            <a:pPr marL="171450" indent="-171450">
-              <a:buFont typeface="Arial" panose="020B0604020202020204" pitchFamily="34" charset="0"/>
-              <a:buChar char="•"/>
-            </a:pPr>
-            <a:r>
-              <a:rPr lang="de-DE" b="0" i="1" u="none" dirty="0">
-                <a:solidFill>
-                  <a:srgbClr val="2E2F30"/>
-                </a:solidFill>
-                <a:effectLst/>
-                <a:latin typeface="Inter"/>
-              </a:rPr>
-              <a:t>Flexibilität: </a:t>
-            </a:r>
-            <a:r>
-              <a:rPr lang="de-DE" b="0" i="0" dirty="0">
-                <a:solidFill>
-                  <a:srgbClr val="2E2F30"/>
-                </a:solidFill>
-                <a:effectLst/>
-                <a:latin typeface="Inter"/>
-              </a:rPr>
-              <a:t>Durch die Verwendung verschiedener Technologien und Tools kann die Lambda-Architektur an spezifische Anforderungen angepasst werden</a:t>
-            </a:r>
-          </a:p>
-          <a:p>
-            <a:pPr marL="0" indent="0">
-              <a:buFont typeface="Arial" panose="020B0604020202020204" pitchFamily="34" charset="0"/>
-              <a:buNone/>
-            </a:pPr>
-            <a:r>
-              <a:rPr lang="de-DE" b="0" i="0" u="sng" dirty="0">
-                <a:solidFill>
-                  <a:srgbClr val="2E2F30"/>
-                </a:solidFill>
-                <a:effectLst/>
-                <a:latin typeface="Inter"/>
-              </a:rPr>
-              <a:t>Nachteile:</a:t>
-            </a:r>
-          </a:p>
-          <a:p>
-            <a:pPr marL="171450" indent="-171450">
-              <a:buFont typeface="Arial" panose="020B0604020202020204" pitchFamily="34" charset="0"/>
-              <a:buChar char="•"/>
-            </a:pPr>
-            <a:r>
-              <a:rPr lang="de-DE" b="0" i="1" u="none" dirty="0">
-                <a:solidFill>
-                  <a:srgbClr val="2E2F30"/>
-                </a:solidFill>
-                <a:effectLst/>
-                <a:latin typeface="Inter"/>
-              </a:rPr>
-              <a:t>Komplexität: </a:t>
-            </a:r>
-            <a:r>
-              <a:rPr lang="de-DE" b="0" i="0" dirty="0">
-                <a:solidFill>
-                  <a:srgbClr val="2E2F30"/>
-                </a:solidFill>
-                <a:effectLst/>
-                <a:latin typeface="Inter"/>
-              </a:rPr>
-              <a:t>Die Implementierung und Wartung der Lambda-Architektur kann aufgrund der verschiedenen Verarbeitungsmethoden und -schichten komplex sein</a:t>
-            </a:r>
-            <a:endParaRPr lang="de-DE" b="0" i="1" u="none" dirty="0">
-              <a:solidFill>
-                <a:srgbClr val="2E2F30"/>
-              </a:solidFill>
-              <a:effectLst/>
-              <a:latin typeface="Inter"/>
-            </a:endParaRPr>
-          </a:p>
-          <a:p>
-            <a:pPr marL="171450" indent="-171450">
-              <a:buFont typeface="Arial" panose="020B0604020202020204" pitchFamily="34" charset="0"/>
-              <a:buChar char="•"/>
-            </a:pPr>
-            <a:r>
-              <a:rPr lang="de-DE" b="0" i="1" u="none" dirty="0">
-                <a:solidFill>
-                  <a:srgbClr val="2E2F30"/>
-                </a:solidFill>
-                <a:effectLst/>
-                <a:latin typeface="Inter"/>
-              </a:rPr>
-              <a:t>Aufwand: </a:t>
-            </a:r>
-            <a:r>
-              <a:rPr lang="de-DE" b="0" i="0" dirty="0">
-                <a:solidFill>
-                  <a:srgbClr val="2E2F30"/>
-                </a:solidFill>
-                <a:effectLst/>
-                <a:latin typeface="Inter"/>
-              </a:rPr>
-              <a:t>Berechnungen müssen sowohl im Batch- als auch im Echtzeit-</a:t>
-            </a:r>
-            <a:r>
-              <a:rPr lang="de-DE" b="0" i="0" dirty="0" err="1">
-                <a:solidFill>
-                  <a:srgbClr val="2E2F30"/>
-                </a:solidFill>
-                <a:effectLst/>
-                <a:latin typeface="Inter"/>
-              </a:rPr>
-              <a:t>Verarbeitungslayer</a:t>
-            </a:r>
-            <a:r>
-              <a:rPr lang="de-DE" b="0" i="0" dirty="0">
-                <a:solidFill>
-                  <a:srgbClr val="2E2F30"/>
-                </a:solidFill>
-                <a:effectLst/>
-                <a:latin typeface="Inter"/>
-              </a:rPr>
-              <a:t> implementiert werden, was zu doppeltem Aufwand führen kann</a:t>
-            </a:r>
-            <a:endParaRPr lang="de-DE" b="0" i="1" u="none" dirty="0">
-              <a:solidFill>
-                <a:srgbClr val="2E2F30"/>
-              </a:solidFill>
-              <a:effectLst/>
-              <a:latin typeface="Inter"/>
-            </a:endParaRPr>
-          </a:p>
-          <a:p>
-            <a:pPr marL="171450" indent="-171450">
-              <a:buFont typeface="Arial" panose="020B0604020202020204" pitchFamily="34" charset="0"/>
-              <a:buChar char="•"/>
-            </a:pPr>
-            <a:r>
-              <a:rPr lang="de-DE" b="0" i="1" u="none" dirty="0">
-                <a:solidFill>
-                  <a:srgbClr val="2E2F30"/>
-                </a:solidFill>
-                <a:effectLst/>
-                <a:latin typeface="Inter"/>
-              </a:rPr>
-              <a:t>Latenz: </a:t>
-            </a:r>
-            <a:r>
-              <a:rPr lang="de-DE" b="0" i="0" dirty="0">
-                <a:solidFill>
-                  <a:srgbClr val="2E2F30"/>
-                </a:solidFill>
-                <a:effectLst/>
-                <a:latin typeface="Inter"/>
-              </a:rPr>
-              <a:t>Trotz der Echtzeitverarbeitung kann es zu Latenz kommen, insbesondere wenn die Batch-Verarbeitung in regelmäßigen Intervallen erfolgt</a:t>
-            </a:r>
-            <a:endParaRPr lang="de-DE" b="0" i="1" u="none" dirty="0">
-              <a:solidFill>
-                <a:srgbClr val="2E2F30"/>
-              </a:solidFill>
-              <a:effectLst/>
-              <a:latin typeface="Inter"/>
-            </a:endParaRPr>
-          </a:p>
-          <a:p>
-            <a:pPr marL="171450" indent="-171450">
-              <a:buFont typeface="Arial" panose="020B0604020202020204" pitchFamily="34" charset="0"/>
-              <a:buChar char="•"/>
-            </a:pPr>
-            <a:r>
-              <a:rPr lang="de-DE" b="0" i="1" u="none" dirty="0">
-                <a:solidFill>
-                  <a:srgbClr val="2E2F30"/>
-                </a:solidFill>
-                <a:effectLst/>
-                <a:latin typeface="Inter"/>
-              </a:rPr>
-              <a:t>Datenkonsistenz: </a:t>
-            </a:r>
-            <a:r>
-              <a:rPr lang="de-DE" b="0" i="0" dirty="0">
-                <a:solidFill>
-                  <a:srgbClr val="2E2F30"/>
-                </a:solidFill>
-                <a:effectLst/>
-                <a:latin typeface="Inter"/>
-              </a:rPr>
-              <a:t>Die Kombination von Daten aus beiden Verarbeitungspfaden kann Herausforderungen bei der Sicherstellung der Konsistenz mit sich bringen</a:t>
-            </a:r>
-            <a:endParaRPr lang="de-DE" b="0" i="1" u="none" dirty="0">
-              <a:solidFill>
-                <a:srgbClr val="2E2F30"/>
-              </a:solidFill>
-              <a:effectLst/>
-              <a:latin typeface="Inter"/>
-            </a:endParaRPr>
-          </a:p>
-          <a:p>
-            <a:pPr marL="171450" indent="-171450">
-              <a:buFont typeface="Arial" panose="020B0604020202020204" pitchFamily="34" charset="0"/>
-              <a:buChar char="•"/>
-            </a:pPr>
-            <a:r>
-              <a:rPr lang="de-DE" b="0" i="1" u="none" dirty="0">
-                <a:solidFill>
-                  <a:srgbClr val="2E2F30"/>
-                </a:solidFill>
-                <a:effectLst/>
-                <a:latin typeface="Inter"/>
-              </a:rPr>
-              <a:t>Wartungsaufwand: </a:t>
-            </a:r>
-            <a:r>
-              <a:rPr lang="de-DE" b="0" i="0" dirty="0">
-                <a:solidFill>
-                  <a:srgbClr val="2E2F30"/>
-                </a:solidFill>
-                <a:effectLst/>
-                <a:latin typeface="Inter"/>
-              </a:rPr>
-              <a:t>Die Wartung und Aktualisierung der Architektur erfordert sorgfältige Planung und Implementierung</a:t>
-            </a:r>
-          </a:p>
-          <a:p>
-            <a:pPr marL="171450" indent="-171450">
-              <a:buFont typeface="Arial" panose="020B0604020202020204" pitchFamily="34" charset="0"/>
-              <a:buChar char="•"/>
-            </a:pPr>
-            <a:r>
-              <a:rPr lang="de-DE" b="0" i="0" u="none" dirty="0">
-                <a:solidFill>
-                  <a:srgbClr val="2E2F30"/>
-                </a:solidFill>
-                <a:effectLst/>
-                <a:latin typeface="Inter"/>
-              </a:rPr>
-              <a:t>Komplexität des Datenmodells: </a:t>
-            </a:r>
-            <a:r>
-              <a:rPr lang="de-DE" b="0" i="0" dirty="0">
-                <a:solidFill>
-                  <a:srgbClr val="2E2F30"/>
-                </a:solidFill>
-                <a:effectLst/>
-                <a:latin typeface="Inter"/>
-              </a:rPr>
-              <a:t>Das Datenmodell kann komplex zu berechnen sein, da es verschiedene Zeitebenen und Auflösungen vereint</a:t>
-            </a:r>
-            <a:endParaRPr lang="de-DE" b="0" i="1" u="none" dirty="0"/>
-          </a:p>
-          <a:p>
-            <a:endParaRPr lang="de-DE" b="1" dirty="0"/>
-          </a:p>
-          <a:p>
-            <a:r>
-              <a:rPr lang="de-DE" b="1" dirty="0"/>
-              <a:t>Batch-Verarbeitung:</a:t>
-            </a:r>
-          </a:p>
-          <a:p>
-            <a:r>
-              <a:rPr lang="de-DE" b="0" u="sng" dirty="0"/>
-              <a:t>Vorteile</a:t>
-            </a:r>
-          </a:p>
-          <a:p>
-            <a:pPr marL="171450" indent="-171450">
-              <a:buFont typeface="Arial" panose="020B0604020202020204" pitchFamily="34" charset="0"/>
-              <a:buChar char="•"/>
-            </a:pPr>
-            <a:r>
-              <a:rPr lang="de-DE" b="0" i="1" dirty="0"/>
-              <a:t>Effizienz: </a:t>
-            </a:r>
-            <a:r>
-              <a:rPr lang="de-DE" b="0" i="0" dirty="0">
-                <a:solidFill>
-                  <a:srgbClr val="2E2F30"/>
-                </a:solidFill>
-                <a:effectLst/>
-                <a:latin typeface="Inter"/>
-              </a:rPr>
-              <a:t>Die Batch-Verarbeitung ist besonders effizient bei der Verarbeitung großer Datenmengen, da sie die Daten in großen Mengen verarbeitet, was die Gesamtverarbeitungszeit reduzieren kann</a:t>
-            </a:r>
-            <a:r>
-              <a:rPr lang="de-DE" b="0" i="1" dirty="0">
-                <a:solidFill>
-                  <a:srgbClr val="2E2F30"/>
-                </a:solidFill>
-                <a:effectLst/>
-                <a:latin typeface="Inter"/>
-              </a:rPr>
-              <a:t>.</a:t>
-            </a:r>
-          </a:p>
-          <a:p>
-            <a:pPr marL="171450" indent="-171450">
-              <a:buFont typeface="Arial" panose="020B0604020202020204" pitchFamily="34" charset="0"/>
-              <a:buChar char="•"/>
-            </a:pPr>
-            <a:r>
-              <a:rPr lang="de-DE" b="0" i="1" dirty="0">
-                <a:solidFill>
-                  <a:srgbClr val="2E2F30"/>
-                </a:solidFill>
-                <a:effectLst/>
-                <a:latin typeface="Inter"/>
-              </a:rPr>
-              <a:t>Einfachheit</a:t>
-            </a:r>
-            <a:r>
-              <a:rPr lang="de-DE" b="0" i="0" dirty="0">
-                <a:solidFill>
-                  <a:srgbClr val="2E2F30"/>
-                </a:solidFill>
-                <a:effectLst/>
-                <a:latin typeface="Inter"/>
-              </a:rPr>
-              <a:t>: Sie ist oft einfacher zu implementieren und zu verwalten, da sie weniger kontinuierliche Überwachung erfordert und für Szenarien geeignet ist, in denen Daten nicht zeitkritisch sind</a:t>
-            </a:r>
-          </a:p>
-          <a:p>
-            <a:pPr marL="171450" indent="-171450">
-              <a:buFont typeface="Arial" panose="020B0604020202020204" pitchFamily="34" charset="0"/>
-              <a:buChar char="•"/>
-            </a:pPr>
-            <a:r>
-              <a:rPr lang="de-DE" b="0" i="1" dirty="0">
-                <a:solidFill>
-                  <a:srgbClr val="2E2F30"/>
-                </a:solidFill>
-                <a:effectLst/>
-                <a:latin typeface="Inter"/>
-              </a:rPr>
-              <a:t>Ressourcenoptimierung: </a:t>
-            </a:r>
-            <a:r>
-              <a:rPr lang="de-DE" b="0" i="0" dirty="0">
-                <a:solidFill>
-                  <a:srgbClr val="2E2F30"/>
-                </a:solidFill>
-                <a:effectLst/>
-                <a:latin typeface="Inter"/>
-              </a:rPr>
-              <a:t>Batch-Verarbeitung kann komplexe Transformationen und Validierungen der Daten durchführen, da es mehr Zeit und Ressourcen für die Verarbeitung der Daten hat</a:t>
-            </a:r>
-          </a:p>
-          <a:p>
-            <a:pPr marL="171450" indent="-171450">
-              <a:buFont typeface="Arial" panose="020B0604020202020204" pitchFamily="34" charset="0"/>
-              <a:buChar char="•"/>
-            </a:pPr>
-            <a:r>
-              <a:rPr lang="de-DE" b="0" i="1" dirty="0">
-                <a:solidFill>
-                  <a:srgbClr val="2E2F30"/>
-                </a:solidFill>
-                <a:effectLst/>
-                <a:latin typeface="Inter"/>
-              </a:rPr>
-              <a:t>Hoher Durchsatz: </a:t>
-            </a:r>
-            <a:r>
-              <a:rPr lang="de-DE" b="0" i="0" dirty="0">
-                <a:solidFill>
-                  <a:srgbClr val="2E2F30"/>
-                </a:solidFill>
-                <a:effectLst/>
-                <a:latin typeface="Inter"/>
-              </a:rPr>
-              <a:t>Sie kann eine hohe Durchsatzrate gewährleisten, da sie große Datenmengen auf einmal verarbeiten kann </a:t>
-            </a:r>
-            <a:endParaRPr lang="de-DE" b="0" i="1" dirty="0">
-              <a:solidFill>
-                <a:srgbClr val="2E2F30"/>
-              </a:solidFill>
-              <a:effectLst/>
-              <a:latin typeface="Inter"/>
-            </a:endParaRPr>
-          </a:p>
-          <a:p>
-            <a:pPr marL="0" indent="0">
-              <a:buFont typeface="Arial" panose="020B0604020202020204" pitchFamily="34" charset="0"/>
-              <a:buNone/>
-            </a:pPr>
-            <a:r>
-              <a:rPr lang="de-DE" b="0" u="sng" dirty="0"/>
-              <a:t>Nachteile:</a:t>
-            </a:r>
-          </a:p>
-          <a:p>
-            <a:pPr marL="171450" indent="-171450">
-              <a:buFont typeface="Arial" panose="020B0604020202020204" pitchFamily="34" charset="0"/>
-              <a:buChar char="•"/>
-            </a:pPr>
-            <a:r>
-              <a:rPr lang="de-DE" b="0" i="1" u="none" dirty="0"/>
-              <a:t>Verzögerung</a:t>
-            </a:r>
-            <a:r>
-              <a:rPr lang="de-DE" b="0" u="none" dirty="0"/>
-              <a:t>: </a:t>
-            </a:r>
-            <a:r>
-              <a:rPr lang="de-DE" b="0" i="0" dirty="0">
-                <a:solidFill>
-                  <a:srgbClr val="2E2F30"/>
-                </a:solidFill>
-                <a:effectLst/>
-                <a:latin typeface="Inter"/>
-              </a:rPr>
-              <a:t>Es kann zu Verzögerungen in der Datenverarbeitung kommen, da die Daten gesammelt und dann verarbeitet werden, was zu Latenz und Inkonsistenz in den Daten führen kann</a:t>
-            </a:r>
-          </a:p>
-          <a:p>
-            <a:pPr marL="171450" indent="-171450">
-              <a:buFont typeface="Arial" panose="020B0604020202020204" pitchFamily="34" charset="0"/>
-              <a:buChar char="•"/>
-            </a:pPr>
-            <a:r>
-              <a:rPr lang="de-DE" b="0" i="1" u="none" dirty="0">
-                <a:solidFill>
-                  <a:srgbClr val="2E2F30"/>
-                </a:solidFill>
-                <a:effectLst/>
-                <a:latin typeface="Inter"/>
-              </a:rPr>
-              <a:t>Echtzeit-Verarbeitung</a:t>
-            </a:r>
-            <a:r>
-              <a:rPr lang="de-DE" sz="1400" b="0" i="1" u="none" dirty="0">
-                <a:solidFill>
-                  <a:srgbClr val="2E2F30"/>
-                </a:solidFill>
-                <a:effectLst/>
-                <a:latin typeface="Inter"/>
-              </a:rPr>
-              <a:t>: </a:t>
-            </a:r>
-            <a:r>
-              <a:rPr lang="de-DE" b="0" i="0" dirty="0">
-                <a:solidFill>
-                  <a:srgbClr val="2E2F30"/>
-                </a:solidFill>
-                <a:effectLst/>
-                <a:latin typeface="Inter"/>
-              </a:rPr>
-              <a:t>Batch-Verarbeitung ist nicht ideal für Anwendungen, die Echtzeit-Datenverarbeitung erfordern</a:t>
-            </a:r>
-          </a:p>
-          <a:p>
-            <a:pPr marL="171450" indent="-171450">
-              <a:buFont typeface="Arial" panose="020B0604020202020204" pitchFamily="34" charset="0"/>
-              <a:buChar char="•"/>
-            </a:pPr>
-            <a:r>
-              <a:rPr lang="de-DE" b="0" i="1" u="none" dirty="0">
-                <a:solidFill>
-                  <a:srgbClr val="2E2F30"/>
-                </a:solidFill>
-                <a:effectLst/>
-                <a:latin typeface="Inter"/>
-              </a:rPr>
-              <a:t>Ressourcenintensität: </a:t>
-            </a:r>
-            <a:r>
-              <a:rPr lang="de-DE" b="0" i="0" dirty="0">
-                <a:solidFill>
-                  <a:srgbClr val="2E2F30"/>
-                </a:solidFill>
-                <a:effectLst/>
-                <a:latin typeface="Inter"/>
-              </a:rPr>
-              <a:t>Die Verarbeitung großer Datenmengen kann erhebliche Rechenressourcen erfordern, was zu potenziellen Engpässen führen kann</a:t>
-            </a:r>
-            <a:r>
-              <a:rPr lang="de-DE" b="0" u="none" dirty="0"/>
-              <a:t> </a:t>
-            </a:r>
-          </a:p>
-          <a:p>
-            <a:pPr marL="171450" indent="-171450">
-              <a:buFont typeface="Arial" panose="020B0604020202020204" pitchFamily="34" charset="0"/>
-              <a:buChar char="•"/>
-            </a:pPr>
-            <a:endParaRPr lang="de-DE" b="1" dirty="0"/>
-          </a:p>
-          <a:p>
-            <a:pPr marL="0" indent="0">
-              <a:buFont typeface="Arial" panose="020B0604020202020204" pitchFamily="34" charset="0"/>
-              <a:buNone/>
-            </a:pPr>
-            <a:r>
-              <a:rPr lang="de-DE" b="1" i="0" dirty="0"/>
-              <a:t>Streaming-Verarbeitung:</a:t>
-            </a:r>
-          </a:p>
-          <a:p>
-            <a:pPr marL="0" indent="0">
-              <a:buFont typeface="Arial" panose="020B0604020202020204" pitchFamily="34" charset="0"/>
-              <a:buNone/>
-            </a:pPr>
-            <a:r>
-              <a:rPr lang="de-DE" b="0" i="0" u="sng" dirty="0"/>
-              <a:t>Vorteile:</a:t>
-            </a:r>
-          </a:p>
-          <a:p>
-            <a:pPr marL="171450" indent="-171450">
-              <a:buFont typeface="Arial" panose="020B0604020202020204" pitchFamily="34" charset="0"/>
-              <a:buChar char="•"/>
-            </a:pPr>
-            <a:r>
-              <a:rPr lang="de-DE" b="0" i="1" u="none" dirty="0"/>
-              <a:t>Echtzeit-Verarbeitung: </a:t>
-            </a:r>
-            <a:r>
-              <a:rPr lang="de-DE" b="0" i="0" dirty="0">
-                <a:solidFill>
-                  <a:srgbClr val="2E2F30"/>
-                </a:solidFill>
-                <a:effectLst/>
-                <a:latin typeface="Inter"/>
-              </a:rPr>
-              <a:t>Streaming ermöglicht die Echtzeit-Verarbeitung von Daten, was ideal für Anwendungen ist, die sofortige Datenverarbeitung erfordern</a:t>
-            </a:r>
-          </a:p>
-          <a:p>
-            <a:pPr marL="171450" indent="-171450">
-              <a:buFont typeface="Arial" panose="020B0604020202020204" pitchFamily="34" charset="0"/>
-              <a:buChar char="•"/>
-            </a:pPr>
-            <a:r>
-              <a:rPr lang="de-DE" b="0" i="1" u="none" dirty="0">
-                <a:solidFill>
-                  <a:srgbClr val="2E2F30"/>
-                </a:solidFill>
-                <a:effectLst/>
-                <a:latin typeface="Inter"/>
-              </a:rPr>
-              <a:t>Minimale-Verzögerung: </a:t>
-            </a:r>
-            <a:r>
-              <a:rPr lang="de-DE" b="0" i="0" dirty="0">
-                <a:solidFill>
-                  <a:srgbClr val="2E2F30"/>
-                </a:solidFill>
-                <a:effectLst/>
-                <a:latin typeface="Inter"/>
-              </a:rPr>
-              <a:t>Da die Daten sofort verarbeitet werden, sobald sie verfügbar sind, gibt es minimale Verzögerungen in der Datenverarbeitung</a:t>
-            </a:r>
-          </a:p>
-          <a:p>
-            <a:pPr marL="171450" indent="-171450">
-              <a:buFont typeface="Arial" panose="020B0604020202020204" pitchFamily="34" charset="0"/>
-              <a:buChar char="•"/>
-            </a:pPr>
-            <a:r>
-              <a:rPr lang="de-DE" b="0" i="1" dirty="0">
-                <a:solidFill>
-                  <a:srgbClr val="2E2F30"/>
-                </a:solidFill>
-                <a:effectLst/>
-                <a:latin typeface="Inter"/>
-              </a:rPr>
-              <a:t>Flexibilität und Anpassungsfähigkeit: </a:t>
-            </a:r>
-            <a:r>
-              <a:rPr lang="de-DE" b="0" i="0" dirty="0">
-                <a:solidFill>
-                  <a:srgbClr val="2E2F30"/>
-                </a:solidFill>
-                <a:effectLst/>
-                <a:latin typeface="Inter"/>
-              </a:rPr>
-              <a:t>Streaming ist flexibler und anpassungsfähiger, da es einfacher ist, auf Basis der sich ändernden Datenanforderungen zu modifizieren, zu stoppen oder hoch- und </a:t>
-            </a:r>
-            <a:r>
-              <a:rPr lang="de-DE" b="0" i="0" dirty="0" err="1">
-                <a:solidFill>
-                  <a:srgbClr val="2E2F30"/>
-                </a:solidFill>
-                <a:effectLst/>
-                <a:latin typeface="Inter"/>
-              </a:rPr>
-              <a:t>herunterzuskalieren</a:t>
-            </a:r>
-            <a:endParaRPr lang="de-DE" b="0" i="0" dirty="0">
-              <a:solidFill>
-                <a:srgbClr val="2E2F30"/>
-              </a:solidFill>
-              <a:effectLst/>
-              <a:latin typeface="Inter"/>
-            </a:endParaRPr>
-          </a:p>
-          <a:p>
-            <a:pPr marL="0" indent="0">
-              <a:buFont typeface="Arial" panose="020B0604020202020204" pitchFamily="34" charset="0"/>
-              <a:buNone/>
-            </a:pPr>
-            <a:r>
-              <a:rPr lang="de-DE" b="0" i="0" u="sng" dirty="0">
-                <a:solidFill>
-                  <a:srgbClr val="2E2F30"/>
-                </a:solidFill>
-                <a:effectLst/>
-                <a:latin typeface="Inter"/>
-              </a:rPr>
-              <a:t>Nachteile:</a:t>
-            </a:r>
-          </a:p>
-          <a:p>
-            <a:pPr marL="171450" indent="-171450">
-              <a:buFont typeface="Arial" panose="020B0604020202020204" pitchFamily="34" charset="0"/>
-              <a:buChar char="•"/>
-            </a:pPr>
-            <a:r>
-              <a:rPr lang="de-DE" b="0" i="1" u="none" dirty="0">
-                <a:solidFill>
-                  <a:srgbClr val="2E2F30"/>
-                </a:solidFill>
-                <a:effectLst/>
-                <a:latin typeface="Inter"/>
-              </a:rPr>
-              <a:t>Komplexität: </a:t>
-            </a:r>
-            <a:r>
-              <a:rPr lang="de-DE" b="0" i="0" dirty="0">
-                <a:solidFill>
-                  <a:srgbClr val="2E2F30"/>
-                </a:solidFill>
-                <a:effectLst/>
-                <a:latin typeface="Inter"/>
-              </a:rPr>
-              <a:t>Streaming kann komplexer zu implementieren und zu verwalten sein, da es eine kontinuierliche Überwachung und Verarbeitung der Daten erfordert </a:t>
-            </a:r>
-            <a:endParaRPr lang="de-DE" b="0" i="1" u="sng" dirty="0">
-              <a:solidFill>
-                <a:srgbClr val="2E2F30"/>
-              </a:solidFill>
-              <a:effectLst/>
-              <a:latin typeface="Inter"/>
-            </a:endParaRPr>
-          </a:p>
-          <a:p>
-            <a:pPr marL="171450" indent="-171450">
-              <a:buFont typeface="Arial" panose="020B0604020202020204" pitchFamily="34" charset="0"/>
-              <a:buChar char="•"/>
-            </a:pPr>
-            <a:r>
-              <a:rPr lang="de-DE" b="0" i="1" dirty="0">
-                <a:solidFill>
-                  <a:srgbClr val="2E2F30"/>
-                </a:solidFill>
-                <a:effectLst/>
-                <a:latin typeface="Inter"/>
-              </a:rPr>
-              <a:t>Ressourcenintensiv: </a:t>
-            </a:r>
-            <a:r>
-              <a:rPr lang="de-DE" b="0" i="0" dirty="0">
-                <a:solidFill>
-                  <a:srgbClr val="2E2F30"/>
-                </a:solidFill>
-                <a:effectLst/>
-                <a:latin typeface="Inter"/>
-              </a:rPr>
-              <a:t>Es kann ressourcenintensiver sein, da die Daten kontinuierlich verarbeitet werden</a:t>
-            </a:r>
-          </a:p>
-          <a:p>
-            <a:pPr marL="171450" indent="-171450">
-              <a:buFont typeface="Arial" panose="020B0604020202020204" pitchFamily="34" charset="0"/>
-              <a:buChar char="•"/>
-            </a:pPr>
-            <a:r>
-              <a:rPr lang="de-DE" b="0" i="1" u="none" dirty="0">
-                <a:solidFill>
-                  <a:srgbClr val="2E2F30"/>
-                </a:solidFill>
-                <a:effectLst/>
-                <a:latin typeface="Inter"/>
-              </a:rPr>
-              <a:t>Fehlertoleranz: </a:t>
-            </a:r>
-            <a:r>
-              <a:rPr lang="de-DE" b="0" i="0" dirty="0">
-                <a:solidFill>
-                  <a:srgbClr val="2E2F30"/>
-                </a:solidFill>
-                <a:effectLst/>
-                <a:latin typeface="Inter"/>
-              </a:rPr>
-              <a:t>Streaming-Data-Systeme müssen fehlertolerant sein, da Daten in Echtzeit verarbeitet werden. Wenn ein Fehler auftritt, kann dies zu Datenverlust führen</a:t>
-            </a:r>
-            <a:endParaRPr lang="de-DE" b="0" i="1" u="none" dirty="0"/>
-          </a:p>
-          <a:p>
-            <a:endParaRPr lang="de-DE" dirty="0"/>
-          </a:p>
-          <a:p>
-            <a:endParaRPr lang="de-DE" dirty="0"/>
-          </a:p>
-          <a:p>
-            <a:r>
-              <a:rPr lang="de-DE" dirty="0"/>
-              <a:t>Quelle:</a:t>
-            </a:r>
-          </a:p>
-          <a:p>
-            <a:pPr marL="0" marR="0" lvl="0" indent="0" algn="l" defTabSz="914400" rtl="0" eaLnBrk="1" fontAlgn="auto" latinLnBrk="0" hangingPunct="1">
-              <a:lnSpc>
-                <a:spcPct val="100000"/>
-              </a:lnSpc>
-              <a:spcBef>
-                <a:spcPts val="0"/>
-              </a:spcBef>
-              <a:spcAft>
-                <a:spcPts val="0"/>
-              </a:spcAft>
-              <a:buClrTx/>
-              <a:buSzTx/>
-              <a:buFontTx/>
-              <a:buNone/>
-              <a:tabLst/>
-              <a:defRPr/>
-            </a:pPr>
-            <a:r>
-              <a:rPr lang="de-DE" dirty="0"/>
-              <a:t>[1] </a:t>
-            </a:r>
-            <a:r>
-              <a:rPr lang="en-US" b="0" i="0" dirty="0">
-                <a:solidFill>
-                  <a:srgbClr val="555555"/>
-                </a:solidFill>
-                <a:effectLst/>
-                <a:latin typeface="robotolight"/>
-              </a:rPr>
-              <a:t>Nathan </a:t>
-            </a:r>
-            <a:r>
-              <a:rPr lang="en-US" b="0" i="0" dirty="0" err="1">
-                <a:solidFill>
-                  <a:srgbClr val="555555"/>
-                </a:solidFill>
-                <a:effectLst/>
-                <a:latin typeface="robotolight"/>
-              </a:rPr>
-              <a:t>Marz</a:t>
-            </a:r>
-            <a:r>
-              <a:rPr lang="en-US" b="0" i="0" dirty="0">
-                <a:solidFill>
-                  <a:srgbClr val="555555"/>
-                </a:solidFill>
-                <a:effectLst/>
-                <a:latin typeface="robotolight"/>
-              </a:rPr>
-              <a:t> and James Warren | </a:t>
-            </a:r>
-            <a:r>
-              <a:rPr lang="de-DE" b="0" i="0" dirty="0">
-                <a:solidFill>
-                  <a:srgbClr val="5759A5"/>
-                </a:solidFill>
-                <a:effectLst/>
-                <a:latin typeface="robotolight"/>
-              </a:rPr>
-              <a:t>Big Data : Entwicklung und Programmierung von Systemen für große Datenmengen und Einsatz der Lambda-Architektur </a:t>
-            </a:r>
-            <a:r>
-              <a:rPr lang="en-US" b="0" i="0" dirty="0">
-                <a:solidFill>
-                  <a:srgbClr val="555555"/>
-                </a:solidFill>
-                <a:effectLst/>
-                <a:latin typeface="robotolight"/>
-              </a:rPr>
-              <a:t>| </a:t>
-            </a:r>
-            <a:r>
-              <a:rPr lang="de-DE" b="0" i="0" dirty="0" err="1">
-                <a:solidFill>
-                  <a:srgbClr val="555555"/>
-                </a:solidFill>
-                <a:effectLst/>
-                <a:latin typeface="robotoregular"/>
-              </a:rPr>
-              <a:t>mitp</a:t>
-            </a:r>
-            <a:r>
-              <a:rPr lang="de-DE" b="0" i="0" dirty="0">
-                <a:solidFill>
-                  <a:srgbClr val="555555"/>
-                </a:solidFill>
-                <a:effectLst/>
-                <a:latin typeface="robotoregular"/>
-              </a:rPr>
-              <a:t> | Auflage: 1 | 2016</a:t>
-            </a:r>
-          </a:p>
-          <a:p>
-            <a:pPr marL="0" marR="0" lvl="0" indent="0" algn="l" defTabSz="914400" rtl="0" eaLnBrk="1" fontAlgn="auto" latinLnBrk="0" hangingPunct="1">
-              <a:lnSpc>
-                <a:spcPct val="100000"/>
-              </a:lnSpc>
-              <a:spcBef>
-                <a:spcPts val="0"/>
-              </a:spcBef>
-              <a:spcAft>
-                <a:spcPts val="0"/>
-              </a:spcAft>
-              <a:buClrTx/>
-              <a:buSzTx/>
-              <a:buFontTx/>
-              <a:buNone/>
-              <a:tabLst/>
-              <a:defRPr/>
-            </a:pPr>
-            <a:r>
-              <a:rPr lang="de-DE" b="0" i="0" dirty="0">
-                <a:solidFill>
-                  <a:srgbClr val="555555"/>
-                </a:solidFill>
-                <a:effectLst/>
-                <a:latin typeface="robotoregular"/>
-              </a:rPr>
-              <a:t>[2] https://www.confluent.io/de-de/learn/batch-vs-real-time-data-processing/</a:t>
-            </a:r>
-          </a:p>
-          <a:p>
-            <a:pPr marL="0" marR="0" lvl="0" indent="0" algn="l" defTabSz="914400" rtl="0" eaLnBrk="1" fontAlgn="auto" latinLnBrk="0" hangingPunct="1">
-              <a:lnSpc>
-                <a:spcPct val="100000"/>
-              </a:lnSpc>
-              <a:spcBef>
-                <a:spcPts val="0"/>
-              </a:spcBef>
-              <a:spcAft>
-                <a:spcPts val="0"/>
-              </a:spcAft>
-              <a:buClrTx/>
-              <a:buSzTx/>
-              <a:buFontTx/>
-              <a:buNone/>
-              <a:tabLst/>
-              <a:defRPr/>
-            </a:pPr>
-            <a:r>
-              <a:rPr lang="de-DE" b="0" i="0" dirty="0">
-                <a:solidFill>
-                  <a:srgbClr val="555555"/>
-                </a:solidFill>
-                <a:effectLst/>
-                <a:latin typeface="robotoregular"/>
-              </a:rPr>
-              <a:t>[3] https://atlan.com/batch-processing-vs-stream-processing/</a:t>
-            </a:r>
-          </a:p>
-          <a:p>
-            <a:pPr marL="0" marR="0" lvl="0" indent="0" algn="l" defTabSz="914400" rtl="0" eaLnBrk="1" fontAlgn="auto" latinLnBrk="0" hangingPunct="1">
-              <a:lnSpc>
-                <a:spcPct val="100000"/>
-              </a:lnSpc>
-              <a:spcBef>
-                <a:spcPts val="0"/>
-              </a:spcBef>
-              <a:spcAft>
-                <a:spcPts val="0"/>
-              </a:spcAft>
-              <a:buClrTx/>
-              <a:buSzTx/>
-              <a:buFontTx/>
-              <a:buNone/>
-              <a:tabLst/>
-              <a:defRPr/>
-            </a:pPr>
-            <a:r>
-              <a:rPr lang="de-DE" b="0" i="0" dirty="0">
-                <a:solidFill>
-                  <a:srgbClr val="555555"/>
-                </a:solidFill>
-                <a:effectLst/>
-                <a:latin typeface="robotoregular"/>
-              </a:rPr>
-              <a:t>[4] https://www.kobold.ai/batch-vs-event-streams/</a:t>
-            </a:r>
-            <a:endParaRPr lang="de-DE" b="0" i="0" dirty="0">
-              <a:solidFill>
-                <a:srgbClr val="5759A5"/>
-              </a:solidFill>
-              <a:effectLst/>
-              <a:latin typeface="robotolight"/>
-            </a:endParaRPr>
-          </a:p>
           <a:p>
             <a:endParaRPr lang="de-DE" dirty="0"/>
           </a:p>
@@ -20657,90 +19257,6 @@
 </p:notes>
 </file>
 
-<file path=ppt/notesSlides/notesSlide8.xml><?xml version="1.0" encoding="utf-8"?>
-<p:notes xmlns:a="http://schemas.openxmlformats.org/drawingml/2006/main" xmlns:r="http://schemas.openxmlformats.org/officeDocument/2006/relationships" xmlns:p="http://schemas.openxmlformats.org/presentationml/2006/main">
-  <p:cSld>
-    <p:spTree>
-      <p:nvGrpSpPr>
-        <p:cNvPr id="1" name=""/>
-        <p:cNvGrpSpPr/>
-        <p:nvPr/>
-      </p:nvGrpSpPr>
-      <p:grpSpPr>
-        <a:xfrm>
-          <a:off x="0" y="0"/>
-          <a:ext cx="0" cy="0"/>
-          <a:chOff x="0" y="0"/>
-          <a:chExt cx="0" cy="0"/>
-        </a:xfrm>
-      </p:grpSpPr>
-      <p:sp>
-        <p:nvSpPr>
-          <p:cNvPr id="2" name="Folienbildplatzhalter 1"/>
-          <p:cNvSpPr>
-            <a:spLocks noGrp="1" noRot="1" noChangeAspect="1"/>
-          </p:cNvSpPr>
-          <p:nvPr>
-            <p:ph type="sldImg"/>
-          </p:nvPr>
-        </p:nvSpPr>
-        <p:spPr/>
-      </p:sp>
-      <p:sp>
-        <p:nvSpPr>
-          <p:cNvPr id="3" name="Notizenplatzhalter 2"/>
-          <p:cNvSpPr>
-            <a:spLocks noGrp="1"/>
-          </p:cNvSpPr>
-          <p:nvPr>
-            <p:ph type="body" idx="1"/>
-          </p:nvPr>
-        </p:nvSpPr>
-        <p:spPr/>
-        <p:txBody>
-          <a:bodyPr/>
-          <a:lstStyle/>
-          <a:p>
-            <a:endParaRPr lang="de-DE" dirty="0"/>
-          </a:p>
-        </p:txBody>
-      </p:sp>
-      <p:sp>
-        <p:nvSpPr>
-          <p:cNvPr id="4" name="Foliennummernplatzhalter 3"/>
-          <p:cNvSpPr>
-            <a:spLocks noGrp="1"/>
-          </p:cNvSpPr>
-          <p:nvPr>
-            <p:ph type="sldNum" sz="quarter" idx="5"/>
-          </p:nvPr>
-        </p:nvSpPr>
-        <p:spPr/>
-        <p:txBody>
-          <a:bodyPr/>
-          <a:lstStyle/>
-          <a:p>
-            <a:fld id="{E5BFC953-B547-45E0-B1EC-9ADAABF586C7}" type="slidenum">
-              <a:rPr lang="de-DE" smtClean="0"/>
-              <a:t>10</a:t>
-            </a:fld>
-            <a:endParaRPr lang="de-DE"/>
-          </a:p>
-        </p:txBody>
-      </p:sp>
-    </p:spTree>
-    <p:extLst>
-      <p:ext uri="{BB962C8B-B14F-4D97-AF65-F5344CB8AC3E}">
-        <p14:creationId xmlns:p14="http://schemas.microsoft.com/office/powerpoint/2010/main" val="1738967009"/>
-      </p:ext>
-    </p:extLst>
-  </p:cSld>
-  <p:clrMapOvr>
-    <a:masterClrMapping/>
-  </p:clrMapOvr>
-</p:notes>
-</file>
-
 <file path=ppt/slideLayouts/slideLayout1.xml><?xml version="1.0" encoding="utf-8"?>
 <p:sldLayout xmlns:a="http://schemas.openxmlformats.org/drawingml/2006/main" xmlns:r="http://schemas.openxmlformats.org/officeDocument/2006/relationships" xmlns:p="http://schemas.openxmlformats.org/presentationml/2006/main" type="title" preserve="1">
   <p:cSld name="Title Slide">
@@ -20892,7 +19408,7 @@
           <a:p>
             <a:fld id="{23FEA57E-7C1A-457B-A4CD-5DCEB057B502}" type="datetime1">
               <a:rPr lang="en-US" smtClean="0"/>
-              <a:t>5/30/2024</a:t>
+              <a:t>6/2/2024</a:t>
             </a:fld>
             <a:endParaRPr lang="en-US" dirty="0"/>
           </a:p>
@@ -21140,7 +19656,7 @@
           <a:p>
             <a:fld id="{D3FE42E8-8B57-452D-A122-4DCE9AC771EF}" type="datetime1">
               <a:rPr lang="en-US" smtClean="0"/>
-              <a:t>5/30/2024</a:t>
+              <a:t>6/2/2024</a:t>
             </a:fld>
             <a:endParaRPr lang="en-US"/>
           </a:p>
@@ -21847,321 +20363,6 @@
 </p:sld>
 </file>
 
-<file path=ppt/slides/slide10.xml><?xml version="1.0" encoding="utf-8"?>
-<p:sld xmlns:a="http://schemas.openxmlformats.org/drawingml/2006/main" xmlns:r="http://schemas.openxmlformats.org/officeDocument/2006/relationships" xmlns:p="http://schemas.openxmlformats.org/presentationml/2006/main">
-  <p:cSld>
-    <p:spTree>
-      <p:nvGrpSpPr>
-        <p:cNvPr id="1" name=""/>
-        <p:cNvGrpSpPr/>
-        <p:nvPr/>
-      </p:nvGrpSpPr>
-      <p:grpSpPr>
-        <a:xfrm>
-          <a:off x="0" y="0"/>
-          <a:ext cx="0" cy="0"/>
-          <a:chOff x="0" y="0"/>
-          <a:chExt cx="0" cy="0"/>
-        </a:xfrm>
-      </p:grpSpPr>
-      <p:sp>
-        <p:nvSpPr>
-          <p:cNvPr id="135" name="Rechteck 134">
-            <a:extLst>
-              <a:ext uri="{FF2B5EF4-FFF2-40B4-BE49-F238E27FC236}">
-                <a16:creationId xmlns:a16="http://schemas.microsoft.com/office/drawing/2014/main" id="{17554CC7-8C32-ECA1-5750-44A3B38EF1E7}"/>
-              </a:ext>
-            </a:extLst>
-          </p:cNvPr>
-          <p:cNvSpPr/>
-          <p:nvPr/>
-        </p:nvSpPr>
-        <p:spPr>
-          <a:xfrm>
-            <a:off x="0" y="0"/>
-            <a:ext cx="12192000" cy="1932674"/>
-          </a:xfrm>
-          <a:prstGeom prst="rect">
-            <a:avLst/>
-          </a:prstGeom>
-          <a:solidFill>
-            <a:srgbClr val="475871"/>
-          </a:solidFill>
-          <a:ln>
-            <a:solidFill>
-              <a:srgbClr val="475871"/>
-            </a:solidFill>
-          </a:ln>
-        </p:spPr>
-        <p:style>
-          <a:lnRef idx="2">
-            <a:schemeClr val="accent1">
-              <a:shade val="15000"/>
-            </a:schemeClr>
-          </a:lnRef>
-          <a:fillRef idx="1">
-            <a:schemeClr val="accent1"/>
-          </a:fillRef>
-          <a:effectRef idx="0">
-            <a:schemeClr val="accent1"/>
-          </a:effectRef>
-          <a:fontRef idx="minor">
-            <a:schemeClr val="lt1"/>
-          </a:fontRef>
-        </p:style>
-        <p:txBody>
-          <a:bodyPr rtlCol="0" anchor="ctr"/>
-          <a:lstStyle/>
-          <a:p>
-            <a:pPr algn="ctr"/>
-            <a:r>
-              <a:rPr lang="de-DE" sz="3200" cap="all" spc="300" dirty="0">
-                <a:solidFill>
-                  <a:schemeClr val="bg2"/>
-                </a:solidFill>
-                <a:latin typeface="+mj-lt"/>
-                <a:ea typeface="+mj-ea"/>
-                <a:cs typeface="+mj-cs"/>
-              </a:rPr>
-              <a:t>Literaturverzeichnis</a:t>
-            </a:r>
-          </a:p>
-        </p:txBody>
-      </p:sp>
-      <p:sp>
-        <p:nvSpPr>
-          <p:cNvPr id="2" name="Textfeld 1">
-            <a:extLst>
-              <a:ext uri="{FF2B5EF4-FFF2-40B4-BE49-F238E27FC236}">
-                <a16:creationId xmlns:a16="http://schemas.microsoft.com/office/drawing/2014/main" id="{8E62AABD-6674-5359-0115-9D70DA89CBB2}"/>
-              </a:ext>
-            </a:extLst>
-          </p:cNvPr>
-          <p:cNvSpPr txBox="1"/>
-          <p:nvPr/>
-        </p:nvSpPr>
-        <p:spPr>
-          <a:xfrm>
-            <a:off x="0" y="2321170"/>
-            <a:ext cx="10101943" cy="2633541"/>
-          </a:xfrm>
-          <a:prstGeom prst="rect">
-            <a:avLst/>
-          </a:prstGeom>
-          <a:noFill/>
-        </p:spPr>
-        <p:txBody>
-          <a:bodyPr wrap="square" rtlCol="0">
-            <a:spAutoFit/>
-          </a:bodyPr>
-          <a:lstStyle/>
-          <a:p>
-            <a:pPr marL="285750" indent="-285750">
-              <a:lnSpc>
-                <a:spcPct val="150000"/>
-              </a:lnSpc>
-              <a:buFont typeface="Arial" panose="020B0604020202020204" pitchFamily="34" charset="0"/>
-              <a:buChar char="•"/>
-            </a:pPr>
-            <a:r>
-              <a:rPr lang="de-DE" sz="1600" i="1" dirty="0">
-                <a:solidFill>
-                  <a:srgbClr val="475871"/>
-                </a:solidFill>
-                <a:latin typeface="+mj-lt"/>
-                <a:hlinkClick r:id="rId3">
-                  <a:extLst>
-                    <a:ext uri="{A12FA001-AC4F-418D-AE19-62706E023703}">
-                      <ahyp:hlinkClr xmlns:ahyp="http://schemas.microsoft.com/office/drawing/2018/hyperlinkcolor" val="tx"/>
-                    </a:ext>
-                  </a:extLst>
-                </a:hlinkClick>
-              </a:rPr>
-              <a:t>[10] https://github.blog/2022-02-02-build-ci-cd-pipeline-github-actions-four-steps/</a:t>
-            </a:r>
-          </a:p>
-          <a:p>
-            <a:pPr marL="285750" indent="-285750">
-              <a:lnSpc>
-                <a:spcPct val="150000"/>
-              </a:lnSpc>
-              <a:buFont typeface="Arial" panose="020B0604020202020204" pitchFamily="34" charset="0"/>
-              <a:buChar char="•"/>
-            </a:pPr>
-            <a:r>
-              <a:rPr lang="de-DE" sz="1600" i="1" dirty="0">
-                <a:solidFill>
-                  <a:srgbClr val="475871"/>
-                </a:solidFill>
-                <a:latin typeface="+mj-lt"/>
-                <a:hlinkClick r:id="rId3">
-                  <a:extLst>
-                    <a:ext uri="{A12FA001-AC4F-418D-AE19-62706E023703}">
-                      <ahyp:hlinkClr xmlns:ahyp="http://schemas.microsoft.com/office/drawing/2018/hyperlinkcolor" val="tx"/>
-                    </a:ext>
-                  </a:extLst>
-                </a:hlinkClick>
-              </a:rPr>
-              <a:t>[11] </a:t>
-            </a:r>
-            <a:r>
-              <a:rPr lang="de-DE" sz="1600" i="1" dirty="0">
-                <a:solidFill>
-                  <a:srgbClr val="475871"/>
-                </a:solidFill>
-                <a:latin typeface="+mj-lt"/>
-                <a:hlinkClick r:id="rId4"/>
-              </a:rPr>
-              <a:t>https://www.whizlabs.com/blog/github-vs-jenkins/</a:t>
-            </a:r>
-            <a:endParaRPr lang="de-DE" sz="1600" i="1" dirty="0">
-              <a:solidFill>
-                <a:srgbClr val="475871"/>
-              </a:solidFill>
-              <a:latin typeface="+mj-lt"/>
-            </a:endParaRPr>
-          </a:p>
-          <a:p>
-            <a:pPr marL="285750" indent="-285750">
-              <a:lnSpc>
-                <a:spcPct val="150000"/>
-              </a:lnSpc>
-              <a:buFont typeface="Arial" panose="020B0604020202020204" pitchFamily="34" charset="0"/>
-              <a:buChar char="•"/>
-            </a:pPr>
-            <a:r>
-              <a:rPr lang="de-DE" sz="1600" i="1" dirty="0">
-                <a:solidFill>
-                  <a:srgbClr val="475871"/>
-                </a:solidFill>
-                <a:latin typeface="+mj-lt"/>
-                <a:hlinkClick r:id="rId3">
-                  <a:extLst>
-                    <a:ext uri="{A12FA001-AC4F-418D-AE19-62706E023703}">
-                      <ahyp:hlinkClr xmlns:ahyp="http://schemas.microsoft.com/office/drawing/2018/hyperlinkcolor" val="tx"/>
-                    </a:ext>
-                  </a:extLst>
-                </a:hlinkClick>
-              </a:rPr>
-              <a:t>[12] https://learn.microsoft.com/de-de/azure/architecture/guide/aks/aks-cicd-github-actions-and-gitops</a:t>
-            </a:r>
-          </a:p>
-          <a:p>
-            <a:pPr marL="285750" indent="-285750">
-              <a:lnSpc>
-                <a:spcPct val="150000"/>
-              </a:lnSpc>
-              <a:buFont typeface="Arial" panose="020B0604020202020204" pitchFamily="34" charset="0"/>
-              <a:buChar char="•"/>
-            </a:pPr>
-            <a:r>
-              <a:rPr lang="de-DE" sz="1600" i="1" dirty="0">
-                <a:solidFill>
-                  <a:srgbClr val="475871"/>
-                </a:solidFill>
-                <a:latin typeface="+mj-lt"/>
-                <a:hlinkClick r:id="rId3">
-                  <a:extLst>
-                    <a:ext uri="{A12FA001-AC4F-418D-AE19-62706E023703}">
-                      <ahyp:hlinkClr xmlns:ahyp="http://schemas.microsoft.com/office/drawing/2018/hyperlinkcolor" val="tx"/>
-                    </a:ext>
-                  </a:extLst>
-                </a:hlinkClick>
-              </a:rPr>
-              <a:t>https://www.confluent.io/de-de/learn/batch-vs-real-time-data-processing/</a:t>
-            </a:r>
-            <a:endParaRPr lang="de-DE" sz="1600" i="1" dirty="0">
-              <a:solidFill>
-                <a:srgbClr val="475871"/>
-              </a:solidFill>
-              <a:latin typeface="+mj-lt"/>
-            </a:endParaRPr>
-          </a:p>
-          <a:p>
-            <a:pPr marL="285750" indent="-285750">
-              <a:lnSpc>
-                <a:spcPct val="150000"/>
-              </a:lnSpc>
-              <a:buFont typeface="Arial" panose="020B0604020202020204" pitchFamily="34" charset="0"/>
-              <a:buChar char="•"/>
-            </a:pPr>
-            <a:r>
-              <a:rPr lang="de-DE" sz="1600" i="1" dirty="0">
-                <a:solidFill>
-                  <a:srgbClr val="475871"/>
-                </a:solidFill>
-                <a:latin typeface="+mj-lt"/>
-                <a:hlinkClick r:id="rId5">
-                  <a:extLst>
-                    <a:ext uri="{A12FA001-AC4F-418D-AE19-62706E023703}">
-                      <ahyp:hlinkClr xmlns:ahyp="http://schemas.microsoft.com/office/drawing/2018/hyperlinkcolor" val="tx"/>
-                    </a:ext>
-                  </a:extLst>
-                </a:hlinkClick>
-              </a:rPr>
-              <a:t>https://atlan.com/batch-processing-vs-stream-processing/</a:t>
-            </a:r>
-          </a:p>
-          <a:p>
-            <a:pPr marL="285750" indent="-285750">
-              <a:lnSpc>
-                <a:spcPct val="150000"/>
-              </a:lnSpc>
-              <a:buFont typeface="Arial" panose="020B0604020202020204" pitchFamily="34" charset="0"/>
-              <a:buChar char="•"/>
-            </a:pPr>
-            <a:r>
-              <a:rPr lang="de-DE" sz="1600" i="1" dirty="0">
-                <a:solidFill>
-                  <a:srgbClr val="475871"/>
-                </a:solidFill>
-                <a:latin typeface="+mj-lt"/>
-                <a:hlinkClick r:id="rId6"/>
-              </a:rPr>
-              <a:t>https://www.kobold.ai/batch-vs-event-streams/</a:t>
-            </a:r>
-            <a:endParaRPr lang="de-DE" sz="1600" i="1" dirty="0">
-              <a:solidFill>
-                <a:srgbClr val="475871"/>
-              </a:solidFill>
-              <a:latin typeface="+mj-lt"/>
-            </a:endParaRPr>
-          </a:p>
-          <a:p>
-            <a:pPr marL="285750" indent="-285750">
-              <a:lnSpc>
-                <a:spcPct val="150000"/>
-              </a:lnSpc>
-              <a:buFont typeface="Arial" panose="020B0604020202020204" pitchFamily="34" charset="0"/>
-              <a:buChar char="•"/>
-            </a:pPr>
-            <a:r>
-              <a:rPr lang="de-DE" sz="1600" i="1" dirty="0">
-                <a:solidFill>
-                  <a:srgbClr val="475871"/>
-                </a:solidFill>
-                <a:latin typeface="+mj-lt"/>
-                <a:hlinkClick r:id="rId7"/>
-              </a:rPr>
-              <a:t>https://developer.hashicorp.com/terraform</a:t>
-            </a:r>
-            <a:endParaRPr lang="de-DE" dirty="0"/>
-          </a:p>
-        </p:txBody>
-      </p:sp>
-    </p:spTree>
-    <p:extLst>
-      <p:ext uri="{BB962C8B-B14F-4D97-AF65-F5344CB8AC3E}">
-        <p14:creationId xmlns:p14="http://schemas.microsoft.com/office/powerpoint/2010/main" val="1069447239"/>
-      </p:ext>
-    </p:extLst>
-  </p:cSld>
-  <p:clrMapOvr>
-    <a:masterClrMapping/>
-  </p:clrMapOvr>
-</p:sld>
-</file>
-
 <file path=ppt/slides/slide2.xml><?xml version="1.0" encoding="utf-8"?>
 <p:sld xmlns:a="http://schemas.openxmlformats.org/drawingml/2006/main" xmlns:r="http://schemas.openxmlformats.org/officeDocument/2006/relationships" xmlns:p="http://schemas.openxmlformats.org/presentationml/2006/main">
   <p:cSld>
@@ -22372,6 +20573,734 @@
 <file path=ppt/slides/slide3.xml><?xml version="1.0" encoding="utf-8"?>
 <p:sld xmlns:a="http://schemas.openxmlformats.org/drawingml/2006/main" xmlns:r="http://schemas.openxmlformats.org/officeDocument/2006/relationships" xmlns:p="http://schemas.openxmlformats.org/presentationml/2006/main">
   <p:cSld>
+    <p:bg>
+      <p:bgPr>
+        <a:solidFill>
+          <a:schemeClr val="bg1"/>
+        </a:solidFill>
+        <a:effectLst/>
+      </p:bgPr>
+    </p:bg>
+    <p:spTree>
+      <p:nvGrpSpPr>
+        <p:cNvPr id="1" name=""/>
+        <p:cNvGrpSpPr/>
+        <p:nvPr/>
+      </p:nvGrpSpPr>
+      <p:grpSpPr>
+        <a:xfrm>
+          <a:off x="0" y="0"/>
+          <a:ext cx="0" cy="0"/>
+          <a:chOff x="0" y="0"/>
+          <a:chExt cx="0" cy="0"/>
+        </a:xfrm>
+      </p:grpSpPr>
+      <p:sp>
+        <p:nvSpPr>
+          <p:cNvPr id="4" name="Rechteck 3">
+            <a:extLst>
+              <a:ext uri="{FF2B5EF4-FFF2-40B4-BE49-F238E27FC236}">
+                <a16:creationId xmlns:a16="http://schemas.microsoft.com/office/drawing/2014/main" id="{60E656CF-5823-8117-B766-5E56A62C9616}"/>
+              </a:ext>
+            </a:extLst>
+          </p:cNvPr>
+          <p:cNvSpPr/>
+          <p:nvPr/>
+        </p:nvSpPr>
+        <p:spPr>
+          <a:xfrm>
+            <a:off x="0" y="0"/>
+            <a:ext cx="4068660" cy="6858000"/>
+          </a:xfrm>
+          <a:prstGeom prst="rect">
+            <a:avLst/>
+          </a:prstGeom>
+          <a:solidFill>
+            <a:srgbClr val="475871"/>
+          </a:solidFill>
+        </p:spPr>
+        <p:style>
+          <a:lnRef idx="2">
+            <a:schemeClr val="accent1">
+              <a:shade val="15000"/>
+            </a:schemeClr>
+          </a:lnRef>
+          <a:fillRef idx="1">
+            <a:schemeClr val="accent1"/>
+          </a:fillRef>
+          <a:effectRef idx="0">
+            <a:schemeClr val="accent1"/>
+          </a:effectRef>
+          <a:fontRef idx="minor">
+            <a:schemeClr val="lt1"/>
+          </a:fontRef>
+        </p:style>
+        <p:txBody>
+          <a:bodyPr rtlCol="0" anchor="ctr"/>
+          <a:lstStyle/>
+          <a:p>
+            <a:pPr algn="ctr"/>
+            <a:endParaRPr lang="de-DE" dirty="0"/>
+          </a:p>
+        </p:txBody>
+      </p:sp>
+      <p:sp>
+        <p:nvSpPr>
+          <p:cNvPr id="8" name="Textfeld 7">
+            <a:extLst>
+              <a:ext uri="{FF2B5EF4-FFF2-40B4-BE49-F238E27FC236}">
+                <a16:creationId xmlns:a16="http://schemas.microsoft.com/office/drawing/2014/main" id="{8113741F-AD87-53C7-EF8F-74777CE3CAF9}"/>
+              </a:ext>
+            </a:extLst>
+          </p:cNvPr>
+          <p:cNvSpPr txBox="1"/>
+          <p:nvPr/>
+        </p:nvSpPr>
+        <p:spPr>
+          <a:xfrm>
+            <a:off x="457199" y="709211"/>
+            <a:ext cx="3154261" cy="584775"/>
+          </a:xfrm>
+          <a:prstGeom prst="rect">
+            <a:avLst/>
+          </a:prstGeom>
+          <a:noFill/>
+        </p:spPr>
+        <p:txBody>
+          <a:bodyPr wrap="square" rtlCol="0">
+            <a:spAutoFit/>
+          </a:bodyPr>
+          <a:lstStyle/>
+          <a:p>
+            <a:pPr algn="ctr"/>
+            <a:r>
+              <a:rPr lang="de-DE" sz="3200" cap="all" spc="300" dirty="0">
+                <a:solidFill>
+                  <a:schemeClr val="bg2"/>
+                </a:solidFill>
+                <a:latin typeface="+mj-lt"/>
+                <a:ea typeface="+mj-ea"/>
+                <a:cs typeface="+mj-cs"/>
+              </a:rPr>
+              <a:t>Überblick</a:t>
+            </a:r>
+          </a:p>
+        </p:txBody>
+      </p:sp>
+      <p:sp>
+        <p:nvSpPr>
+          <p:cNvPr id="9" name="Rechteck 8">
+            <a:extLst>
+              <a:ext uri="{FF2B5EF4-FFF2-40B4-BE49-F238E27FC236}">
+                <a16:creationId xmlns:a16="http://schemas.microsoft.com/office/drawing/2014/main" id="{0D81A2D5-4B5F-7030-5FC2-FF872B0ABEC0}"/>
+              </a:ext>
+            </a:extLst>
+          </p:cNvPr>
+          <p:cNvSpPr/>
+          <p:nvPr/>
+        </p:nvSpPr>
+        <p:spPr>
+          <a:xfrm>
+            <a:off x="4824968" y="709211"/>
+            <a:ext cx="6596743" cy="5271796"/>
+          </a:xfrm>
+          <a:prstGeom prst="rect">
+            <a:avLst/>
+          </a:prstGeom>
+          <a:solidFill>
+            <a:srgbClr val="6C798D"/>
+          </a:solidFill>
+        </p:spPr>
+        <p:style>
+          <a:lnRef idx="2">
+            <a:schemeClr val="accent1">
+              <a:shade val="15000"/>
+            </a:schemeClr>
+          </a:lnRef>
+          <a:fillRef idx="1">
+            <a:schemeClr val="accent1"/>
+          </a:fillRef>
+          <a:effectRef idx="0">
+            <a:schemeClr val="accent1"/>
+          </a:effectRef>
+          <a:fontRef idx="minor">
+            <a:schemeClr val="lt1"/>
+          </a:fontRef>
+        </p:style>
+        <p:txBody>
+          <a:bodyPr rtlCol="0" anchor="ctr"/>
+          <a:lstStyle/>
+          <a:p>
+            <a:pPr marL="285750" indent="-285750">
+              <a:buFont typeface="Arial" panose="020B0604020202020204" pitchFamily="34" charset="0"/>
+              <a:buChar char="•"/>
+            </a:pPr>
+            <a:r>
+              <a:rPr lang="de-DE" dirty="0">
+                <a:latin typeface="+mj-lt"/>
+              </a:rPr>
+              <a:t>IETF – Sicherheitsstandard</a:t>
+            </a:r>
+          </a:p>
+          <a:p>
+            <a:pPr marL="285750" indent="-285750">
+              <a:buFont typeface="Arial" panose="020B0604020202020204" pitchFamily="34" charset="0"/>
+              <a:buChar char="•"/>
+            </a:pPr>
+            <a:r>
+              <a:rPr lang="de-DE" dirty="0">
+                <a:latin typeface="+mj-lt"/>
+              </a:rPr>
+              <a:t>Cyber-Sicherheitsprotokoll: </a:t>
+            </a:r>
+            <a:br>
+              <a:rPr lang="de-DE" dirty="0">
+                <a:latin typeface="+mj-lt"/>
+              </a:rPr>
+            </a:br>
+            <a:r>
+              <a:rPr lang="de-DE" dirty="0">
+                <a:latin typeface="+mj-lt"/>
+              </a:rPr>
+              <a:t>	Authentifikation</a:t>
+            </a:r>
+            <a:br>
+              <a:rPr lang="de-DE" dirty="0">
+                <a:latin typeface="+mj-lt"/>
+              </a:rPr>
+            </a:br>
+            <a:r>
+              <a:rPr lang="de-DE" dirty="0">
+                <a:latin typeface="+mj-lt"/>
+              </a:rPr>
+              <a:t>	Vertrauliche Client - Server Kommunikation</a:t>
+            </a:r>
+            <a:br>
+              <a:rPr lang="de-DE" dirty="0">
+                <a:latin typeface="+mj-lt"/>
+              </a:rPr>
+            </a:br>
+            <a:r>
+              <a:rPr lang="de-DE" dirty="0">
+                <a:latin typeface="+mj-lt"/>
+              </a:rPr>
+              <a:t>	Sicherstellung Integrität der Daten</a:t>
+            </a:r>
+          </a:p>
+          <a:p>
+            <a:pPr marL="285750" indent="-285750">
+              <a:buFont typeface="Arial" panose="020B0604020202020204" pitchFamily="34" charset="0"/>
+              <a:buChar char="•"/>
+            </a:pPr>
+            <a:r>
+              <a:rPr lang="de-DE" dirty="0">
+                <a:latin typeface="+mj-lt"/>
+              </a:rPr>
+              <a:t>Einfache Konfiguration und universelle Einsetzbarkeit</a:t>
+            </a:r>
+          </a:p>
+          <a:p>
+            <a:pPr marL="285750" indent="-285750">
+              <a:buFont typeface="Arial" panose="020B0604020202020204" pitchFamily="34" charset="0"/>
+              <a:buChar char="•"/>
+            </a:pPr>
+            <a:endParaRPr lang="de-DE" dirty="0">
+              <a:latin typeface="+mj-lt"/>
+            </a:endParaRPr>
+          </a:p>
+        </p:txBody>
+      </p:sp>
+      <p:pic>
+        <p:nvPicPr>
+          <p:cNvPr id="3" name="Grafik 2" descr="Chevronpfeile mit einfarbiger Füllung">
+            <a:extLst>
+              <a:ext uri="{FF2B5EF4-FFF2-40B4-BE49-F238E27FC236}">
+                <a16:creationId xmlns:a16="http://schemas.microsoft.com/office/drawing/2014/main" id="{F829BDF9-A891-D4A5-A2B6-4FDBD50D7F37}"/>
+              </a:ext>
+            </a:extLst>
+          </p:cNvPr>
+          <p:cNvPicPr>
+            <a:picLocks noChangeAspect="1"/>
+          </p:cNvPicPr>
+          <p:nvPr/>
+        </p:nvPicPr>
+        <p:blipFill>
+          <a:blip r:embed="rId4">
+            <a:extLst>
+              <a:ext uri="{28A0092B-C50C-407E-A947-70E740481C1C}">
+                <a14:useLocalDpi xmlns:a14="http://schemas.microsoft.com/office/drawing/2010/main" val="0"/>
+              </a:ext>
+              <a:ext uri="{96DAC541-7B7A-43D3-8B79-37D633B846F1}">
+                <asvg:svgBlip xmlns:asvg="http://schemas.microsoft.com/office/drawing/2016/SVG/main" r:embed="rId5"/>
+              </a:ext>
+            </a:extLst>
+          </a:blip>
+          <a:stretch>
+            <a:fillRect/>
+          </a:stretch>
+        </p:blipFill>
+        <p:spPr>
+          <a:xfrm>
+            <a:off x="343070" y="1710809"/>
+            <a:ext cx="584775" cy="584775"/>
+          </a:xfrm>
+          <a:prstGeom prst="rect">
+            <a:avLst/>
+          </a:prstGeom>
+        </p:spPr>
+      </p:pic>
+      <p:sp>
+        <p:nvSpPr>
+          <p:cNvPr id="6" name="Textfeld 5">
+            <a:extLst>
+              <a:ext uri="{FF2B5EF4-FFF2-40B4-BE49-F238E27FC236}">
+                <a16:creationId xmlns:a16="http://schemas.microsoft.com/office/drawing/2014/main" id="{887C695A-2C7A-E824-F2AD-F378F8B222B7}"/>
+              </a:ext>
+            </a:extLst>
+          </p:cNvPr>
+          <p:cNvSpPr txBox="1"/>
+          <p:nvPr/>
+        </p:nvSpPr>
+        <p:spPr>
+          <a:xfrm>
+            <a:off x="1012421" y="1710809"/>
+            <a:ext cx="2861952" cy="646331"/>
+          </a:xfrm>
+          <a:prstGeom prst="rect">
+            <a:avLst/>
+          </a:prstGeom>
+          <a:noFill/>
+        </p:spPr>
+        <p:txBody>
+          <a:bodyPr wrap="square" rtlCol="0">
+            <a:spAutoFit/>
+          </a:bodyPr>
+          <a:lstStyle/>
+          <a:p>
+            <a:r>
+              <a:rPr lang="de-DE" dirty="0">
+                <a:solidFill>
+                  <a:schemeClr val="bg1"/>
+                </a:solidFill>
+                <a:latin typeface="+mj-lt"/>
+              </a:rPr>
+              <a:t>Anwendungsschicht (HTTP, SMTP, SIP,…) </a:t>
+            </a:r>
+          </a:p>
+        </p:txBody>
+      </p:sp>
+      <p:pic>
+        <p:nvPicPr>
+          <p:cNvPr id="7" name="Grafik 6" descr="Chevronpfeile mit einfarbiger Füllung">
+            <a:extLst>
+              <a:ext uri="{FF2B5EF4-FFF2-40B4-BE49-F238E27FC236}">
+                <a16:creationId xmlns:a16="http://schemas.microsoft.com/office/drawing/2014/main" id="{EC07CE2F-754A-5F75-5FFD-306E97431DE2}"/>
+              </a:ext>
+            </a:extLst>
+          </p:cNvPr>
+          <p:cNvPicPr>
+            <a:picLocks noChangeAspect="1"/>
+          </p:cNvPicPr>
+          <p:nvPr/>
+        </p:nvPicPr>
+        <p:blipFill>
+          <a:blip r:embed="rId4">
+            <a:extLst>
+              <a:ext uri="{28A0092B-C50C-407E-A947-70E740481C1C}">
+                <a14:useLocalDpi xmlns:a14="http://schemas.microsoft.com/office/drawing/2010/main" val="0"/>
+              </a:ext>
+              <a:ext uri="{96DAC541-7B7A-43D3-8B79-37D633B846F1}">
+                <asvg:svgBlip xmlns:asvg="http://schemas.microsoft.com/office/drawing/2016/SVG/main" r:embed="rId5"/>
+              </a:ext>
+            </a:extLst>
+          </a:blip>
+          <a:stretch>
+            <a:fillRect/>
+          </a:stretch>
+        </p:blipFill>
+        <p:spPr>
+          <a:xfrm>
+            <a:off x="343069" y="2415091"/>
+            <a:ext cx="584775" cy="584775"/>
+          </a:xfrm>
+          <a:prstGeom prst="rect">
+            <a:avLst/>
+          </a:prstGeom>
+        </p:spPr>
+      </p:pic>
+      <p:sp>
+        <p:nvSpPr>
+          <p:cNvPr id="10" name="Textfeld 9">
+            <a:extLst>
+              <a:ext uri="{FF2B5EF4-FFF2-40B4-BE49-F238E27FC236}">
+                <a16:creationId xmlns:a16="http://schemas.microsoft.com/office/drawing/2014/main" id="{2398AD04-EE24-B393-6798-1DECA37902A1}"/>
+              </a:ext>
+            </a:extLst>
+          </p:cNvPr>
+          <p:cNvSpPr txBox="1"/>
+          <p:nvPr/>
+        </p:nvSpPr>
+        <p:spPr>
+          <a:xfrm>
+            <a:off x="1012421" y="2536400"/>
+            <a:ext cx="2861952" cy="369332"/>
+          </a:xfrm>
+          <a:prstGeom prst="rect">
+            <a:avLst/>
+          </a:prstGeom>
+          <a:noFill/>
+        </p:spPr>
+        <p:txBody>
+          <a:bodyPr wrap="square" rtlCol="0">
+            <a:spAutoFit/>
+          </a:bodyPr>
+          <a:lstStyle/>
+          <a:p>
+            <a:r>
+              <a:rPr lang="de-DE" b="1" u="sng" dirty="0">
+                <a:solidFill>
+                  <a:schemeClr val="bg1"/>
+                </a:solidFill>
+                <a:latin typeface="+mj-lt"/>
+              </a:rPr>
+              <a:t>TLS / SSL Schicht</a:t>
+            </a:r>
+          </a:p>
+        </p:txBody>
+      </p:sp>
+      <p:pic>
+        <p:nvPicPr>
+          <p:cNvPr id="15" name="Grafik 14" descr="Chevronpfeile mit einfarbiger Füllung">
+            <a:extLst>
+              <a:ext uri="{FF2B5EF4-FFF2-40B4-BE49-F238E27FC236}">
+                <a16:creationId xmlns:a16="http://schemas.microsoft.com/office/drawing/2014/main" id="{5B17ED31-5A17-CEDF-DD93-7C6A4EE193B9}"/>
+              </a:ext>
+            </a:extLst>
+          </p:cNvPr>
+          <p:cNvPicPr>
+            <a:picLocks noChangeAspect="1"/>
+          </p:cNvPicPr>
+          <p:nvPr/>
+        </p:nvPicPr>
+        <p:blipFill>
+          <a:blip r:embed="rId4">
+            <a:extLst>
+              <a:ext uri="{28A0092B-C50C-407E-A947-70E740481C1C}">
+                <a14:useLocalDpi xmlns:a14="http://schemas.microsoft.com/office/drawing/2010/main" val="0"/>
+              </a:ext>
+              <a:ext uri="{96DAC541-7B7A-43D3-8B79-37D633B846F1}">
+                <asvg:svgBlip xmlns:asvg="http://schemas.microsoft.com/office/drawing/2016/SVG/main" r:embed="rId5"/>
+              </a:ext>
+            </a:extLst>
+          </a:blip>
+          <a:stretch>
+            <a:fillRect/>
+          </a:stretch>
+        </p:blipFill>
+        <p:spPr>
+          <a:xfrm>
+            <a:off x="343070" y="3119373"/>
+            <a:ext cx="584775" cy="584775"/>
+          </a:xfrm>
+          <a:prstGeom prst="rect">
+            <a:avLst/>
+          </a:prstGeom>
+        </p:spPr>
+      </p:pic>
+      <p:sp>
+        <p:nvSpPr>
+          <p:cNvPr id="17" name="Textfeld 16">
+            <a:extLst>
+              <a:ext uri="{FF2B5EF4-FFF2-40B4-BE49-F238E27FC236}">
+                <a16:creationId xmlns:a16="http://schemas.microsoft.com/office/drawing/2014/main" id="{5385B2D8-9750-6BC5-2810-1A4C95715093}"/>
+              </a:ext>
+            </a:extLst>
+          </p:cNvPr>
+          <p:cNvSpPr txBox="1"/>
+          <p:nvPr/>
+        </p:nvSpPr>
+        <p:spPr>
+          <a:xfrm>
+            <a:off x="1012421" y="3119373"/>
+            <a:ext cx="2861952" cy="646331"/>
+          </a:xfrm>
+          <a:prstGeom prst="rect">
+            <a:avLst/>
+          </a:prstGeom>
+          <a:noFill/>
+        </p:spPr>
+        <p:txBody>
+          <a:bodyPr wrap="square" rtlCol="0">
+            <a:spAutoFit/>
+          </a:bodyPr>
+          <a:lstStyle/>
+          <a:p>
+            <a:r>
+              <a:rPr lang="de-DE" dirty="0">
+                <a:solidFill>
+                  <a:schemeClr val="bg1"/>
+                </a:solidFill>
+                <a:latin typeface="+mj-lt"/>
+              </a:rPr>
+              <a:t>Transportschicht (UDP,  TCP, …) </a:t>
+            </a:r>
+          </a:p>
+        </p:txBody>
+      </p:sp>
+      <p:pic>
+        <p:nvPicPr>
+          <p:cNvPr id="18" name="Grafik 17" descr="Chevronpfeile mit einfarbiger Füllung">
+            <a:extLst>
+              <a:ext uri="{FF2B5EF4-FFF2-40B4-BE49-F238E27FC236}">
+                <a16:creationId xmlns:a16="http://schemas.microsoft.com/office/drawing/2014/main" id="{2BFBFAA9-9FA7-8C4D-0800-6089AE6F2E26}"/>
+              </a:ext>
+            </a:extLst>
+          </p:cNvPr>
+          <p:cNvPicPr>
+            <a:picLocks noChangeAspect="1"/>
+          </p:cNvPicPr>
+          <p:nvPr/>
+        </p:nvPicPr>
+        <p:blipFill>
+          <a:blip r:embed="rId4">
+            <a:extLst>
+              <a:ext uri="{28A0092B-C50C-407E-A947-70E740481C1C}">
+                <a14:useLocalDpi xmlns:a14="http://schemas.microsoft.com/office/drawing/2010/main" val="0"/>
+              </a:ext>
+              <a:ext uri="{96DAC541-7B7A-43D3-8B79-37D633B846F1}">
+                <asvg:svgBlip xmlns:asvg="http://schemas.microsoft.com/office/drawing/2016/SVG/main" r:embed="rId5"/>
+              </a:ext>
+            </a:extLst>
+          </a:blip>
+          <a:stretch>
+            <a:fillRect/>
+          </a:stretch>
+        </p:blipFill>
+        <p:spPr>
+          <a:xfrm>
+            <a:off x="343069" y="3823655"/>
+            <a:ext cx="584775" cy="584775"/>
+          </a:xfrm>
+          <a:prstGeom prst="rect">
+            <a:avLst/>
+          </a:prstGeom>
+        </p:spPr>
+      </p:pic>
+      <p:sp>
+        <p:nvSpPr>
+          <p:cNvPr id="19" name="Textfeld 18">
+            <a:extLst>
+              <a:ext uri="{FF2B5EF4-FFF2-40B4-BE49-F238E27FC236}">
+                <a16:creationId xmlns:a16="http://schemas.microsoft.com/office/drawing/2014/main" id="{6E85976D-65B3-8D6B-6C3F-52577F887C31}"/>
+              </a:ext>
+            </a:extLst>
+          </p:cNvPr>
+          <p:cNvSpPr txBox="1"/>
+          <p:nvPr/>
+        </p:nvSpPr>
+        <p:spPr>
+          <a:xfrm>
+            <a:off x="1017625" y="3931376"/>
+            <a:ext cx="2861952" cy="369332"/>
+          </a:xfrm>
+          <a:prstGeom prst="rect">
+            <a:avLst/>
+          </a:prstGeom>
+          <a:noFill/>
+        </p:spPr>
+        <p:txBody>
+          <a:bodyPr wrap="square" rtlCol="0">
+            <a:spAutoFit/>
+          </a:bodyPr>
+          <a:lstStyle/>
+          <a:p>
+            <a:r>
+              <a:rPr lang="de-DE" dirty="0">
+                <a:solidFill>
+                  <a:schemeClr val="bg1"/>
+                </a:solidFill>
+                <a:latin typeface="+mj-lt"/>
+              </a:rPr>
+              <a:t>Internetschicht (IP, …)</a:t>
+            </a:r>
+          </a:p>
+        </p:txBody>
+      </p:sp>
+      <p:pic>
+        <p:nvPicPr>
+          <p:cNvPr id="20" name="Grafik 19" descr="Chevronpfeile mit einfarbiger Füllung">
+            <a:extLst>
+              <a:ext uri="{FF2B5EF4-FFF2-40B4-BE49-F238E27FC236}">
+                <a16:creationId xmlns:a16="http://schemas.microsoft.com/office/drawing/2014/main" id="{15501BF5-620B-492D-A9F3-B64CC8A0C9B7}"/>
+              </a:ext>
+            </a:extLst>
+          </p:cNvPr>
+          <p:cNvPicPr>
+            <a:picLocks noChangeAspect="1"/>
+          </p:cNvPicPr>
+          <p:nvPr/>
+        </p:nvPicPr>
+        <p:blipFill>
+          <a:blip r:embed="rId4">
+            <a:extLst>
+              <a:ext uri="{28A0092B-C50C-407E-A947-70E740481C1C}">
+                <a14:useLocalDpi xmlns:a14="http://schemas.microsoft.com/office/drawing/2010/main" val="0"/>
+              </a:ext>
+              <a:ext uri="{96DAC541-7B7A-43D3-8B79-37D633B846F1}">
+                <asvg:svgBlip xmlns:asvg="http://schemas.microsoft.com/office/drawing/2016/SVG/main" r:embed="rId5"/>
+              </a:ext>
+            </a:extLst>
+          </a:blip>
+          <a:stretch>
+            <a:fillRect/>
+          </a:stretch>
+        </p:blipFill>
+        <p:spPr>
+          <a:xfrm>
+            <a:off x="343069" y="4418288"/>
+            <a:ext cx="584775" cy="584775"/>
+          </a:xfrm>
+          <a:prstGeom prst="rect">
+            <a:avLst/>
+          </a:prstGeom>
+        </p:spPr>
+      </p:pic>
+      <p:sp>
+        <p:nvSpPr>
+          <p:cNvPr id="21" name="Textfeld 20">
+            <a:extLst>
+              <a:ext uri="{FF2B5EF4-FFF2-40B4-BE49-F238E27FC236}">
+                <a16:creationId xmlns:a16="http://schemas.microsoft.com/office/drawing/2014/main" id="{8B96D6FF-0C10-1E69-CCED-78BADF42AEAD}"/>
+              </a:ext>
+            </a:extLst>
+          </p:cNvPr>
+          <p:cNvSpPr txBox="1"/>
+          <p:nvPr/>
+        </p:nvSpPr>
+        <p:spPr>
+          <a:xfrm>
+            <a:off x="1012421" y="4387509"/>
+            <a:ext cx="2861952" cy="646331"/>
+          </a:xfrm>
+          <a:prstGeom prst="rect">
+            <a:avLst/>
+          </a:prstGeom>
+          <a:noFill/>
+        </p:spPr>
+        <p:txBody>
+          <a:bodyPr wrap="square" rtlCol="0">
+            <a:spAutoFit/>
+          </a:bodyPr>
+          <a:lstStyle/>
+          <a:p>
+            <a:r>
+              <a:rPr lang="de-DE" dirty="0">
+                <a:solidFill>
+                  <a:schemeClr val="bg1"/>
+                </a:solidFill>
+                <a:latin typeface="+mj-lt"/>
+              </a:rPr>
+              <a:t>Netzzugangsschicht (WLAN, Ethernet)</a:t>
+            </a:r>
+          </a:p>
+        </p:txBody>
+      </p:sp>
+      <p:sp>
+        <p:nvSpPr>
+          <p:cNvPr id="22" name="Textfeld 21">
+            <a:extLst>
+              <a:ext uri="{FF2B5EF4-FFF2-40B4-BE49-F238E27FC236}">
+                <a16:creationId xmlns:a16="http://schemas.microsoft.com/office/drawing/2014/main" id="{D9F55E6D-EB65-D97B-CC35-6D23B51CF5D5}"/>
+              </a:ext>
+            </a:extLst>
+          </p:cNvPr>
+          <p:cNvSpPr txBox="1"/>
+          <p:nvPr/>
+        </p:nvSpPr>
+        <p:spPr>
+          <a:xfrm>
+            <a:off x="3380282" y="5071523"/>
+            <a:ext cx="494091" cy="338554"/>
+          </a:xfrm>
+          <a:prstGeom prst="rect">
+            <a:avLst/>
+          </a:prstGeom>
+          <a:noFill/>
+        </p:spPr>
+        <p:txBody>
+          <a:bodyPr wrap="square" rtlCol="0">
+            <a:spAutoFit/>
+          </a:bodyPr>
+          <a:lstStyle/>
+          <a:p>
+            <a:r>
+              <a:rPr lang="de-DE" sz="1600" dirty="0">
+                <a:solidFill>
+                  <a:schemeClr val="bg1"/>
+                </a:solidFill>
+                <a:latin typeface="+mj-lt"/>
+              </a:rPr>
+              <a:t>[1]</a:t>
+            </a:r>
+          </a:p>
+        </p:txBody>
+      </p:sp>
+      <p:sp>
+        <p:nvSpPr>
+          <p:cNvPr id="23" name="Textfeld 22">
+            <a:extLst>
+              <a:ext uri="{FF2B5EF4-FFF2-40B4-BE49-F238E27FC236}">
+                <a16:creationId xmlns:a16="http://schemas.microsoft.com/office/drawing/2014/main" id="{323208F0-837B-EFA7-4359-A80CDE965791}"/>
+              </a:ext>
+            </a:extLst>
+          </p:cNvPr>
+          <p:cNvSpPr txBox="1"/>
+          <p:nvPr/>
+        </p:nvSpPr>
+        <p:spPr>
+          <a:xfrm>
+            <a:off x="10655299" y="5642453"/>
+            <a:ext cx="766412" cy="338554"/>
+          </a:xfrm>
+          <a:prstGeom prst="rect">
+            <a:avLst/>
+          </a:prstGeom>
+          <a:noFill/>
+        </p:spPr>
+        <p:txBody>
+          <a:bodyPr wrap="square" rtlCol="0">
+            <a:spAutoFit/>
+          </a:bodyPr>
+          <a:lstStyle/>
+          <a:p>
+            <a:r>
+              <a:rPr lang="de-DE" sz="1600" dirty="0">
+                <a:solidFill>
+                  <a:schemeClr val="bg1"/>
+                </a:solidFill>
+                <a:latin typeface="+mj-lt"/>
+              </a:rPr>
+              <a:t>[1], [2]</a:t>
+            </a:r>
+          </a:p>
+        </p:txBody>
+      </p:sp>
+    </p:spTree>
+    <p:extLst>
+      <p:ext uri="{BB962C8B-B14F-4D97-AF65-F5344CB8AC3E}">
+        <p14:creationId xmlns:p14="http://schemas.microsoft.com/office/powerpoint/2010/main" val="1463226974"/>
+      </p:ext>
+    </p:extLst>
+  </p:cSld>
+  <p:clrMapOvr>
+    <a:overrideClrMapping bg1="lt1" tx1="dk1" bg2="lt2" tx2="dk2" accent1="accent1" accent2="accent2" accent3="accent3" accent4="accent4" accent5="accent5" accent6="accent6" hlink="hlink" folHlink="folHlink"/>
+  </p:clrMapOvr>
+</p:sld>
+</file>
+
+<file path=ppt/slides/slide4.xml><?xml version="1.0" encoding="utf-8"?>
+<p:sld xmlns:a="http://schemas.openxmlformats.org/drawingml/2006/main" xmlns:r="http://schemas.openxmlformats.org/officeDocument/2006/relationships" xmlns:p="http://schemas.openxmlformats.org/presentationml/2006/main">
+  <p:cSld>
     <p:spTree>
       <p:nvGrpSpPr>
         <p:cNvPr id="1" name=""/>
@@ -22437,17 +21366,6 @@
           <a:p>
             <a:pPr algn="ctr"/>
             <a:r>
-              <a:rPr lang="de-DE" sz="3200" cap="all" spc="300" dirty="0" err="1">
-                <a:solidFill>
-                  <a:schemeClr val="bg2"/>
-                </a:solidFill>
-                <a:latin typeface="+mj-lt"/>
-                <a:ea typeface="+mj-ea"/>
-                <a:cs typeface="+mj-cs"/>
-              </a:rPr>
-              <a:t>Devops</a:t>
-            </a:r>
-            <a:r>
               <a:rPr lang="de-DE" sz="3200" cap="all" spc="300" dirty="0">
                 <a:solidFill>
                   <a:schemeClr val="bg2"/>
@@ -22456,2195 +21374,11 @@
                 <a:ea typeface="+mj-ea"/>
                 <a:cs typeface="+mj-cs"/>
               </a:rPr>
-              <a:t> and </a:t>
-            </a:r>
-            <a:r>
-              <a:rPr lang="de-DE" sz="3200" cap="all" spc="300" dirty="0" err="1">
-                <a:solidFill>
-                  <a:schemeClr val="bg2"/>
-                </a:solidFill>
-                <a:latin typeface="+mj-lt"/>
-                <a:ea typeface="+mj-ea"/>
-                <a:cs typeface="+mj-cs"/>
-              </a:rPr>
-              <a:t>Dataops</a:t>
-            </a:r>
-            <a:endParaRPr lang="de-DE" sz="3200" cap="all" spc="300" dirty="0">
-              <a:solidFill>
-                <a:schemeClr val="bg2"/>
-              </a:solidFill>
-              <a:latin typeface="+mj-lt"/>
-              <a:ea typeface="+mj-ea"/>
-              <a:cs typeface="+mj-cs"/>
-            </a:endParaRPr>
-          </a:p>
-        </p:txBody>
-      </p:sp>
-      <p:pic>
-        <p:nvPicPr>
-          <p:cNvPr id="8" name="Grafik 7">
-            <a:extLst>
-              <a:ext uri="{FF2B5EF4-FFF2-40B4-BE49-F238E27FC236}">
-                <a16:creationId xmlns:a16="http://schemas.microsoft.com/office/drawing/2014/main" id="{BC057C5E-1250-D297-B9A7-E911340808AB}"/>
-              </a:ext>
-            </a:extLst>
-          </p:cNvPr>
-          <p:cNvPicPr>
-            <a:picLocks noChangeAspect="1"/>
-          </p:cNvPicPr>
-          <p:nvPr/>
-        </p:nvPicPr>
-        <p:blipFill>
-          <a:blip r:embed="rId3"/>
-          <a:stretch>
-            <a:fillRect/>
-          </a:stretch>
-        </p:blipFill>
-        <p:spPr>
-          <a:xfrm>
-            <a:off x="950007" y="2606934"/>
-            <a:ext cx="10291985" cy="3815736"/>
-          </a:xfrm>
-          <a:prstGeom prst="rect">
-            <a:avLst/>
-          </a:prstGeom>
-        </p:spPr>
-      </p:pic>
-      <p:sp>
-        <p:nvSpPr>
-          <p:cNvPr id="9" name="Textfeld 8">
-            <a:extLst>
-              <a:ext uri="{FF2B5EF4-FFF2-40B4-BE49-F238E27FC236}">
-                <a16:creationId xmlns:a16="http://schemas.microsoft.com/office/drawing/2014/main" id="{544ED210-1945-D2E7-1318-E848331A4A10}"/>
-              </a:ext>
-            </a:extLst>
-          </p:cNvPr>
-          <p:cNvSpPr txBox="1"/>
-          <p:nvPr/>
-        </p:nvSpPr>
-        <p:spPr>
-          <a:xfrm>
-            <a:off x="10764456" y="6084116"/>
-            <a:ext cx="406099" cy="338554"/>
-          </a:xfrm>
-          <a:prstGeom prst="rect">
-            <a:avLst/>
-          </a:prstGeom>
-          <a:noFill/>
-        </p:spPr>
-        <p:txBody>
-          <a:bodyPr wrap="square" rtlCol="0">
-            <a:spAutoFit/>
-          </a:bodyPr>
-          <a:lstStyle/>
-          <a:p>
-            <a:r>
-              <a:rPr lang="de-DE" sz="1600" dirty="0">
-                <a:solidFill>
-                  <a:srgbClr val="475871"/>
-                </a:solidFill>
-                <a:latin typeface="+mj-lt"/>
-              </a:rPr>
-              <a:t>[2]</a:t>
+              <a:t>Komponenten und Dienste</a:t>
             </a:r>
           </a:p>
         </p:txBody>
       </p:sp>
-    </p:spTree>
-    <p:extLst>
-      <p:ext uri="{BB962C8B-B14F-4D97-AF65-F5344CB8AC3E}">
-        <p14:creationId xmlns:p14="http://schemas.microsoft.com/office/powerpoint/2010/main" val="2073148367"/>
-      </p:ext>
-    </p:extLst>
-  </p:cSld>
-  <p:clrMapOvr>
-    <a:masterClrMapping/>
-  </p:clrMapOvr>
-</p:sld>
-</file>
-
-<file path=ppt/slides/slide4.xml><?xml version="1.0" encoding="utf-8"?>
-<p:sld xmlns:a="http://schemas.openxmlformats.org/drawingml/2006/main" xmlns:r="http://schemas.openxmlformats.org/officeDocument/2006/relationships" xmlns:p="http://schemas.openxmlformats.org/presentationml/2006/main">
-  <p:cSld>
-    <p:spTree>
-      <p:nvGrpSpPr>
-        <p:cNvPr id="1" name=""/>
-        <p:cNvGrpSpPr/>
-        <p:nvPr/>
-      </p:nvGrpSpPr>
-      <p:grpSpPr>
-        <a:xfrm>
-          <a:off x="0" y="0"/>
-          <a:ext cx="0" cy="0"/>
-          <a:chOff x="0" y="0"/>
-          <a:chExt cx="0" cy="0"/>
-        </a:xfrm>
-      </p:grpSpPr>
-      <p:grpSp>
-        <p:nvGrpSpPr>
-          <p:cNvPr id="134" name="Gruppieren 133">
-            <a:extLst>
-              <a:ext uri="{FF2B5EF4-FFF2-40B4-BE49-F238E27FC236}">
-                <a16:creationId xmlns:a16="http://schemas.microsoft.com/office/drawing/2014/main" id="{8A6119DB-0BDB-6FB1-21D1-CC58F2B41BA8}"/>
-              </a:ext>
-            </a:extLst>
-          </p:cNvPr>
-          <p:cNvGrpSpPr/>
-          <p:nvPr/>
-        </p:nvGrpSpPr>
-        <p:grpSpPr>
-          <a:xfrm>
-            <a:off x="1331639" y="2233598"/>
-            <a:ext cx="9528721" cy="3266988"/>
-            <a:chOff x="1910137" y="2216016"/>
-            <a:chExt cx="9528721" cy="3266988"/>
-          </a:xfrm>
-        </p:grpSpPr>
-        <p:sp>
-          <p:nvSpPr>
-            <p:cNvPr id="85" name="Rechteck 84">
-              <a:extLst>
-                <a:ext uri="{FF2B5EF4-FFF2-40B4-BE49-F238E27FC236}">
-                  <a16:creationId xmlns:a16="http://schemas.microsoft.com/office/drawing/2014/main" id="{A7E9E03E-D88D-0E2B-21B6-92C00BAB6A08}"/>
-                </a:ext>
-              </a:extLst>
-            </p:cNvPr>
-            <p:cNvSpPr/>
-            <p:nvPr/>
-          </p:nvSpPr>
-          <p:spPr>
-            <a:xfrm>
-              <a:off x="3191875" y="2472153"/>
-              <a:ext cx="3103832" cy="2478638"/>
-            </a:xfrm>
-            <a:prstGeom prst="rect">
-              <a:avLst/>
-            </a:prstGeom>
-            <a:noFill/>
-            <a:ln w="25400">
-              <a:solidFill>
-                <a:srgbClr val="475871"/>
-              </a:solidFill>
-            </a:ln>
-          </p:spPr>
-          <p:style>
-            <a:lnRef idx="2">
-              <a:schemeClr val="accent1">
-                <a:shade val="15000"/>
-              </a:schemeClr>
-            </a:lnRef>
-            <a:fillRef idx="1">
-              <a:schemeClr val="accent1"/>
-            </a:fillRef>
-            <a:effectRef idx="0">
-              <a:schemeClr val="accent1"/>
-            </a:effectRef>
-            <a:fontRef idx="minor">
-              <a:schemeClr val="lt1"/>
-            </a:fontRef>
-          </p:style>
-          <p:txBody>
-            <a:bodyPr rtlCol="0" anchor="ctr"/>
-            <a:lstStyle/>
-            <a:p>
-              <a:pPr algn="ctr"/>
-              <a:endParaRPr lang="de-DE"/>
-            </a:p>
-          </p:txBody>
-        </p:sp>
-        <p:pic>
-          <p:nvPicPr>
-            <p:cNvPr id="86" name="Grafik 85" descr="Registrierkasse mit einfarbiger Füllung">
-              <a:extLst>
-                <a:ext uri="{FF2B5EF4-FFF2-40B4-BE49-F238E27FC236}">
-                  <a16:creationId xmlns:a16="http://schemas.microsoft.com/office/drawing/2014/main" id="{5027AF8A-5ADE-35B3-F791-1BFCB9208AC7}"/>
-                </a:ext>
-              </a:extLst>
-            </p:cNvPr>
-            <p:cNvPicPr>
-              <a:picLocks noChangeAspect="1"/>
-            </p:cNvPicPr>
-            <p:nvPr/>
-          </p:nvPicPr>
-          <p:blipFill>
-            <a:blip r:embed="rId3">
-              <a:extLst>
-                <a:ext uri="{28A0092B-C50C-407E-A947-70E740481C1C}">
-                  <a14:useLocalDpi xmlns:a14="http://schemas.microsoft.com/office/drawing/2010/main" val="0"/>
-                </a:ext>
-                <a:ext uri="{96DAC541-7B7A-43D3-8B79-37D633B846F1}">
-                  <asvg:svgBlip xmlns:asvg="http://schemas.microsoft.com/office/drawing/2016/SVG/main" r:embed="rId4"/>
-                </a:ext>
-              </a:extLst>
-            </a:blip>
-            <a:stretch>
-              <a:fillRect/>
-            </a:stretch>
-          </p:blipFill>
-          <p:spPr>
-            <a:xfrm>
-              <a:off x="2332799" y="3823855"/>
-              <a:ext cx="451607" cy="451607"/>
-            </a:xfrm>
-            <a:prstGeom prst="rect">
-              <a:avLst/>
-            </a:prstGeom>
-          </p:spPr>
-        </p:pic>
-        <p:sp>
-          <p:nvSpPr>
-            <p:cNvPr id="87" name="Textfeld 86">
-              <a:extLst>
-                <a:ext uri="{FF2B5EF4-FFF2-40B4-BE49-F238E27FC236}">
-                  <a16:creationId xmlns:a16="http://schemas.microsoft.com/office/drawing/2014/main" id="{B90F47A0-CAF1-D75E-A5DD-B82155E9B15A}"/>
-                </a:ext>
-              </a:extLst>
-            </p:cNvPr>
-            <p:cNvSpPr txBox="1"/>
-            <p:nvPr/>
-          </p:nvSpPr>
-          <p:spPr>
-            <a:xfrm>
-              <a:off x="5357297" y="4567348"/>
-              <a:ext cx="954247" cy="400110"/>
-            </a:xfrm>
-            <a:prstGeom prst="rect">
-              <a:avLst/>
-            </a:prstGeom>
-            <a:noFill/>
-          </p:spPr>
-          <p:txBody>
-            <a:bodyPr wrap="square" rtlCol="0">
-              <a:spAutoFit/>
-            </a:bodyPr>
-            <a:lstStyle/>
-            <a:p>
-              <a:r>
-                <a:rPr lang="de-DE" sz="2000" i="1" dirty="0">
-                  <a:solidFill>
-                    <a:srgbClr val="475871"/>
-                  </a:solidFill>
-                  <a:latin typeface="+mj-lt"/>
-                </a:rPr>
-                <a:t>Lambda</a:t>
-              </a:r>
-            </a:p>
-          </p:txBody>
-        </p:sp>
-        <p:sp>
-          <p:nvSpPr>
-            <p:cNvPr id="88" name="Rechteck 87">
-              <a:extLst>
-                <a:ext uri="{FF2B5EF4-FFF2-40B4-BE49-F238E27FC236}">
-                  <a16:creationId xmlns:a16="http://schemas.microsoft.com/office/drawing/2014/main" id="{41495E23-71B0-667F-29BA-9CC1F950C1E9}"/>
-                </a:ext>
-              </a:extLst>
-            </p:cNvPr>
-            <p:cNvSpPr/>
-            <p:nvPr/>
-          </p:nvSpPr>
-          <p:spPr>
-            <a:xfrm>
-              <a:off x="2179204" y="2472153"/>
-              <a:ext cx="758799" cy="2478638"/>
-            </a:xfrm>
-            <a:prstGeom prst="rect">
-              <a:avLst/>
-            </a:prstGeom>
-            <a:noFill/>
-            <a:ln w="25400">
-              <a:solidFill>
-                <a:srgbClr val="475871"/>
-              </a:solidFill>
-            </a:ln>
-          </p:spPr>
-          <p:style>
-            <a:lnRef idx="2">
-              <a:schemeClr val="accent1">
-                <a:shade val="15000"/>
-              </a:schemeClr>
-            </a:lnRef>
-            <a:fillRef idx="1">
-              <a:schemeClr val="accent1"/>
-            </a:fillRef>
-            <a:effectRef idx="0">
-              <a:schemeClr val="accent1"/>
-            </a:effectRef>
-            <a:fontRef idx="minor">
-              <a:schemeClr val="lt1"/>
-            </a:fontRef>
-          </p:style>
-          <p:txBody>
-            <a:bodyPr rtlCol="0" anchor="ctr"/>
-            <a:lstStyle/>
-            <a:p>
-              <a:pPr algn="ctr"/>
-              <a:endParaRPr lang="de-DE"/>
-            </a:p>
-          </p:txBody>
-        </p:sp>
-        <p:sp>
-          <p:nvSpPr>
-            <p:cNvPr id="89" name="Textfeld 88">
-              <a:extLst>
-                <a:ext uri="{FF2B5EF4-FFF2-40B4-BE49-F238E27FC236}">
-                  <a16:creationId xmlns:a16="http://schemas.microsoft.com/office/drawing/2014/main" id="{AED56116-5E34-4501-06BF-B687EAC803B9}"/>
-                </a:ext>
-              </a:extLst>
-            </p:cNvPr>
-            <p:cNvSpPr txBox="1"/>
-            <p:nvPr/>
-          </p:nvSpPr>
-          <p:spPr>
-            <a:xfrm>
-              <a:off x="2149834" y="4533379"/>
-              <a:ext cx="782571" cy="400110"/>
-            </a:xfrm>
-            <a:prstGeom prst="rect">
-              <a:avLst/>
-            </a:prstGeom>
-            <a:noFill/>
-          </p:spPr>
-          <p:txBody>
-            <a:bodyPr wrap="square" rtlCol="0">
-              <a:spAutoFit/>
-            </a:bodyPr>
-            <a:lstStyle/>
-            <a:p>
-              <a:r>
-                <a:rPr lang="de-DE" sz="2000" i="1" dirty="0">
-                  <a:solidFill>
-                    <a:srgbClr val="475871"/>
-                  </a:solidFill>
-                  <a:latin typeface="+mj-lt"/>
-                </a:rPr>
-                <a:t>Source</a:t>
-              </a:r>
-            </a:p>
-          </p:txBody>
-        </p:sp>
-        <p:sp>
-          <p:nvSpPr>
-            <p:cNvPr id="90" name="Rechteck: abgerundete Ecken 89">
-              <a:extLst>
-                <a:ext uri="{FF2B5EF4-FFF2-40B4-BE49-F238E27FC236}">
-                  <a16:creationId xmlns:a16="http://schemas.microsoft.com/office/drawing/2014/main" id="{DFDA1000-E033-6B23-1955-76C94C3684C6}"/>
-                </a:ext>
-              </a:extLst>
-            </p:cNvPr>
-            <p:cNvSpPr/>
-            <p:nvPr/>
-          </p:nvSpPr>
-          <p:spPr>
-            <a:xfrm>
-              <a:off x="3378558" y="2846027"/>
-              <a:ext cx="1205205" cy="751123"/>
-            </a:xfrm>
-            <a:prstGeom prst="roundRect">
-              <a:avLst>
-                <a:gd name="adj" fmla="val 10000"/>
-              </a:avLst>
-            </a:prstGeom>
-            <a:solidFill>
-              <a:schemeClr val="bg1"/>
-            </a:solidFill>
-            <a:ln w="12700">
-              <a:solidFill>
-                <a:srgbClr val="475871"/>
-              </a:solidFill>
-            </a:ln>
-          </p:spPr>
-          <p:style>
-            <a:lnRef idx="0">
-              <a:schemeClr val="accent1">
-                <a:hueOff val="0"/>
-                <a:satOff val="0"/>
-                <a:lumOff val="0"/>
-                <a:alphaOff val="0"/>
-              </a:schemeClr>
-            </a:lnRef>
-            <a:fillRef idx="1">
-              <a:scrgbClr r="0" g="0" b="0"/>
-            </a:fillRef>
-            <a:effectRef idx="0">
-              <a:schemeClr val="accent1">
-                <a:tint val="40000"/>
-                <a:hueOff val="0"/>
-                <a:satOff val="0"/>
-                <a:lumOff val="0"/>
-                <a:alphaOff val="0"/>
-              </a:schemeClr>
-            </a:effectRef>
-            <a:fontRef idx="minor">
-              <a:schemeClr val="dk1">
-                <a:hueOff val="0"/>
-                <a:satOff val="0"/>
-                <a:lumOff val="0"/>
-                <a:alphaOff val="0"/>
-              </a:schemeClr>
-            </a:fontRef>
-          </p:style>
-          <p:txBody>
-            <a:bodyPr/>
-            <a:lstStyle/>
-            <a:p>
-              <a:endParaRPr lang="de-DE"/>
-            </a:p>
-          </p:txBody>
-        </p:sp>
-        <p:sp>
-          <p:nvSpPr>
-            <p:cNvPr id="91" name="Textfeld 90">
-              <a:extLst>
-                <a:ext uri="{FF2B5EF4-FFF2-40B4-BE49-F238E27FC236}">
-                  <a16:creationId xmlns:a16="http://schemas.microsoft.com/office/drawing/2014/main" id="{9332A6DC-CA15-01D4-682C-0C508936DB02}"/>
-                </a:ext>
-              </a:extLst>
-            </p:cNvPr>
-            <p:cNvSpPr txBox="1"/>
-            <p:nvPr/>
-          </p:nvSpPr>
-          <p:spPr>
-            <a:xfrm>
-              <a:off x="3635635" y="3229374"/>
-              <a:ext cx="742562" cy="400110"/>
-            </a:xfrm>
-            <a:prstGeom prst="rect">
-              <a:avLst/>
-            </a:prstGeom>
-            <a:noFill/>
-          </p:spPr>
-          <p:txBody>
-            <a:bodyPr wrap="square" rtlCol="0">
-              <a:spAutoFit/>
-            </a:bodyPr>
-            <a:lstStyle/>
-            <a:p>
-              <a:r>
-                <a:rPr lang="de-DE" sz="2000" i="1" dirty="0">
-                  <a:solidFill>
-                    <a:srgbClr val="475871"/>
-                  </a:solidFill>
-                  <a:latin typeface="+mj-lt"/>
-                </a:rPr>
-                <a:t>Batch</a:t>
-              </a:r>
-            </a:p>
-          </p:txBody>
-        </p:sp>
-        <p:sp>
-          <p:nvSpPr>
-            <p:cNvPr id="92" name="Rechteck: abgerundete Ecken 91">
-              <a:extLst>
-                <a:ext uri="{FF2B5EF4-FFF2-40B4-BE49-F238E27FC236}">
-                  <a16:creationId xmlns:a16="http://schemas.microsoft.com/office/drawing/2014/main" id="{5B93CD21-95F3-3988-4A9D-7A7445285D3B}"/>
-                </a:ext>
-              </a:extLst>
-            </p:cNvPr>
-            <p:cNvSpPr/>
-            <p:nvPr/>
-          </p:nvSpPr>
-          <p:spPr>
-            <a:xfrm>
-              <a:off x="3360213" y="3875477"/>
-              <a:ext cx="1205205" cy="751123"/>
-            </a:xfrm>
-            <a:prstGeom prst="roundRect">
-              <a:avLst>
-                <a:gd name="adj" fmla="val 10000"/>
-              </a:avLst>
-            </a:prstGeom>
-            <a:solidFill>
-              <a:schemeClr val="bg1"/>
-            </a:solidFill>
-            <a:ln w="12700">
-              <a:solidFill>
-                <a:srgbClr val="475871"/>
-              </a:solidFill>
-            </a:ln>
-          </p:spPr>
-          <p:style>
-            <a:lnRef idx="0">
-              <a:schemeClr val="accent1">
-                <a:hueOff val="0"/>
-                <a:satOff val="0"/>
-                <a:lumOff val="0"/>
-                <a:alphaOff val="0"/>
-              </a:schemeClr>
-            </a:lnRef>
-            <a:fillRef idx="1">
-              <a:scrgbClr r="0" g="0" b="0"/>
-            </a:fillRef>
-            <a:effectRef idx="0">
-              <a:schemeClr val="accent1">
-                <a:tint val="40000"/>
-                <a:hueOff val="0"/>
-                <a:satOff val="0"/>
-                <a:lumOff val="0"/>
-                <a:alphaOff val="0"/>
-              </a:schemeClr>
-            </a:effectRef>
-            <a:fontRef idx="minor">
-              <a:schemeClr val="dk1">
-                <a:hueOff val="0"/>
-                <a:satOff val="0"/>
-                <a:lumOff val="0"/>
-                <a:alphaOff val="0"/>
-              </a:schemeClr>
-            </a:fontRef>
-          </p:style>
-          <p:txBody>
-            <a:bodyPr/>
-            <a:lstStyle/>
-            <a:p>
-              <a:endParaRPr lang="de-DE"/>
-            </a:p>
-          </p:txBody>
-        </p:sp>
-        <p:sp>
-          <p:nvSpPr>
-            <p:cNvPr id="93" name="Textfeld 92">
-              <a:extLst>
-                <a:ext uri="{FF2B5EF4-FFF2-40B4-BE49-F238E27FC236}">
-                  <a16:creationId xmlns:a16="http://schemas.microsoft.com/office/drawing/2014/main" id="{49488C5D-5669-24D5-CC00-5A9943C8474C}"/>
-                </a:ext>
-              </a:extLst>
-            </p:cNvPr>
-            <p:cNvSpPr txBox="1"/>
-            <p:nvPr/>
-          </p:nvSpPr>
-          <p:spPr>
-            <a:xfrm>
-              <a:off x="3589590" y="4199668"/>
-              <a:ext cx="742562" cy="400110"/>
-            </a:xfrm>
-            <a:prstGeom prst="rect">
-              <a:avLst/>
-            </a:prstGeom>
-            <a:noFill/>
-          </p:spPr>
-          <p:txBody>
-            <a:bodyPr wrap="square" rtlCol="0">
-              <a:spAutoFit/>
-            </a:bodyPr>
-            <a:lstStyle/>
-            <a:p>
-              <a:r>
-                <a:rPr lang="de-DE" sz="2000" i="1" dirty="0">
-                  <a:solidFill>
-                    <a:srgbClr val="475871"/>
-                  </a:solidFill>
-                  <a:latin typeface="+mj-lt"/>
-                </a:rPr>
-                <a:t>Speed</a:t>
-              </a:r>
-            </a:p>
-          </p:txBody>
-        </p:sp>
-        <p:sp>
-          <p:nvSpPr>
-            <p:cNvPr id="94" name="Rechteck: abgerundete Ecken 93">
-              <a:extLst>
-                <a:ext uri="{FF2B5EF4-FFF2-40B4-BE49-F238E27FC236}">
-                  <a16:creationId xmlns:a16="http://schemas.microsoft.com/office/drawing/2014/main" id="{89726276-0F86-3313-FBA1-1B2A8FCB5FA1}"/>
-                </a:ext>
-              </a:extLst>
-            </p:cNvPr>
-            <p:cNvSpPr/>
-            <p:nvPr/>
-          </p:nvSpPr>
-          <p:spPr>
-            <a:xfrm>
-              <a:off x="4915193" y="2846027"/>
-              <a:ext cx="1205205" cy="751123"/>
-            </a:xfrm>
-            <a:prstGeom prst="roundRect">
-              <a:avLst>
-                <a:gd name="adj" fmla="val 10000"/>
-              </a:avLst>
-            </a:prstGeom>
-            <a:solidFill>
-              <a:schemeClr val="bg1"/>
-            </a:solidFill>
-            <a:ln w="12700">
-              <a:solidFill>
-                <a:srgbClr val="475871"/>
-              </a:solidFill>
-            </a:ln>
-          </p:spPr>
-          <p:style>
-            <a:lnRef idx="0">
-              <a:schemeClr val="accent1">
-                <a:hueOff val="0"/>
-                <a:satOff val="0"/>
-                <a:lumOff val="0"/>
-                <a:alphaOff val="0"/>
-              </a:schemeClr>
-            </a:lnRef>
-            <a:fillRef idx="1">
-              <a:scrgbClr r="0" g="0" b="0"/>
-            </a:fillRef>
-            <a:effectRef idx="0">
-              <a:schemeClr val="accent1">
-                <a:tint val="40000"/>
-                <a:hueOff val="0"/>
-                <a:satOff val="0"/>
-                <a:lumOff val="0"/>
-                <a:alphaOff val="0"/>
-              </a:schemeClr>
-            </a:effectRef>
-            <a:fontRef idx="minor">
-              <a:schemeClr val="dk1">
-                <a:hueOff val="0"/>
-                <a:satOff val="0"/>
-                <a:lumOff val="0"/>
-                <a:alphaOff val="0"/>
-              </a:schemeClr>
-            </a:fontRef>
-          </p:style>
-          <p:txBody>
-            <a:bodyPr/>
-            <a:lstStyle/>
-            <a:p>
-              <a:endParaRPr lang="de-DE"/>
-            </a:p>
-          </p:txBody>
-        </p:sp>
-        <p:sp>
-          <p:nvSpPr>
-            <p:cNvPr id="95" name="Textfeld 94">
-              <a:extLst>
-                <a:ext uri="{FF2B5EF4-FFF2-40B4-BE49-F238E27FC236}">
-                  <a16:creationId xmlns:a16="http://schemas.microsoft.com/office/drawing/2014/main" id="{39AD17F7-9C3E-721F-B6D7-85A8C229561F}"/>
-                </a:ext>
-              </a:extLst>
-            </p:cNvPr>
-            <p:cNvSpPr txBox="1"/>
-            <p:nvPr/>
-          </p:nvSpPr>
-          <p:spPr>
-            <a:xfrm>
-              <a:off x="5076535" y="3221588"/>
-              <a:ext cx="883493" cy="400110"/>
-            </a:xfrm>
-            <a:prstGeom prst="rect">
-              <a:avLst/>
-            </a:prstGeom>
-            <a:noFill/>
-          </p:spPr>
-          <p:txBody>
-            <a:bodyPr wrap="square" rtlCol="0">
-              <a:spAutoFit/>
-            </a:bodyPr>
-            <a:lstStyle/>
-            <a:p>
-              <a:r>
-                <a:rPr lang="de-DE" sz="2000" i="1" dirty="0" err="1">
-                  <a:solidFill>
-                    <a:srgbClr val="475871"/>
-                  </a:solidFill>
-                  <a:latin typeface="+mj-lt"/>
-                </a:rPr>
-                <a:t>Serving</a:t>
-              </a:r>
-              <a:endParaRPr lang="de-DE" sz="2000" i="1" dirty="0">
-                <a:solidFill>
-                  <a:srgbClr val="475871"/>
-                </a:solidFill>
-                <a:latin typeface="+mj-lt"/>
-              </a:endParaRPr>
-            </a:p>
-          </p:txBody>
-        </p:sp>
-        <p:pic>
-          <p:nvPicPr>
-            <p:cNvPr id="96" name="Grafik 95" descr="Datenbank mit einfarbiger Füllung">
-              <a:extLst>
-                <a:ext uri="{FF2B5EF4-FFF2-40B4-BE49-F238E27FC236}">
-                  <a16:creationId xmlns:a16="http://schemas.microsoft.com/office/drawing/2014/main" id="{CA3A5DD3-EC39-3B15-62F4-E568ACCD5F4C}"/>
-                </a:ext>
-              </a:extLst>
-            </p:cNvPr>
-            <p:cNvPicPr>
-              <a:picLocks noChangeAspect="1"/>
-            </p:cNvPicPr>
-            <p:nvPr/>
-          </p:nvPicPr>
-          <p:blipFill>
-            <a:blip r:embed="rId5">
-              <a:extLst>
-                <a:ext uri="{28A0092B-C50C-407E-A947-70E740481C1C}">
-                  <a14:useLocalDpi xmlns:a14="http://schemas.microsoft.com/office/drawing/2010/main" val="0"/>
-                </a:ext>
-                <a:ext uri="{96DAC541-7B7A-43D3-8B79-37D633B846F1}">
-                  <asvg:svgBlip xmlns:asvg="http://schemas.microsoft.com/office/drawing/2016/SVG/main" r:embed="rId6"/>
-                </a:ext>
-              </a:extLst>
-            </a:blip>
-            <a:stretch>
-              <a:fillRect/>
-            </a:stretch>
-          </p:blipFill>
-          <p:spPr>
-            <a:xfrm>
-              <a:off x="3758027" y="2880785"/>
-              <a:ext cx="457200" cy="457200"/>
-            </a:xfrm>
-            <a:prstGeom prst="rect">
-              <a:avLst/>
-            </a:prstGeom>
-          </p:spPr>
-        </p:pic>
-        <p:pic>
-          <p:nvPicPr>
-            <p:cNvPr id="97" name="Grafik 96" descr="Zahnrad mit einfarbiger Füllung">
-              <a:extLst>
-                <a:ext uri="{FF2B5EF4-FFF2-40B4-BE49-F238E27FC236}">
-                  <a16:creationId xmlns:a16="http://schemas.microsoft.com/office/drawing/2014/main" id="{299F6A0B-16B5-4CBF-27DC-A203955DACBF}"/>
-                </a:ext>
-              </a:extLst>
-            </p:cNvPr>
-            <p:cNvPicPr>
-              <a:picLocks noChangeAspect="1"/>
-            </p:cNvPicPr>
-            <p:nvPr/>
-          </p:nvPicPr>
-          <p:blipFill>
-            <a:blip r:embed="rId7">
-              <a:extLst>
-                <a:ext uri="{28A0092B-C50C-407E-A947-70E740481C1C}">
-                  <a14:useLocalDpi xmlns:a14="http://schemas.microsoft.com/office/drawing/2010/main" val="0"/>
-                </a:ext>
-                <a:ext uri="{96DAC541-7B7A-43D3-8B79-37D633B846F1}">
-                  <asvg:svgBlip xmlns:asvg="http://schemas.microsoft.com/office/drawing/2016/SVG/main" r:embed="rId8"/>
-                </a:ext>
-              </a:extLst>
-            </a:blip>
-            <a:stretch>
-              <a:fillRect/>
-            </a:stretch>
-          </p:blipFill>
-          <p:spPr>
-            <a:xfrm>
-              <a:off x="5268906" y="2845282"/>
-              <a:ext cx="457200" cy="457200"/>
-            </a:xfrm>
-            <a:prstGeom prst="rect">
-              <a:avLst/>
-            </a:prstGeom>
-          </p:spPr>
-        </p:pic>
-        <p:pic>
-          <p:nvPicPr>
-            <p:cNvPr id="98" name="Grafik 97" descr="Blitz mit einfarbiger Füllung">
-              <a:extLst>
-                <a:ext uri="{FF2B5EF4-FFF2-40B4-BE49-F238E27FC236}">
-                  <a16:creationId xmlns:a16="http://schemas.microsoft.com/office/drawing/2014/main" id="{D0E49FF3-7E52-F9F6-655C-BB4D7210217A}"/>
-                </a:ext>
-              </a:extLst>
-            </p:cNvPr>
-            <p:cNvPicPr>
-              <a:picLocks noChangeAspect="1"/>
-            </p:cNvPicPr>
-            <p:nvPr/>
-          </p:nvPicPr>
-          <p:blipFill>
-            <a:blip r:embed="rId9">
-              <a:extLst>
-                <a:ext uri="{28A0092B-C50C-407E-A947-70E740481C1C}">
-                  <a14:useLocalDpi xmlns:a14="http://schemas.microsoft.com/office/drawing/2010/main" val="0"/>
-                </a:ext>
-                <a:ext uri="{96DAC541-7B7A-43D3-8B79-37D633B846F1}">
-                  <asvg:svgBlip xmlns:asvg="http://schemas.microsoft.com/office/drawing/2016/SVG/main" r:embed="rId10"/>
-                </a:ext>
-              </a:extLst>
-            </a:blip>
-            <a:stretch>
-              <a:fillRect/>
-            </a:stretch>
-          </p:blipFill>
-          <p:spPr>
-            <a:xfrm>
-              <a:off x="3758027" y="3897443"/>
-              <a:ext cx="457200" cy="457200"/>
-            </a:xfrm>
-            <a:prstGeom prst="rect">
-              <a:avLst/>
-            </a:prstGeom>
-          </p:spPr>
-        </p:pic>
-        <p:sp>
-          <p:nvSpPr>
-            <p:cNvPr id="99" name="Textfeld 98">
-              <a:extLst>
-                <a:ext uri="{FF2B5EF4-FFF2-40B4-BE49-F238E27FC236}">
-                  <a16:creationId xmlns:a16="http://schemas.microsoft.com/office/drawing/2014/main" id="{3FA1C4B1-737C-DDDD-162C-25B1A234A575}"/>
-                </a:ext>
-              </a:extLst>
-            </p:cNvPr>
-            <p:cNvSpPr txBox="1"/>
-            <p:nvPr/>
-          </p:nvSpPr>
-          <p:spPr>
-            <a:xfrm>
-              <a:off x="6093693" y="4950791"/>
-              <a:ext cx="317241" cy="246221"/>
-            </a:xfrm>
-            <a:prstGeom prst="rect">
-              <a:avLst/>
-            </a:prstGeom>
-            <a:noFill/>
-          </p:spPr>
-          <p:txBody>
-            <a:bodyPr wrap="square" rtlCol="0">
-              <a:spAutoFit/>
-            </a:bodyPr>
-            <a:lstStyle/>
-            <a:p>
-              <a:r>
-                <a:rPr lang="de-DE" sz="1000" dirty="0">
-                  <a:solidFill>
-                    <a:srgbClr val="475871"/>
-                  </a:solidFill>
-                  <a:latin typeface="+mj-lt"/>
-                </a:rPr>
-                <a:t>[1]</a:t>
-              </a:r>
-            </a:p>
-          </p:txBody>
-        </p:sp>
-        <p:sp>
-          <p:nvSpPr>
-            <p:cNvPr id="100" name="Textfeld 99">
-              <a:extLst>
-                <a:ext uri="{FF2B5EF4-FFF2-40B4-BE49-F238E27FC236}">
-                  <a16:creationId xmlns:a16="http://schemas.microsoft.com/office/drawing/2014/main" id="{00BB5F20-1602-8730-ADFE-6C29FB4D51F4}"/>
-                </a:ext>
-              </a:extLst>
-            </p:cNvPr>
-            <p:cNvSpPr txBox="1"/>
-            <p:nvPr/>
-          </p:nvSpPr>
-          <p:spPr>
-            <a:xfrm>
-              <a:off x="2357719" y="4199668"/>
-              <a:ext cx="451607" cy="400110"/>
-            </a:xfrm>
-            <a:prstGeom prst="rect">
-              <a:avLst/>
-            </a:prstGeom>
-            <a:noFill/>
-          </p:spPr>
-          <p:txBody>
-            <a:bodyPr wrap="square" rtlCol="0">
-              <a:spAutoFit/>
-            </a:bodyPr>
-            <a:lstStyle/>
-            <a:p>
-              <a:r>
-                <a:rPr lang="de-DE" sz="2000" i="1" dirty="0">
-                  <a:solidFill>
-                    <a:srgbClr val="475871"/>
-                  </a:solidFill>
-                  <a:latin typeface="+mj-lt"/>
-                </a:rPr>
-                <a:t>…</a:t>
-              </a:r>
-            </a:p>
-          </p:txBody>
-        </p:sp>
-        <p:pic>
-          <p:nvPicPr>
-            <p:cNvPr id="101" name="Grafik 100" descr="Lager mit einfarbiger Füllung">
-              <a:extLst>
-                <a:ext uri="{FF2B5EF4-FFF2-40B4-BE49-F238E27FC236}">
-                  <a16:creationId xmlns:a16="http://schemas.microsoft.com/office/drawing/2014/main" id="{C9BAE8B7-E2B5-7DDE-6DF5-7D6148772914}"/>
-                </a:ext>
-              </a:extLst>
-            </p:cNvPr>
-            <p:cNvPicPr>
-              <a:picLocks noChangeAspect="1"/>
-            </p:cNvPicPr>
-            <p:nvPr/>
-          </p:nvPicPr>
-          <p:blipFill>
-            <a:blip r:embed="rId11">
-              <a:extLst>
-                <a:ext uri="{28A0092B-C50C-407E-A947-70E740481C1C}">
-                  <a14:useLocalDpi xmlns:a14="http://schemas.microsoft.com/office/drawing/2010/main" val="0"/>
-                </a:ext>
-                <a:ext uri="{96DAC541-7B7A-43D3-8B79-37D633B846F1}">
-                  <asvg:svgBlip xmlns:asvg="http://schemas.microsoft.com/office/drawing/2016/SVG/main" r:embed="rId12"/>
-                </a:ext>
-              </a:extLst>
-            </a:blip>
-            <a:stretch>
-              <a:fillRect/>
-            </a:stretch>
-          </p:blipFill>
-          <p:spPr>
-            <a:xfrm>
-              <a:off x="2311222" y="2750147"/>
-              <a:ext cx="457200" cy="457200"/>
-            </a:xfrm>
-            <a:prstGeom prst="rect">
-              <a:avLst/>
-            </a:prstGeom>
-          </p:spPr>
-        </p:pic>
-        <p:pic>
-          <p:nvPicPr>
-            <p:cNvPr id="102" name="Grafik 101" descr="Fahrrad mit Personen mit einfarbiger Füllung">
-              <a:extLst>
-                <a:ext uri="{FF2B5EF4-FFF2-40B4-BE49-F238E27FC236}">
-                  <a16:creationId xmlns:a16="http://schemas.microsoft.com/office/drawing/2014/main" id="{266449B7-A63E-AA47-D59E-9B4B733B87B8}"/>
-                </a:ext>
-              </a:extLst>
-            </p:cNvPr>
-            <p:cNvPicPr>
-              <a:picLocks noChangeAspect="1"/>
-            </p:cNvPicPr>
-            <p:nvPr/>
-          </p:nvPicPr>
-          <p:blipFill>
-            <a:blip r:embed="rId13">
-              <a:extLst>
-                <a:ext uri="{28A0092B-C50C-407E-A947-70E740481C1C}">
-                  <a14:useLocalDpi xmlns:a14="http://schemas.microsoft.com/office/drawing/2010/main" val="0"/>
-                </a:ext>
-                <a:ext uri="{96DAC541-7B7A-43D3-8B79-37D633B846F1}">
-                  <asvg:svgBlip xmlns:asvg="http://schemas.microsoft.com/office/drawing/2016/SVG/main" r:embed="rId14"/>
-                </a:ext>
-              </a:extLst>
-            </a:blip>
-            <a:stretch>
-              <a:fillRect/>
-            </a:stretch>
-          </p:blipFill>
-          <p:spPr>
-            <a:xfrm>
-              <a:off x="2305494" y="3309875"/>
-              <a:ext cx="457200" cy="457200"/>
-            </a:xfrm>
-            <a:prstGeom prst="rect">
-              <a:avLst/>
-            </a:prstGeom>
-          </p:spPr>
-        </p:pic>
-        <p:cxnSp>
-          <p:nvCxnSpPr>
-            <p:cNvPr id="103" name="Gerade Verbindung mit Pfeil 102">
-              <a:extLst>
-                <a:ext uri="{FF2B5EF4-FFF2-40B4-BE49-F238E27FC236}">
-                  <a16:creationId xmlns:a16="http://schemas.microsoft.com/office/drawing/2014/main" id="{404ABC68-CA4D-2AE5-E78D-DE3E5123EB3E}"/>
-                </a:ext>
-              </a:extLst>
-            </p:cNvPr>
-            <p:cNvCxnSpPr>
-              <a:cxnSpLocks/>
-              <a:stCxn id="88" idx="3"/>
-              <a:endCxn id="92" idx="1"/>
-            </p:cNvCxnSpPr>
-            <p:nvPr/>
-          </p:nvCxnSpPr>
-          <p:spPr>
-            <a:xfrm>
-              <a:off x="2938003" y="3711472"/>
-              <a:ext cx="422210" cy="539567"/>
-            </a:xfrm>
-            <a:prstGeom prst="straightConnector1">
-              <a:avLst/>
-            </a:prstGeom>
-            <a:ln w="28575">
-              <a:solidFill>
-                <a:srgbClr val="475871"/>
-              </a:solidFill>
-              <a:tailEnd type="triangle"/>
-            </a:ln>
-          </p:spPr>
-          <p:style>
-            <a:lnRef idx="1">
-              <a:schemeClr val="accent1"/>
-            </a:lnRef>
-            <a:fillRef idx="0">
-              <a:schemeClr val="accent1"/>
-            </a:fillRef>
-            <a:effectRef idx="0">
-              <a:schemeClr val="accent1"/>
-            </a:effectRef>
-            <a:fontRef idx="minor">
-              <a:schemeClr val="tx1"/>
-            </a:fontRef>
-          </p:style>
-        </p:cxnSp>
-        <p:cxnSp>
-          <p:nvCxnSpPr>
-            <p:cNvPr id="104" name="Gerade Verbindung mit Pfeil 103">
-              <a:extLst>
-                <a:ext uri="{FF2B5EF4-FFF2-40B4-BE49-F238E27FC236}">
-                  <a16:creationId xmlns:a16="http://schemas.microsoft.com/office/drawing/2014/main" id="{59C17CC0-2FAE-011E-C56D-ED23E57EB7A3}"/>
-                </a:ext>
-              </a:extLst>
-            </p:cNvPr>
-            <p:cNvCxnSpPr>
-              <a:cxnSpLocks/>
-              <a:stCxn id="88" idx="3"/>
-              <a:endCxn id="90" idx="1"/>
-            </p:cNvCxnSpPr>
-            <p:nvPr/>
-          </p:nvCxnSpPr>
-          <p:spPr>
-            <a:xfrm flipV="1">
-              <a:off x="2938003" y="3221589"/>
-              <a:ext cx="440555" cy="489883"/>
-            </a:xfrm>
-            <a:prstGeom prst="straightConnector1">
-              <a:avLst/>
-            </a:prstGeom>
-            <a:ln w="28575">
-              <a:solidFill>
-                <a:srgbClr val="475871"/>
-              </a:solidFill>
-              <a:tailEnd type="triangle"/>
-            </a:ln>
-          </p:spPr>
-          <p:style>
-            <a:lnRef idx="1">
-              <a:schemeClr val="accent1"/>
-            </a:lnRef>
-            <a:fillRef idx="0">
-              <a:schemeClr val="accent1"/>
-            </a:fillRef>
-            <a:effectRef idx="0">
-              <a:schemeClr val="accent1"/>
-            </a:effectRef>
-            <a:fontRef idx="minor">
-              <a:schemeClr val="tx1"/>
-            </a:fontRef>
-          </p:style>
-        </p:cxnSp>
-        <p:sp>
-          <p:nvSpPr>
-            <p:cNvPr id="105" name="Textfeld 104">
-              <a:extLst>
-                <a:ext uri="{FF2B5EF4-FFF2-40B4-BE49-F238E27FC236}">
-                  <a16:creationId xmlns:a16="http://schemas.microsoft.com/office/drawing/2014/main" id="{9CB88258-E60B-658D-A158-95C1D408FA2B}"/>
-                </a:ext>
-              </a:extLst>
-            </p:cNvPr>
-            <p:cNvSpPr txBox="1"/>
-            <p:nvPr/>
-          </p:nvSpPr>
-          <p:spPr>
-            <a:xfrm>
-              <a:off x="6566305" y="4560192"/>
-              <a:ext cx="712025" cy="400110"/>
-            </a:xfrm>
-            <a:prstGeom prst="rect">
-              <a:avLst/>
-            </a:prstGeom>
-            <a:noFill/>
-          </p:spPr>
-          <p:txBody>
-            <a:bodyPr wrap="square" rtlCol="0">
-              <a:spAutoFit/>
-            </a:bodyPr>
-            <a:lstStyle/>
-            <a:p>
-              <a:r>
-                <a:rPr lang="de-DE" sz="2000" i="1" dirty="0">
-                  <a:solidFill>
-                    <a:srgbClr val="475871"/>
-                  </a:solidFill>
-                  <a:latin typeface="+mj-lt"/>
-                </a:rPr>
-                <a:t>HMI</a:t>
-              </a:r>
-            </a:p>
-          </p:txBody>
-        </p:sp>
-        <p:pic>
-          <p:nvPicPr>
-            <p:cNvPr id="106" name="Grafik 105" descr="Klemmbrett mit einfarbiger Füllung">
-              <a:extLst>
-                <a:ext uri="{FF2B5EF4-FFF2-40B4-BE49-F238E27FC236}">
-                  <a16:creationId xmlns:a16="http://schemas.microsoft.com/office/drawing/2014/main" id="{C272D512-4A6E-CDEC-B09E-CF585577E391}"/>
-                </a:ext>
-              </a:extLst>
-            </p:cNvPr>
-            <p:cNvPicPr>
-              <a:picLocks noChangeAspect="1"/>
-            </p:cNvPicPr>
-            <p:nvPr/>
-          </p:nvPicPr>
-          <p:blipFill>
-            <a:blip r:embed="rId15">
-              <a:extLst>
-                <a:ext uri="{28A0092B-C50C-407E-A947-70E740481C1C}">
-                  <a14:useLocalDpi xmlns:a14="http://schemas.microsoft.com/office/drawing/2010/main" val="0"/>
-                </a:ext>
-                <a:ext uri="{96DAC541-7B7A-43D3-8B79-37D633B846F1}">
-                  <asvg:svgBlip xmlns:asvg="http://schemas.microsoft.com/office/drawing/2016/SVG/main" r:embed="rId16"/>
-                </a:ext>
-              </a:extLst>
-            </a:blip>
-            <a:stretch>
-              <a:fillRect/>
-            </a:stretch>
-          </p:blipFill>
-          <p:spPr>
-            <a:xfrm>
-              <a:off x="6605735" y="4026975"/>
-              <a:ext cx="572945" cy="572945"/>
-            </a:xfrm>
-            <a:prstGeom prst="rect">
-              <a:avLst/>
-            </a:prstGeom>
-          </p:spPr>
-        </p:pic>
-        <p:sp>
-          <p:nvSpPr>
-            <p:cNvPr id="107" name="Rechteck 106">
-              <a:extLst>
-                <a:ext uri="{FF2B5EF4-FFF2-40B4-BE49-F238E27FC236}">
-                  <a16:creationId xmlns:a16="http://schemas.microsoft.com/office/drawing/2014/main" id="{58786C68-95D9-92BF-8BA5-BF052E30F336}"/>
-                </a:ext>
-              </a:extLst>
-            </p:cNvPr>
-            <p:cNvSpPr/>
-            <p:nvPr/>
-          </p:nvSpPr>
-          <p:spPr>
-            <a:xfrm>
-              <a:off x="6543966" y="3856248"/>
-              <a:ext cx="758799" cy="1088314"/>
-            </a:xfrm>
-            <a:prstGeom prst="rect">
-              <a:avLst/>
-            </a:prstGeom>
-            <a:noFill/>
-            <a:ln w="25400">
-              <a:solidFill>
-                <a:srgbClr val="475871"/>
-              </a:solidFill>
-            </a:ln>
-          </p:spPr>
-          <p:style>
-            <a:lnRef idx="2">
-              <a:schemeClr val="accent1">
-                <a:shade val="15000"/>
-              </a:schemeClr>
-            </a:lnRef>
-            <a:fillRef idx="1">
-              <a:schemeClr val="accent1"/>
-            </a:fillRef>
-            <a:effectRef idx="0">
-              <a:schemeClr val="accent1"/>
-            </a:effectRef>
-            <a:fontRef idx="minor">
-              <a:schemeClr val="lt1"/>
-            </a:fontRef>
-          </p:style>
-          <p:txBody>
-            <a:bodyPr rtlCol="0" anchor="ctr"/>
-            <a:lstStyle/>
-            <a:p>
-              <a:pPr algn="ctr"/>
-              <a:endParaRPr lang="de-DE"/>
-            </a:p>
-          </p:txBody>
-        </p:sp>
-        <p:cxnSp>
-          <p:nvCxnSpPr>
-            <p:cNvPr id="108" name="Gerade Verbindung mit Pfeil 107">
-              <a:extLst>
-                <a:ext uri="{FF2B5EF4-FFF2-40B4-BE49-F238E27FC236}">
-                  <a16:creationId xmlns:a16="http://schemas.microsoft.com/office/drawing/2014/main" id="{8DA5D9EE-C74D-3432-9FB7-27EAA79438AB}"/>
-                </a:ext>
-              </a:extLst>
-            </p:cNvPr>
-            <p:cNvCxnSpPr>
-              <a:cxnSpLocks/>
-            </p:cNvCxnSpPr>
-            <p:nvPr/>
-          </p:nvCxnSpPr>
-          <p:spPr>
-            <a:xfrm>
-              <a:off x="4554000" y="4251038"/>
-              <a:ext cx="1989174" cy="0"/>
-            </a:xfrm>
-            <a:prstGeom prst="straightConnector1">
-              <a:avLst/>
-            </a:prstGeom>
-            <a:ln w="28575">
-              <a:solidFill>
-                <a:srgbClr val="475871"/>
-              </a:solidFill>
-              <a:tailEnd type="triangle"/>
-            </a:ln>
-          </p:spPr>
-          <p:style>
-            <a:lnRef idx="1">
-              <a:schemeClr val="accent1"/>
-            </a:lnRef>
-            <a:fillRef idx="0">
-              <a:schemeClr val="accent1"/>
-            </a:fillRef>
-            <a:effectRef idx="0">
-              <a:schemeClr val="accent1"/>
-            </a:effectRef>
-            <a:fontRef idx="minor">
-              <a:schemeClr val="tx1"/>
-            </a:fontRef>
-          </p:style>
-        </p:cxnSp>
-        <p:cxnSp>
-          <p:nvCxnSpPr>
-            <p:cNvPr id="109" name="Gerade Verbindung mit Pfeil 108">
-              <a:extLst>
-                <a:ext uri="{FF2B5EF4-FFF2-40B4-BE49-F238E27FC236}">
-                  <a16:creationId xmlns:a16="http://schemas.microsoft.com/office/drawing/2014/main" id="{013E92C5-FB65-611F-3B60-C0677DCC2E08}"/>
-                </a:ext>
-              </a:extLst>
-            </p:cNvPr>
-            <p:cNvCxnSpPr>
-              <a:cxnSpLocks/>
-            </p:cNvCxnSpPr>
-            <p:nvPr/>
-          </p:nvCxnSpPr>
-          <p:spPr>
-            <a:xfrm>
-              <a:off x="6128619" y="3221588"/>
-              <a:ext cx="414549" cy="653889"/>
-            </a:xfrm>
-            <a:prstGeom prst="straightConnector1">
-              <a:avLst/>
-            </a:prstGeom>
-            <a:ln w="28575">
-              <a:solidFill>
-                <a:srgbClr val="475871"/>
-              </a:solidFill>
-              <a:tailEnd type="triangle"/>
-            </a:ln>
-          </p:spPr>
-          <p:style>
-            <a:lnRef idx="1">
-              <a:schemeClr val="accent1"/>
-            </a:lnRef>
-            <a:fillRef idx="0">
-              <a:schemeClr val="accent1"/>
-            </a:fillRef>
-            <a:effectRef idx="0">
-              <a:schemeClr val="accent1"/>
-            </a:effectRef>
-            <a:fontRef idx="minor">
-              <a:schemeClr val="tx1"/>
-            </a:fontRef>
-          </p:style>
-        </p:cxnSp>
-        <p:sp>
-          <p:nvSpPr>
-            <p:cNvPr id="110" name="Rechteck 109">
-              <a:extLst>
-                <a:ext uri="{FF2B5EF4-FFF2-40B4-BE49-F238E27FC236}">
-                  <a16:creationId xmlns:a16="http://schemas.microsoft.com/office/drawing/2014/main" id="{9F6F6BA9-4500-9B9B-B3CA-46D7A472DD8E}"/>
-                </a:ext>
-              </a:extLst>
-            </p:cNvPr>
-            <p:cNvSpPr/>
-            <p:nvPr/>
-          </p:nvSpPr>
-          <p:spPr>
-            <a:xfrm>
-              <a:off x="6543174" y="2472153"/>
-              <a:ext cx="758799" cy="1088314"/>
-            </a:xfrm>
-            <a:prstGeom prst="rect">
-              <a:avLst/>
-            </a:prstGeom>
-            <a:noFill/>
-            <a:ln w="25400">
-              <a:solidFill>
-                <a:srgbClr val="475871"/>
-              </a:solidFill>
-            </a:ln>
-          </p:spPr>
-          <p:style>
-            <a:lnRef idx="2">
-              <a:schemeClr val="accent1">
-                <a:shade val="15000"/>
-              </a:schemeClr>
-            </a:lnRef>
-            <a:fillRef idx="1">
-              <a:schemeClr val="accent1"/>
-            </a:fillRef>
-            <a:effectRef idx="0">
-              <a:schemeClr val="accent1"/>
-            </a:effectRef>
-            <a:fontRef idx="minor">
-              <a:schemeClr val="lt1"/>
-            </a:fontRef>
-          </p:style>
-          <p:txBody>
-            <a:bodyPr rtlCol="0" anchor="ctr"/>
-            <a:lstStyle/>
-            <a:p>
-              <a:pPr algn="ctr"/>
-              <a:endParaRPr lang="de-DE"/>
-            </a:p>
-          </p:txBody>
-        </p:sp>
-        <p:sp>
-          <p:nvSpPr>
-            <p:cNvPr id="111" name="Textfeld 110">
-              <a:extLst>
-                <a:ext uri="{FF2B5EF4-FFF2-40B4-BE49-F238E27FC236}">
-                  <a16:creationId xmlns:a16="http://schemas.microsoft.com/office/drawing/2014/main" id="{8297C245-9B66-7A7D-B2DA-41E4C6161672}"/>
-                </a:ext>
-              </a:extLst>
-            </p:cNvPr>
-            <p:cNvSpPr txBox="1"/>
-            <p:nvPr/>
-          </p:nvSpPr>
-          <p:spPr>
-            <a:xfrm>
-              <a:off x="6642974" y="3152691"/>
-              <a:ext cx="559193" cy="400110"/>
-            </a:xfrm>
-            <a:prstGeom prst="rect">
-              <a:avLst/>
-            </a:prstGeom>
-            <a:noFill/>
-          </p:spPr>
-          <p:txBody>
-            <a:bodyPr wrap="square" rtlCol="0">
-              <a:spAutoFit/>
-            </a:bodyPr>
-            <a:lstStyle/>
-            <a:p>
-              <a:r>
-                <a:rPr lang="de-DE" sz="2000" i="1" dirty="0">
-                  <a:solidFill>
-                    <a:srgbClr val="475871"/>
-                  </a:solidFill>
-                  <a:latin typeface="+mj-lt"/>
-                </a:rPr>
-                <a:t>ML</a:t>
-              </a:r>
-            </a:p>
-          </p:txBody>
-        </p:sp>
-        <p:cxnSp>
-          <p:nvCxnSpPr>
-            <p:cNvPr id="112" name="Gerade Verbindung mit Pfeil 111">
-              <a:extLst>
-                <a:ext uri="{FF2B5EF4-FFF2-40B4-BE49-F238E27FC236}">
-                  <a16:creationId xmlns:a16="http://schemas.microsoft.com/office/drawing/2014/main" id="{9FC2C0D2-A041-CF55-F530-4AC40C0D72CE}"/>
-                </a:ext>
-              </a:extLst>
-            </p:cNvPr>
-            <p:cNvCxnSpPr>
-              <a:cxnSpLocks/>
-              <a:stCxn id="94" idx="3"/>
-            </p:cNvCxnSpPr>
-            <p:nvPr/>
-          </p:nvCxnSpPr>
-          <p:spPr>
-            <a:xfrm>
-              <a:off x="6120398" y="3221589"/>
-              <a:ext cx="422776" cy="7785"/>
-            </a:xfrm>
-            <a:prstGeom prst="straightConnector1">
-              <a:avLst/>
-            </a:prstGeom>
-            <a:ln w="28575">
-              <a:solidFill>
-                <a:srgbClr val="475871"/>
-              </a:solidFill>
-              <a:tailEnd type="triangle"/>
-            </a:ln>
-          </p:spPr>
-          <p:style>
-            <a:lnRef idx="1">
-              <a:schemeClr val="accent1"/>
-            </a:lnRef>
-            <a:fillRef idx="0">
-              <a:schemeClr val="accent1"/>
-            </a:fillRef>
-            <a:effectRef idx="0">
-              <a:schemeClr val="accent1"/>
-            </a:effectRef>
-            <a:fontRef idx="minor">
-              <a:schemeClr val="tx1"/>
-            </a:fontRef>
-          </p:style>
-        </p:cxnSp>
-        <p:pic>
-          <p:nvPicPr>
-            <p:cNvPr id="113" name="Grafik 112" descr="Gute Idee mit einfarbiger Füllung">
-              <a:extLst>
-                <a:ext uri="{FF2B5EF4-FFF2-40B4-BE49-F238E27FC236}">
-                  <a16:creationId xmlns:a16="http://schemas.microsoft.com/office/drawing/2014/main" id="{C5DFF879-5460-AE84-4075-1E26BD8B3A48}"/>
-                </a:ext>
-              </a:extLst>
-            </p:cNvPr>
-            <p:cNvPicPr>
-              <a:picLocks noChangeAspect="1"/>
-            </p:cNvPicPr>
-            <p:nvPr/>
-          </p:nvPicPr>
-          <p:blipFill>
-            <a:blip r:embed="rId17">
-              <a:extLst>
-                <a:ext uri="{28A0092B-C50C-407E-A947-70E740481C1C}">
-                  <a14:useLocalDpi xmlns:a14="http://schemas.microsoft.com/office/drawing/2010/main" val="0"/>
-                </a:ext>
-                <a:ext uri="{96DAC541-7B7A-43D3-8B79-37D633B846F1}">
-                  <asvg:svgBlip xmlns:asvg="http://schemas.microsoft.com/office/drawing/2016/SVG/main" r:embed="rId18"/>
-                </a:ext>
-              </a:extLst>
-            </a:blip>
-            <a:stretch>
-              <a:fillRect/>
-            </a:stretch>
-          </p:blipFill>
-          <p:spPr>
-            <a:xfrm>
-              <a:off x="6696200" y="2621137"/>
-              <a:ext cx="452745" cy="452745"/>
-            </a:xfrm>
-            <a:prstGeom prst="rect">
-              <a:avLst/>
-            </a:prstGeom>
-          </p:spPr>
-        </p:pic>
-        <p:cxnSp>
-          <p:nvCxnSpPr>
-            <p:cNvPr id="114" name="Gerade Verbindung mit Pfeil 113">
-              <a:extLst>
-                <a:ext uri="{FF2B5EF4-FFF2-40B4-BE49-F238E27FC236}">
-                  <a16:creationId xmlns:a16="http://schemas.microsoft.com/office/drawing/2014/main" id="{D5BC4D0C-EC04-A1D2-DD27-B2CC9B0472BF}"/>
-                </a:ext>
-              </a:extLst>
-            </p:cNvPr>
-            <p:cNvCxnSpPr>
-              <a:cxnSpLocks/>
-              <a:stCxn id="90" idx="3"/>
-              <a:endCxn id="94" idx="1"/>
-            </p:cNvCxnSpPr>
-            <p:nvPr/>
-          </p:nvCxnSpPr>
-          <p:spPr>
-            <a:xfrm>
-              <a:off x="4583763" y="3221589"/>
-              <a:ext cx="331430" cy="0"/>
-            </a:xfrm>
-            <a:prstGeom prst="straightConnector1">
-              <a:avLst/>
-            </a:prstGeom>
-            <a:ln w="28575">
-              <a:solidFill>
-                <a:srgbClr val="475871"/>
-              </a:solidFill>
-              <a:tailEnd type="triangle"/>
-            </a:ln>
-          </p:spPr>
-          <p:style>
-            <a:lnRef idx="1">
-              <a:schemeClr val="accent1"/>
-            </a:lnRef>
-            <a:fillRef idx="0">
-              <a:schemeClr val="accent1"/>
-            </a:fillRef>
-            <a:effectRef idx="0">
-              <a:schemeClr val="accent1"/>
-            </a:effectRef>
-            <a:fontRef idx="minor">
-              <a:schemeClr val="tx1"/>
-            </a:fontRef>
-          </p:style>
-        </p:cxnSp>
-        <p:sp>
-          <p:nvSpPr>
-            <p:cNvPr id="118" name="Rechteck 117">
-              <a:extLst>
-                <a:ext uri="{FF2B5EF4-FFF2-40B4-BE49-F238E27FC236}">
-                  <a16:creationId xmlns:a16="http://schemas.microsoft.com/office/drawing/2014/main" id="{73683048-3934-8441-8FB3-2BB984CBF08F}"/>
-                </a:ext>
-              </a:extLst>
-            </p:cNvPr>
-            <p:cNvSpPr/>
-            <p:nvPr/>
-          </p:nvSpPr>
-          <p:spPr>
-            <a:xfrm>
-              <a:off x="1910137" y="2216016"/>
-              <a:ext cx="6383046" cy="3231471"/>
-            </a:xfrm>
-            <a:prstGeom prst="rect">
-              <a:avLst/>
-            </a:prstGeom>
-            <a:noFill/>
-            <a:ln w="28575">
-              <a:solidFill>
-                <a:srgbClr val="475871"/>
-              </a:solidFill>
-            </a:ln>
-          </p:spPr>
-          <p:style>
-            <a:lnRef idx="2">
-              <a:schemeClr val="accent1">
-                <a:shade val="15000"/>
-              </a:schemeClr>
-            </a:lnRef>
-            <a:fillRef idx="1">
-              <a:schemeClr val="accent1"/>
-            </a:fillRef>
-            <a:effectRef idx="0">
-              <a:schemeClr val="accent1"/>
-            </a:effectRef>
-            <a:fontRef idx="minor">
-              <a:schemeClr val="lt1"/>
-            </a:fontRef>
-          </p:style>
-          <p:txBody>
-            <a:bodyPr rtlCol="0" anchor="ctr"/>
-            <a:lstStyle/>
-            <a:p>
-              <a:pPr algn="ctr"/>
-              <a:endParaRPr lang="de-DE"/>
-            </a:p>
-          </p:txBody>
-        </p:sp>
-        <p:sp>
-          <p:nvSpPr>
-            <p:cNvPr id="119" name="Textfeld 118">
-              <a:extLst>
-                <a:ext uri="{FF2B5EF4-FFF2-40B4-BE49-F238E27FC236}">
-                  <a16:creationId xmlns:a16="http://schemas.microsoft.com/office/drawing/2014/main" id="{A902409D-93BA-7172-1FDF-F113A0111040}"/>
-                </a:ext>
-              </a:extLst>
-            </p:cNvPr>
-            <p:cNvSpPr txBox="1"/>
-            <p:nvPr/>
-          </p:nvSpPr>
-          <p:spPr>
-            <a:xfrm>
-              <a:off x="7137633" y="5041839"/>
-              <a:ext cx="1204274" cy="400110"/>
-            </a:xfrm>
-            <a:prstGeom prst="rect">
-              <a:avLst/>
-            </a:prstGeom>
-            <a:noFill/>
-          </p:spPr>
-          <p:txBody>
-            <a:bodyPr wrap="square" rtlCol="0">
-              <a:spAutoFit/>
-            </a:bodyPr>
-            <a:lstStyle/>
-            <a:p>
-              <a:r>
-                <a:rPr lang="de-DE" sz="2000" i="1" dirty="0" err="1">
-                  <a:solidFill>
-                    <a:srgbClr val="475871"/>
-                  </a:solidFill>
-                  <a:latin typeface="+mj-lt"/>
-                </a:rPr>
-                <a:t>Local</a:t>
-              </a:r>
-              <a:r>
-                <a:rPr lang="de-DE" sz="2000" i="1" dirty="0">
-                  <a:solidFill>
-                    <a:srgbClr val="475871"/>
-                  </a:solidFill>
-                  <a:latin typeface="+mj-lt"/>
-                </a:rPr>
-                <a:t> Store </a:t>
-              </a:r>
-            </a:p>
-          </p:txBody>
-        </p:sp>
-        <p:sp>
-          <p:nvSpPr>
-            <p:cNvPr id="120" name="Rechteck 119">
-              <a:extLst>
-                <a:ext uri="{FF2B5EF4-FFF2-40B4-BE49-F238E27FC236}">
-                  <a16:creationId xmlns:a16="http://schemas.microsoft.com/office/drawing/2014/main" id="{B8EFAFD5-FA33-FFD3-6B49-815397849A30}"/>
-                </a:ext>
-              </a:extLst>
-            </p:cNvPr>
-            <p:cNvSpPr/>
-            <p:nvPr/>
-          </p:nvSpPr>
-          <p:spPr>
-            <a:xfrm>
-              <a:off x="10237089" y="2245556"/>
-              <a:ext cx="1201769" cy="3225933"/>
-            </a:xfrm>
-            <a:prstGeom prst="rect">
-              <a:avLst/>
-            </a:prstGeom>
-            <a:noFill/>
-            <a:ln w="28575">
-              <a:solidFill>
-                <a:srgbClr val="475871"/>
-              </a:solidFill>
-            </a:ln>
-          </p:spPr>
-          <p:style>
-            <a:lnRef idx="2">
-              <a:schemeClr val="accent1">
-                <a:shade val="15000"/>
-              </a:schemeClr>
-            </a:lnRef>
-            <a:fillRef idx="1">
-              <a:schemeClr val="accent1"/>
-            </a:fillRef>
-            <a:effectRef idx="0">
-              <a:schemeClr val="accent1"/>
-            </a:effectRef>
-            <a:fontRef idx="minor">
-              <a:schemeClr val="lt1"/>
-            </a:fontRef>
-          </p:style>
-          <p:txBody>
-            <a:bodyPr rtlCol="0" anchor="ctr"/>
-            <a:lstStyle/>
-            <a:p>
-              <a:pPr algn="ctr"/>
-              <a:endParaRPr lang="de-DE"/>
-            </a:p>
-          </p:txBody>
-        </p:sp>
-        <p:sp>
-          <p:nvSpPr>
-            <p:cNvPr id="121" name="Textfeld 120">
-              <a:extLst>
-                <a:ext uri="{FF2B5EF4-FFF2-40B4-BE49-F238E27FC236}">
-                  <a16:creationId xmlns:a16="http://schemas.microsoft.com/office/drawing/2014/main" id="{E68F6C44-60D6-D7CF-6E94-AC2731E4B84D}"/>
-                </a:ext>
-              </a:extLst>
-            </p:cNvPr>
-            <p:cNvSpPr txBox="1"/>
-            <p:nvPr/>
-          </p:nvSpPr>
-          <p:spPr>
-            <a:xfrm>
-              <a:off x="10338837" y="5082894"/>
-              <a:ext cx="962586" cy="400110"/>
-            </a:xfrm>
-            <a:prstGeom prst="rect">
-              <a:avLst/>
-            </a:prstGeom>
-            <a:noFill/>
-          </p:spPr>
-          <p:txBody>
-            <a:bodyPr wrap="square" rtlCol="0">
-              <a:spAutoFit/>
-            </a:bodyPr>
-            <a:lstStyle/>
-            <a:p>
-              <a:r>
-                <a:rPr lang="de-DE" sz="2000" i="1" dirty="0">
-                  <a:solidFill>
-                    <a:srgbClr val="475871"/>
-                  </a:solidFill>
-                  <a:latin typeface="+mj-lt"/>
-                </a:rPr>
-                <a:t> </a:t>
-              </a:r>
-            </a:p>
-          </p:txBody>
-        </p:sp>
-        <p:sp>
-          <p:nvSpPr>
-            <p:cNvPr id="125" name="Pfeil: nach links und rechts 124">
-              <a:extLst>
-                <a:ext uri="{FF2B5EF4-FFF2-40B4-BE49-F238E27FC236}">
-                  <a16:creationId xmlns:a16="http://schemas.microsoft.com/office/drawing/2014/main" id="{21BF8CF0-2165-6FE0-B0DD-59E2DD031490}"/>
-                </a:ext>
-              </a:extLst>
-            </p:cNvPr>
-            <p:cNvSpPr/>
-            <p:nvPr/>
-          </p:nvSpPr>
-          <p:spPr>
-            <a:xfrm>
-              <a:off x="8293182" y="3669078"/>
-              <a:ext cx="1951874" cy="325032"/>
-            </a:xfrm>
-            <a:prstGeom prst="leftRightArrow">
-              <a:avLst/>
-            </a:prstGeom>
-            <a:solidFill>
-              <a:srgbClr val="475871"/>
-            </a:solidFill>
-          </p:spPr>
-          <p:style>
-            <a:lnRef idx="2">
-              <a:schemeClr val="accent1">
-                <a:shade val="15000"/>
-              </a:schemeClr>
-            </a:lnRef>
-            <a:fillRef idx="1">
-              <a:schemeClr val="accent1"/>
-            </a:fillRef>
-            <a:effectRef idx="0">
-              <a:schemeClr val="accent1"/>
-            </a:effectRef>
-            <a:fontRef idx="minor">
-              <a:schemeClr val="lt1"/>
-            </a:fontRef>
-          </p:style>
-          <p:txBody>
-            <a:bodyPr rtlCol="0" anchor="ctr"/>
-            <a:lstStyle/>
-            <a:p>
-              <a:pPr algn="ctr"/>
-              <a:endParaRPr lang="de-DE"/>
-            </a:p>
-          </p:txBody>
-        </p:sp>
-        <p:sp>
-          <p:nvSpPr>
-            <p:cNvPr id="127" name="Textfeld 126">
-              <a:extLst>
-                <a:ext uri="{FF2B5EF4-FFF2-40B4-BE49-F238E27FC236}">
-                  <a16:creationId xmlns:a16="http://schemas.microsoft.com/office/drawing/2014/main" id="{84DE67BF-A278-DCDE-5DF0-CC7B9DBCDF0A}"/>
-                </a:ext>
-              </a:extLst>
-            </p:cNvPr>
-            <p:cNvSpPr txBox="1"/>
-            <p:nvPr/>
-          </p:nvSpPr>
-          <p:spPr>
-            <a:xfrm>
-              <a:off x="10431842" y="5071379"/>
-              <a:ext cx="812262" cy="400110"/>
-            </a:xfrm>
-            <a:prstGeom prst="rect">
-              <a:avLst/>
-            </a:prstGeom>
-            <a:noFill/>
-          </p:spPr>
-          <p:txBody>
-            <a:bodyPr wrap="square" rtlCol="0">
-              <a:spAutoFit/>
-            </a:bodyPr>
-            <a:lstStyle/>
-            <a:p>
-              <a:r>
-                <a:rPr lang="de-DE" sz="2000" i="1" dirty="0">
-                  <a:solidFill>
-                    <a:srgbClr val="475871"/>
-                  </a:solidFill>
-                  <a:latin typeface="+mj-lt"/>
-                </a:rPr>
-                <a:t>Cloud </a:t>
-              </a:r>
-            </a:p>
-          </p:txBody>
-        </p:sp>
-        <p:pic>
-          <p:nvPicPr>
-            <p:cNvPr id="131" name="Grafik 130" descr="Gedankenblase Silhouette">
-              <a:extLst>
-                <a:ext uri="{FF2B5EF4-FFF2-40B4-BE49-F238E27FC236}">
-                  <a16:creationId xmlns:a16="http://schemas.microsoft.com/office/drawing/2014/main" id="{E5661604-07AA-A97E-E036-8CEC3B3D304E}"/>
-                </a:ext>
-              </a:extLst>
-            </p:cNvPr>
-            <p:cNvPicPr>
-              <a:picLocks noChangeAspect="1"/>
-            </p:cNvPicPr>
-            <p:nvPr/>
-          </p:nvPicPr>
-          <p:blipFill>
-            <a:blip r:embed="rId19">
-              <a:extLst>
-                <a:ext uri="{28A0092B-C50C-407E-A947-70E740481C1C}">
-                  <a14:useLocalDpi xmlns:a14="http://schemas.microsoft.com/office/drawing/2010/main" val="0"/>
-                </a:ext>
-                <a:ext uri="{96DAC541-7B7A-43D3-8B79-37D633B846F1}">
-                  <asvg:svgBlip xmlns:asvg="http://schemas.microsoft.com/office/drawing/2016/SVG/main" r:embed="rId20"/>
-                </a:ext>
-              </a:extLst>
-            </a:blip>
-            <a:stretch>
-              <a:fillRect/>
-            </a:stretch>
-          </p:blipFill>
-          <p:spPr>
-            <a:xfrm>
-              <a:off x="10390321" y="3374394"/>
-              <a:ext cx="914400" cy="914400"/>
-            </a:xfrm>
-            <a:prstGeom prst="rect">
-              <a:avLst/>
-            </a:prstGeom>
-          </p:spPr>
-        </p:pic>
-        <p:pic>
-          <p:nvPicPr>
-            <p:cNvPr id="123" name="Grafik 122" descr="Schild mit einfarbiger Füllung">
-              <a:extLst>
-                <a:ext uri="{FF2B5EF4-FFF2-40B4-BE49-F238E27FC236}">
-                  <a16:creationId xmlns:a16="http://schemas.microsoft.com/office/drawing/2014/main" id="{827EC5DE-F56B-33D5-9A80-3F59DF95C7ED}"/>
-                </a:ext>
-              </a:extLst>
-            </p:cNvPr>
-            <p:cNvPicPr>
-              <a:picLocks noChangeAspect="1"/>
-            </p:cNvPicPr>
-            <p:nvPr/>
-          </p:nvPicPr>
-          <p:blipFill>
-            <a:blip r:embed="rId21">
-              <a:extLst>
-                <a:ext uri="{28A0092B-C50C-407E-A947-70E740481C1C}">
-                  <a14:useLocalDpi xmlns:a14="http://schemas.microsoft.com/office/drawing/2010/main" val="0"/>
-                </a:ext>
-                <a:ext uri="{96DAC541-7B7A-43D3-8B79-37D633B846F1}">
-                  <asvg:svgBlip xmlns:asvg="http://schemas.microsoft.com/office/drawing/2016/SVG/main" r:embed="rId22"/>
-                </a:ext>
-              </a:extLst>
-            </a:blip>
-            <a:stretch>
-              <a:fillRect/>
-            </a:stretch>
-          </p:blipFill>
-          <p:spPr>
-            <a:xfrm>
-              <a:off x="8836473" y="3336638"/>
-              <a:ext cx="914400" cy="914400"/>
-            </a:xfrm>
-            <a:prstGeom prst="rect">
-              <a:avLst/>
-            </a:prstGeom>
-          </p:spPr>
-        </p:pic>
-        <p:sp>
-          <p:nvSpPr>
-            <p:cNvPr id="133" name="Textfeld 132">
-              <a:extLst>
-                <a:ext uri="{FF2B5EF4-FFF2-40B4-BE49-F238E27FC236}">
-                  <a16:creationId xmlns:a16="http://schemas.microsoft.com/office/drawing/2014/main" id="{47967245-EBE7-088B-E237-20C2368FF62F}"/>
-                </a:ext>
-              </a:extLst>
-            </p:cNvPr>
-            <p:cNvSpPr txBox="1"/>
-            <p:nvPr/>
-          </p:nvSpPr>
-          <p:spPr>
-            <a:xfrm>
-              <a:off x="8771497" y="4215363"/>
-              <a:ext cx="1131813" cy="707886"/>
-            </a:xfrm>
-            <a:prstGeom prst="rect">
-              <a:avLst/>
-            </a:prstGeom>
-            <a:noFill/>
-          </p:spPr>
-          <p:txBody>
-            <a:bodyPr wrap="square" rtlCol="0">
-              <a:spAutoFit/>
-            </a:bodyPr>
-            <a:lstStyle/>
-            <a:p>
-              <a:r>
-                <a:rPr lang="de-DE" sz="2000" i="1" dirty="0">
-                  <a:solidFill>
-                    <a:srgbClr val="475871"/>
-                  </a:solidFill>
-                  <a:latin typeface="+mj-lt"/>
-                </a:rPr>
-                <a:t>Firewall / VPN </a:t>
-              </a:r>
-            </a:p>
-          </p:txBody>
-        </p:sp>
-      </p:grpSp>
-      <p:sp>
-        <p:nvSpPr>
-          <p:cNvPr id="135" name="Rechteck 134">
-            <a:extLst>
-              <a:ext uri="{FF2B5EF4-FFF2-40B4-BE49-F238E27FC236}">
-                <a16:creationId xmlns:a16="http://schemas.microsoft.com/office/drawing/2014/main" id="{17554CC7-8C32-ECA1-5750-44A3B38EF1E7}"/>
-              </a:ext>
-            </a:extLst>
-          </p:cNvPr>
-          <p:cNvSpPr/>
-          <p:nvPr/>
-        </p:nvSpPr>
-        <p:spPr>
-          <a:xfrm>
-            <a:off x="0" y="0"/>
-            <a:ext cx="12192000" cy="1932674"/>
-          </a:xfrm>
-          <a:prstGeom prst="rect">
-            <a:avLst/>
-          </a:prstGeom>
-          <a:solidFill>
-            <a:srgbClr val="475871"/>
-          </a:solidFill>
-          <a:ln>
-            <a:solidFill>
-              <a:srgbClr val="475871"/>
-            </a:solidFill>
-          </a:ln>
-        </p:spPr>
-        <p:style>
-          <a:lnRef idx="2">
-            <a:schemeClr val="accent1">
-              <a:shade val="15000"/>
-            </a:schemeClr>
-          </a:lnRef>
-          <a:fillRef idx="1">
-            <a:schemeClr val="accent1"/>
-          </a:fillRef>
-          <a:effectRef idx="0">
-            <a:schemeClr val="accent1"/>
-          </a:effectRef>
-          <a:fontRef idx="minor">
-            <a:schemeClr val="lt1"/>
-          </a:fontRef>
-        </p:style>
-        <p:txBody>
-          <a:bodyPr rtlCol="0" anchor="ctr"/>
-          <a:lstStyle/>
-          <a:p>
-            <a:pPr algn="ctr"/>
-            <a:r>
-              <a:rPr lang="de-DE" sz="3200" cap="all" spc="300" dirty="0">
-                <a:solidFill>
-                  <a:schemeClr val="bg2"/>
-                </a:solidFill>
-                <a:latin typeface="+mj-lt"/>
-                <a:ea typeface="+mj-ea"/>
-                <a:cs typeface="+mj-cs"/>
-              </a:rPr>
-              <a:t>Architecture</a:t>
-            </a:r>
-          </a:p>
-        </p:txBody>
-      </p:sp>
-      <p:pic>
-        <p:nvPicPr>
-          <p:cNvPr id="143" name="Grafik 142" descr="Sperren Silhouette">
-            <a:extLst>
-              <a:ext uri="{FF2B5EF4-FFF2-40B4-BE49-F238E27FC236}">
-                <a16:creationId xmlns:a16="http://schemas.microsoft.com/office/drawing/2014/main" id="{218F4162-FC57-294A-261B-E6DBCC7CB2EF}"/>
-              </a:ext>
-            </a:extLst>
-          </p:cNvPr>
-          <p:cNvPicPr>
-            <a:picLocks noChangeAspect="1"/>
-          </p:cNvPicPr>
-          <p:nvPr/>
-        </p:nvPicPr>
-        <p:blipFill>
-          <a:blip r:embed="rId23">
-            <a:extLst>
-              <a:ext uri="{28A0092B-C50C-407E-A947-70E740481C1C}">
-                <a14:useLocalDpi xmlns:a14="http://schemas.microsoft.com/office/drawing/2010/main" val="0"/>
-              </a:ext>
-              <a:ext uri="{96DAC541-7B7A-43D3-8B79-37D633B846F1}">
-                <asvg:svgBlip xmlns:asvg="http://schemas.microsoft.com/office/drawing/2016/SVG/main" r:embed="rId24"/>
-              </a:ext>
-            </a:extLst>
-          </a:blip>
-          <a:stretch>
-            <a:fillRect/>
-          </a:stretch>
-        </p:blipFill>
-        <p:spPr>
-          <a:xfrm>
-            <a:off x="8395784" y="3469440"/>
-            <a:ext cx="630433" cy="630433"/>
-          </a:xfrm>
-          <a:prstGeom prst="rect">
-            <a:avLst/>
-          </a:prstGeom>
-        </p:spPr>
-      </p:pic>
-      <p:sp>
-        <p:nvSpPr>
-          <p:cNvPr id="144" name="Rechteck 143">
-            <a:extLst>
-              <a:ext uri="{FF2B5EF4-FFF2-40B4-BE49-F238E27FC236}">
-                <a16:creationId xmlns:a16="http://schemas.microsoft.com/office/drawing/2014/main" id="{22E71ABA-F8B0-BB32-4347-F28D877405C1}"/>
-              </a:ext>
-            </a:extLst>
-          </p:cNvPr>
-          <p:cNvSpPr/>
-          <p:nvPr/>
-        </p:nvSpPr>
-        <p:spPr>
-          <a:xfrm>
-            <a:off x="5147608" y="5598037"/>
-            <a:ext cx="2567076" cy="1091663"/>
-          </a:xfrm>
-          <a:prstGeom prst="rect">
-            <a:avLst/>
-          </a:prstGeom>
-          <a:noFill/>
-          <a:ln w="28575">
-            <a:solidFill>
-              <a:srgbClr val="475871"/>
-            </a:solidFill>
-          </a:ln>
-        </p:spPr>
-        <p:style>
-          <a:lnRef idx="2">
-            <a:schemeClr val="accent1">
-              <a:shade val="15000"/>
-            </a:schemeClr>
-          </a:lnRef>
-          <a:fillRef idx="1">
-            <a:schemeClr val="accent1"/>
-          </a:fillRef>
-          <a:effectRef idx="0">
-            <a:schemeClr val="accent1"/>
-          </a:effectRef>
-          <a:fontRef idx="minor">
-            <a:schemeClr val="lt1"/>
-          </a:fontRef>
-        </p:style>
-        <p:txBody>
-          <a:bodyPr rtlCol="0" anchor="ctr"/>
-          <a:lstStyle/>
-          <a:p>
-            <a:pPr algn="ctr"/>
-            <a:endParaRPr lang="de-DE"/>
-          </a:p>
-        </p:txBody>
-      </p:sp>
-      <p:pic>
-        <p:nvPicPr>
-          <p:cNvPr id="146" name="Grafik 145" descr="Bücher mit einfarbiger Füllung">
-            <a:extLst>
-              <a:ext uri="{FF2B5EF4-FFF2-40B4-BE49-F238E27FC236}">
-                <a16:creationId xmlns:a16="http://schemas.microsoft.com/office/drawing/2014/main" id="{0C3A77F0-0515-7823-4FBD-F87F2F1E5E68}"/>
-              </a:ext>
-            </a:extLst>
-          </p:cNvPr>
-          <p:cNvPicPr>
-            <a:picLocks noChangeAspect="1"/>
-          </p:cNvPicPr>
-          <p:nvPr/>
-        </p:nvPicPr>
-        <p:blipFill>
-          <a:blip r:embed="rId25">
-            <a:extLst>
-              <a:ext uri="{28A0092B-C50C-407E-A947-70E740481C1C}">
-                <a14:useLocalDpi xmlns:a14="http://schemas.microsoft.com/office/drawing/2010/main" val="0"/>
-              </a:ext>
-              <a:ext uri="{96DAC541-7B7A-43D3-8B79-37D633B846F1}">
-                <asvg:svgBlip xmlns:asvg="http://schemas.microsoft.com/office/drawing/2016/SVG/main" r:embed="rId26"/>
-              </a:ext>
-            </a:extLst>
-          </a:blip>
-          <a:stretch>
-            <a:fillRect/>
-          </a:stretch>
-        </p:blipFill>
-        <p:spPr>
-          <a:xfrm>
-            <a:off x="5207401" y="5717809"/>
-            <a:ext cx="914400" cy="914400"/>
-          </a:xfrm>
-          <a:prstGeom prst="rect">
-            <a:avLst/>
-          </a:prstGeom>
-        </p:spPr>
-      </p:pic>
-      <p:sp>
-        <p:nvSpPr>
-          <p:cNvPr id="147" name="Textfeld 146">
-            <a:extLst>
-              <a:ext uri="{FF2B5EF4-FFF2-40B4-BE49-F238E27FC236}">
-                <a16:creationId xmlns:a16="http://schemas.microsoft.com/office/drawing/2014/main" id="{95051C16-0D05-E05B-190F-9594EE2446AF}"/>
-              </a:ext>
-            </a:extLst>
-          </p:cNvPr>
-          <p:cNvSpPr txBox="1"/>
-          <p:nvPr/>
-        </p:nvSpPr>
-        <p:spPr>
-          <a:xfrm>
-            <a:off x="6312016" y="5981814"/>
-            <a:ext cx="1402668" cy="707886"/>
-          </a:xfrm>
-          <a:prstGeom prst="rect">
-            <a:avLst/>
-          </a:prstGeom>
-          <a:noFill/>
-        </p:spPr>
-        <p:txBody>
-          <a:bodyPr wrap="square" rtlCol="0">
-            <a:spAutoFit/>
-          </a:bodyPr>
-          <a:lstStyle/>
-          <a:p>
-            <a:r>
-              <a:rPr lang="de-DE" sz="2000" i="1" dirty="0">
-                <a:solidFill>
-                  <a:srgbClr val="475871"/>
-                </a:solidFill>
-                <a:latin typeface="+mj-lt"/>
-              </a:rPr>
-              <a:t>Fresh Corner Repository </a:t>
-            </a:r>
-          </a:p>
-        </p:txBody>
-      </p:sp>
-      <p:cxnSp>
-        <p:nvCxnSpPr>
-          <p:cNvPr id="149" name="Verbinder: gewinkelt 148">
-            <a:extLst>
-              <a:ext uri="{FF2B5EF4-FFF2-40B4-BE49-F238E27FC236}">
-                <a16:creationId xmlns:a16="http://schemas.microsoft.com/office/drawing/2014/main" id="{C0253CF9-52A8-1FC6-6D96-7647EBAA6A45}"/>
-              </a:ext>
-            </a:extLst>
-          </p:cNvPr>
-          <p:cNvCxnSpPr>
-            <a:cxnSpLocks/>
-            <a:stCxn id="144" idx="3"/>
-            <a:endCxn id="127" idx="2"/>
-          </p:cNvCxnSpPr>
-          <p:nvPr/>
-        </p:nvCxnSpPr>
-        <p:spPr>
-          <a:xfrm flipV="1">
-            <a:off x="7714684" y="5489071"/>
-            <a:ext cx="2544791" cy="654798"/>
-          </a:xfrm>
-          <a:prstGeom prst="bentConnector2">
-            <a:avLst/>
-          </a:prstGeom>
-          <a:ln w="28575">
-            <a:solidFill>
-              <a:srgbClr val="475871"/>
-            </a:solidFill>
-            <a:tailEnd type="triangle"/>
-          </a:ln>
-        </p:spPr>
-        <p:style>
-          <a:lnRef idx="1">
-            <a:schemeClr val="accent1"/>
-          </a:lnRef>
-          <a:fillRef idx="0">
-            <a:schemeClr val="accent1"/>
-          </a:fillRef>
-          <a:effectRef idx="0">
-            <a:schemeClr val="accent1"/>
-          </a:effectRef>
-          <a:fontRef idx="minor">
-            <a:schemeClr val="tx1"/>
-          </a:fontRef>
-        </p:style>
-      </p:cxnSp>
     </p:spTree>
     <p:extLst>
       <p:ext uri="{BB962C8B-B14F-4D97-AF65-F5344CB8AC3E}">
@@ -27643,7 +24377,7 @@
         <p:spPr>
           <a:xfrm>
             <a:off x="0" y="2321170"/>
-            <a:ext cx="10101943" cy="4110869"/>
+            <a:ext cx="10101943" cy="1522404"/>
           </a:xfrm>
           <a:prstGeom prst="rect">
             <a:avLst/>
@@ -27679,7 +24413,7 @@
                 </a:solidFill>
                 <a:latin typeface="+mj-lt"/>
               </a:rPr>
-              <a:t>Nathan </a:t>
+              <a:t>Norbert </a:t>
             </a:r>
             <a:r>
               <a:rPr lang="en-US" sz="1600" i="1" dirty="0" err="1">
@@ -27688,7 +24422,7 @@
                 </a:solidFill>
                 <a:latin typeface="+mj-lt"/>
               </a:rPr>
-              <a:t>Marz</a:t>
+              <a:t>Pohlmann</a:t>
             </a:r>
             <a:r>
               <a:rPr lang="en-US" sz="1600" i="1" dirty="0">
@@ -27697,7 +24431,7 @@
                 </a:solidFill>
                 <a:latin typeface="+mj-lt"/>
               </a:rPr>
-              <a:t> and James Warren | </a:t>
+              <a:t> | </a:t>
             </a:r>
             <a:r>
               <a:rPr lang="de-DE" sz="1600" i="1" dirty="0">
@@ -27706,24 +24440,7 @@
                 </a:solidFill>
                 <a:latin typeface="+mj-lt"/>
               </a:rPr>
-              <a:t>Big Data : Entwicklung und Programmierung von Systemen für große Datenmengen </a:t>
-            </a:r>
-            <a:br>
-              <a:rPr lang="de-DE" sz="1600" i="1" dirty="0">
-                <a:solidFill>
-                  <a:srgbClr val="475871"/>
-                </a:solidFill>
-                <a:latin typeface="+mj-lt"/>
-              </a:rPr>
-            </a:br>
-            <a:r>
-              <a:rPr lang="de-DE" sz="1600" i="1" dirty="0">
-                <a:solidFill>
-                  <a:srgbClr val="475871"/>
-                </a:solidFill>
-                <a:latin typeface="+mj-lt"/>
-              </a:rPr>
-              <a:t>und Einsatz der Lambda-Architektur </a:t>
+              <a:t>Cyber-Sicherheit: Das Lehrbuch für Konzepte, Prinzipien, Mechanismen, Architekturen und  Eigenschaften von Cyber-Sicherheitssystemen in der Digitalisierung </a:t>
             </a:r>
             <a:r>
               <a:rPr lang="en-US" sz="1600" i="1" dirty="0">
@@ -27732,16 +24449,16 @@
                 </a:solidFill>
                 <a:latin typeface="+mj-lt"/>
               </a:rPr>
-              <a:t>| </a:t>
+              <a:t>| Springer </a:t>
             </a:r>
             <a:r>
-              <a:rPr lang="de-DE" sz="1600" i="1" dirty="0" err="1">
+              <a:rPr lang="en-US" sz="1600" i="1" dirty="0" err="1">
                 <a:solidFill>
                   <a:srgbClr val="475871"/>
                 </a:solidFill>
                 <a:latin typeface="+mj-lt"/>
               </a:rPr>
-              <a:t>mitp</a:t>
+              <a:t>Vieweg</a:t>
             </a:r>
             <a:r>
               <a:rPr lang="de-DE" sz="1600" i="1" dirty="0">
@@ -27750,7 +24467,7 @@
                 </a:solidFill>
                 <a:latin typeface="+mj-lt"/>
               </a:rPr>
-              <a:t> | Auflage: 1 | 2016</a:t>
+              <a:t> | Auflage: 1 | 2019</a:t>
             </a:r>
           </a:p>
           <a:p>
@@ -27768,95 +24485,7 @@
                 </a:solidFill>
                 <a:latin typeface="+mj-lt"/>
               </a:rPr>
-              <a:t>[2] </a:t>
-            </a:r>
-            <a:r>
-              <a:rPr lang="de-DE" sz="1600" i="1" dirty="0">
-                <a:solidFill>
-                  <a:srgbClr val="475871"/>
-                </a:solidFill>
-                <a:latin typeface="+mj-lt"/>
-                <a:hlinkClick r:id="rId3"/>
-              </a:rPr>
-              <a:t>https://www.dataops.live/what-is-dataops#how-dataops-works</a:t>
-            </a:r>
-            <a:endParaRPr lang="de-DE" sz="1600" i="1" dirty="0">
-              <a:solidFill>
-                <a:srgbClr val="475871"/>
-              </a:solidFill>
-              <a:latin typeface="+mj-lt"/>
-            </a:endParaRPr>
-          </a:p>
-          <a:p>
-            <a:pPr marL="285750" indent="-285750">
-              <a:lnSpc>
-                <a:spcPct val="150000"/>
-              </a:lnSpc>
-              <a:buFont typeface="Arial" panose="020B0604020202020204" pitchFamily="34" charset="0"/>
-              <a:buChar char="•"/>
-            </a:pPr>
-            <a:r>
-              <a:rPr lang="de-DE" sz="1600" i="1" dirty="0">
-                <a:solidFill>
-                  <a:srgbClr val="475871"/>
-                </a:solidFill>
-                <a:latin typeface="+mj-lt"/>
-              </a:rPr>
-              <a:t>[3] </a:t>
-            </a:r>
-            <a:r>
-              <a:rPr lang="de-DE" sz="1600" i="1" dirty="0" err="1">
-                <a:solidFill>
-                  <a:srgbClr val="475871"/>
-                </a:solidFill>
-                <a:latin typeface="+mj-lt"/>
-              </a:rPr>
-              <a:t>Brikman</a:t>
-            </a:r>
-            <a:r>
-              <a:rPr lang="de-DE" sz="1600" i="1" dirty="0">
-                <a:solidFill>
-                  <a:srgbClr val="475871"/>
-                </a:solidFill>
-                <a:latin typeface="+mj-lt"/>
-              </a:rPr>
-              <a:t>, </a:t>
-            </a:r>
-            <a:r>
-              <a:rPr lang="de-DE" sz="1600" i="1" dirty="0" err="1">
-                <a:solidFill>
-                  <a:srgbClr val="475871"/>
-                </a:solidFill>
-                <a:latin typeface="+mj-lt"/>
-              </a:rPr>
-              <a:t>Yevgeniy</a:t>
-            </a:r>
-            <a:r>
-              <a:rPr lang="de-DE" sz="1600" i="1" dirty="0">
-                <a:solidFill>
-                  <a:srgbClr val="475871"/>
-                </a:solidFill>
-                <a:latin typeface="+mj-lt"/>
-              </a:rPr>
-              <a:t> | </a:t>
-            </a:r>
-            <a:r>
-              <a:rPr lang="en-US" sz="1600" i="1" dirty="0">
-                <a:solidFill>
-                  <a:srgbClr val="475871"/>
-                </a:solidFill>
-                <a:latin typeface="+mj-lt"/>
-              </a:rPr>
-              <a:t>Terraform : up and running [electronic resource] : writing infrastructure as code | </a:t>
-            </a:r>
-            <a:r>
-              <a:rPr lang="de-DE" sz="1600" i="1" dirty="0">
-                <a:solidFill>
-                  <a:srgbClr val="475871"/>
-                </a:solidFill>
-                <a:latin typeface="+mj-lt"/>
-              </a:rPr>
-              <a:t> O'Reilly | Auflage: 2 | 2019</a:t>
+              <a:t>[2] Jörg Schwenk | Sicherheit und Kryptographie im Internet: Theorie und Praxis | Springer Vieweg | Auflage: 5 | 2020</a:t>
             </a:r>
           </a:p>
           <a:p>
@@ -27867,258 +24496,12 @@
               <a:buFont typeface="Arial" panose="020B0604020202020204" pitchFamily="34" charset="0"/>
               <a:buChar char="•"/>
             </a:pPr>
-            <a:r>
-              <a:rPr lang="de-DE" sz="1600" i="1" dirty="0">
-                <a:solidFill>
-                  <a:srgbClr val="475871"/>
-                </a:solidFill>
-                <a:latin typeface="+mj-lt"/>
-              </a:rPr>
-              <a:t>[4] </a:t>
-            </a:r>
-            <a:r>
-              <a:rPr lang="de-DE" sz="1600" i="1" dirty="0">
-                <a:solidFill>
-                  <a:srgbClr val="475871"/>
-                </a:solidFill>
-                <a:latin typeface="+mj-lt"/>
-                <a:hlinkClick r:id="rId4"/>
-              </a:rPr>
-              <a:t>https://developer.hashicorp.com/terraform/intro</a:t>
-            </a:r>
             <a:endParaRPr lang="de-DE" sz="1600" i="1" dirty="0">
               <a:solidFill>
                 <a:srgbClr val="475871"/>
               </a:solidFill>
               <a:latin typeface="+mj-lt"/>
             </a:endParaRPr>
-          </a:p>
-          <a:p>
-            <a:pPr marL="285750" indent="-285750">
-              <a:lnSpc>
-                <a:spcPct val="150000"/>
-              </a:lnSpc>
-              <a:buFont typeface="Arial" panose="020B0604020202020204" pitchFamily="34" charset="0"/>
-              <a:buChar char="•"/>
-            </a:pPr>
-            <a:r>
-              <a:rPr lang="de-DE" sz="1600" i="1" dirty="0">
-                <a:solidFill>
-                  <a:srgbClr val="475871"/>
-                </a:solidFill>
-                <a:latin typeface="+mj-lt"/>
-              </a:rPr>
-              <a:t>[5] </a:t>
-            </a:r>
-            <a:r>
-              <a:rPr lang="de-DE" sz="1600" i="1" dirty="0">
-                <a:solidFill>
-                  <a:srgbClr val="475871"/>
-                </a:solidFill>
-                <a:latin typeface="+mj-lt"/>
-                <a:hlinkClick r:id="rId5"/>
-              </a:rPr>
-              <a:t>https://www.ionos.de/digitalguide/server/tools/was-ist-terraform/</a:t>
-            </a:r>
-            <a:endParaRPr lang="de-DE" sz="1600" i="1" dirty="0">
-              <a:solidFill>
-                <a:srgbClr val="475871"/>
-              </a:solidFill>
-              <a:latin typeface="+mj-lt"/>
-            </a:endParaRPr>
-          </a:p>
-          <a:p>
-            <a:pPr marL="285750" indent="-285750">
-              <a:lnSpc>
-                <a:spcPct val="150000"/>
-              </a:lnSpc>
-              <a:buFont typeface="Arial" panose="020B0604020202020204" pitchFamily="34" charset="0"/>
-              <a:buChar char="•"/>
-            </a:pPr>
-            <a:r>
-              <a:rPr lang="de-DE" sz="1600" i="1" dirty="0">
-                <a:solidFill>
-                  <a:srgbClr val="475871"/>
-                </a:solidFill>
-                <a:latin typeface="+mj-lt"/>
-              </a:rPr>
-              <a:t>[6] </a:t>
-            </a:r>
-            <a:r>
-              <a:rPr lang="de-DE" sz="1600" i="1" dirty="0">
-                <a:solidFill>
-                  <a:srgbClr val="475871"/>
-                </a:solidFill>
-                <a:latin typeface="+mj-lt"/>
-                <a:hlinkClick r:id="rId6"/>
-              </a:rPr>
-              <a:t>https://www.atlassian.com/microservices/microservices-architecture/kubernetes-vs-docker</a:t>
-            </a:r>
-            <a:endParaRPr lang="de-DE" sz="1600" i="1" dirty="0">
-              <a:solidFill>
-                <a:srgbClr val="475871"/>
-              </a:solidFill>
-              <a:latin typeface="+mj-lt"/>
-            </a:endParaRPr>
-          </a:p>
-          <a:p>
-            <a:pPr marL="285750" indent="-285750">
-              <a:lnSpc>
-                <a:spcPct val="150000"/>
-              </a:lnSpc>
-              <a:buFont typeface="Arial" panose="020B0604020202020204" pitchFamily="34" charset="0"/>
-              <a:buChar char="•"/>
-            </a:pPr>
-            <a:r>
-              <a:rPr lang="de-DE" sz="1600" i="1" dirty="0">
-                <a:solidFill>
-                  <a:srgbClr val="475871"/>
-                </a:solidFill>
-                <a:latin typeface="+mj-lt"/>
-              </a:rPr>
-              <a:t>[7] </a:t>
-            </a:r>
-            <a:r>
-              <a:rPr lang="de-DE" sz="1600" i="1" dirty="0">
-                <a:solidFill>
-                  <a:srgbClr val="475871"/>
-                </a:solidFill>
-                <a:latin typeface="+mj-lt"/>
-                <a:hlinkClick r:id="rId7"/>
-              </a:rPr>
-              <a:t>https://k21academy.com/docker-kubernetes/kubernetes-vs-docker</a:t>
-            </a:r>
-            <a:endParaRPr lang="de-DE" sz="1600" i="1" dirty="0">
-              <a:solidFill>
-                <a:srgbClr val="475871"/>
-              </a:solidFill>
-              <a:latin typeface="+mj-lt"/>
-            </a:endParaRPr>
-          </a:p>
-          <a:p>
-            <a:pPr marL="285750" indent="-285750">
-              <a:lnSpc>
-                <a:spcPct val="150000"/>
-              </a:lnSpc>
-              <a:buFont typeface="Arial" panose="020B0604020202020204" pitchFamily="34" charset="0"/>
-              <a:buChar char="•"/>
-            </a:pPr>
-            <a:r>
-              <a:rPr lang="de-DE" sz="1600" i="1" dirty="0">
-                <a:solidFill>
-                  <a:srgbClr val="475871"/>
-                </a:solidFill>
-                <a:latin typeface="+mj-lt"/>
-              </a:rPr>
-              <a:t>[8] </a:t>
-            </a:r>
-            <a:r>
-              <a:rPr lang="de-DE" sz="1600" i="1" dirty="0">
-                <a:solidFill>
-                  <a:srgbClr val="475871"/>
-                </a:solidFill>
-                <a:latin typeface="+mj-lt"/>
-                <a:hlinkClick r:id="rId8"/>
-              </a:rPr>
-              <a:t>https://www.ibm.com/blog/kubernetes-vs-docker/</a:t>
-            </a:r>
-            <a:endParaRPr lang="de-DE" sz="1600" i="1" dirty="0">
-              <a:solidFill>
-                <a:srgbClr val="475871"/>
-              </a:solidFill>
-              <a:latin typeface="+mj-lt"/>
-            </a:endParaRPr>
-          </a:p>
-          <a:p>
-            <a:pPr marL="285750" indent="-285750">
-              <a:lnSpc>
-                <a:spcPct val="150000"/>
-              </a:lnSpc>
-              <a:buFont typeface="Arial" panose="020B0604020202020204" pitchFamily="34" charset="0"/>
-              <a:buChar char="•"/>
-            </a:pPr>
-            <a:r>
-              <a:rPr lang="de-DE" sz="1600" i="1" dirty="0">
-                <a:solidFill>
-                  <a:srgbClr val="475871"/>
-                </a:solidFill>
-                <a:latin typeface="+mj-lt"/>
-              </a:rPr>
-              <a:t>[9] Victor </a:t>
-            </a:r>
-            <a:r>
-              <a:rPr lang="de-DE" sz="1600" i="1" dirty="0" err="1">
-                <a:solidFill>
-                  <a:srgbClr val="475871"/>
-                </a:solidFill>
-                <a:latin typeface="+mj-lt"/>
-              </a:rPr>
-              <a:t>Farcic</a:t>
-            </a:r>
-            <a:r>
-              <a:rPr lang="de-DE" sz="1600" i="1" dirty="0">
-                <a:solidFill>
-                  <a:srgbClr val="475871"/>
-                </a:solidFill>
-                <a:latin typeface="+mj-lt"/>
-              </a:rPr>
-              <a:t> | </a:t>
-            </a:r>
-            <a:r>
-              <a:rPr lang="en-US" sz="1600" i="1" dirty="0" err="1">
-                <a:solidFill>
-                  <a:srgbClr val="475871"/>
-                </a:solidFill>
-                <a:latin typeface="+mj-lt"/>
-              </a:rPr>
-              <a:t>Title:The</a:t>
-            </a:r>
-            <a:r>
-              <a:rPr lang="en-US" sz="1600" i="1" dirty="0">
-                <a:solidFill>
-                  <a:srgbClr val="475871"/>
-                </a:solidFill>
-                <a:latin typeface="+mj-lt"/>
-              </a:rPr>
-              <a:t> DevOps 2.0 Toolkit | </a:t>
-            </a:r>
-            <a:r>
-              <a:rPr lang="en-US" sz="1600" i="1" dirty="0" err="1">
-                <a:solidFill>
-                  <a:srgbClr val="475871"/>
-                </a:solidFill>
-                <a:latin typeface="+mj-lt"/>
-              </a:rPr>
-              <a:t>Packt</a:t>
-            </a:r>
-            <a:r>
-              <a:rPr lang="en-US" sz="1600" i="1" dirty="0">
-                <a:solidFill>
-                  <a:srgbClr val="475871"/>
-                </a:solidFill>
-                <a:latin typeface="+mj-lt"/>
-              </a:rPr>
-              <a:t> Publishing Ltd. | </a:t>
-            </a:r>
-            <a:r>
-              <a:rPr lang="en-US" sz="1600" i="1" dirty="0" err="1">
-                <a:solidFill>
-                  <a:srgbClr val="475871"/>
-                </a:solidFill>
-                <a:latin typeface="+mj-lt"/>
-              </a:rPr>
-              <a:t>Auflage</a:t>
-            </a:r>
-            <a:r>
-              <a:rPr lang="en-US" sz="1600" i="1" dirty="0">
-                <a:solidFill>
-                  <a:srgbClr val="475871"/>
-                </a:solidFill>
-                <a:latin typeface="+mj-lt"/>
-              </a:rPr>
-              <a:t>: 1 | 2016</a:t>
-            </a:r>
-            <a:endParaRPr lang="de-DE" dirty="0"/>
           </a:p>
         </p:txBody>
       </p:sp>
@@ -28715,4 +25098,47 @@
     </a:folHlink>
   </a:clrScheme>
 </a:themeOverride>
+</file>
+
+<file path=ppt/theme/themeOverride3.xml><?xml version="1.0" encoding="utf-8"?>
+<a:themeOverride xmlns:a="http://schemas.openxmlformats.org/drawingml/2006/main">
+  <a:clrScheme name="Office">
+    <a:dk1>
+      <a:srgbClr val="000000"/>
+    </a:dk1>
+    <a:lt1>
+      <a:srgbClr val="FFFFFF"/>
+    </a:lt1>
+    <a:dk2>
+      <a:srgbClr val="1D242E"/>
+    </a:dk2>
+    <a:lt2>
+      <a:srgbClr val="F2F1F1"/>
+    </a:lt2>
+    <a:accent1>
+      <a:srgbClr val="4472C4"/>
+    </a:accent1>
+    <a:accent2>
+      <a:srgbClr val="ED7D31"/>
+    </a:accent2>
+    <a:accent3>
+      <a:srgbClr val="A3A3A3"/>
+    </a:accent3>
+    <a:accent4>
+      <a:srgbClr val="CF9B00"/>
+    </a:accent4>
+    <a:accent5>
+      <a:srgbClr val="5B9BD5"/>
+    </a:accent5>
+    <a:accent6>
+      <a:srgbClr val="70AD47"/>
+    </a:accent6>
+    <a:hlink>
+      <a:srgbClr val="D26012"/>
+    </a:hlink>
+    <a:folHlink>
+      <a:srgbClr val="9A5879"/>
+    </a:folHlink>
+  </a:clrScheme>
+</a:themeOverride>
 </file>